--- a/3_CustomizeModel1_AddParameter/OpenModelica_Tutorials_3.pptx
+++ b/3_CustomizeModel1_AddParameter/OpenModelica_Tutorials_3.pptx
@@ -122,7 +122,7 @@
   </p:defaultTextStyle>
   <p:extLst>
     <p:ext uri="{EFAFB233-063F-42B5-8137-9DF3F51BA10A}">
-      <p15:sldGuideLst xmlns:p15="http://schemas.microsoft.com/office/powerpoint/2012/main"/>
+      <p15:sldGuideLst xmlns:p15="http://schemas.microsoft.com/office/powerpoint/2012/main" xmlns=""/>
     </p:ext>
   </p:extLst>
 </p:presentation>
@@ -154,7 +154,7 @@
           <p:cNvPr id="2" name="タイトル 1">
             <a:extLst>
               <a:ext uri="{FF2B5EF4-FFF2-40B4-BE49-F238E27FC236}">
-                <a16:creationId xmlns:a16="http://schemas.microsoft.com/office/drawing/2014/main" id="{C640A934-6052-47D7-9600-E017EFD518DE}"/>
+                <a16:creationId xmlns:a16="http://schemas.microsoft.com/office/drawing/2014/main" xmlns="" id="{C640A934-6052-47D7-9600-E017EFD518DE}"/>
               </a:ext>
             </a:extLst>
           </p:cNvPr>
@@ -191,7 +191,7 @@
           <p:cNvPr id="3" name="サブタイトル 2">
             <a:extLst>
               <a:ext uri="{FF2B5EF4-FFF2-40B4-BE49-F238E27FC236}">
-                <a16:creationId xmlns:a16="http://schemas.microsoft.com/office/drawing/2014/main" id="{3567CB88-D2AC-4759-A0FB-979F04B4A72A}"/>
+                <a16:creationId xmlns:a16="http://schemas.microsoft.com/office/drawing/2014/main" xmlns="" id="{3567CB88-D2AC-4759-A0FB-979F04B4A72A}"/>
               </a:ext>
             </a:extLst>
           </p:cNvPr>
@@ -261,7 +261,7 @@
           <p:cNvPr id="4" name="日付プレースホルダー 3">
             <a:extLst>
               <a:ext uri="{FF2B5EF4-FFF2-40B4-BE49-F238E27FC236}">
-                <a16:creationId xmlns:a16="http://schemas.microsoft.com/office/drawing/2014/main" id="{8F327D2F-D218-4DB3-A496-FC51084D5390}"/>
+                <a16:creationId xmlns:a16="http://schemas.microsoft.com/office/drawing/2014/main" xmlns="" id="{8F327D2F-D218-4DB3-A496-FC51084D5390}"/>
               </a:ext>
             </a:extLst>
           </p:cNvPr>
@@ -279,7 +279,7 @@
           <a:p>
             <a:fld id="{DC2F28B8-6A0E-40AF-8CFC-827A73FCDA81}" type="datetimeFigureOut">
               <a:rPr kumimoji="1" lang="ja-JP" altLang="en-US" smtClean="0"/>
-              <a:t>2017/12/4</a:t>
+              <a:t>2018/3/13</a:t>
             </a:fld>
             <a:endParaRPr kumimoji="1" lang="ja-JP" altLang="en-US"/>
           </a:p>
@@ -290,7 +290,7 @@
           <p:cNvPr id="5" name="フッター プレースホルダー 4">
             <a:extLst>
               <a:ext uri="{FF2B5EF4-FFF2-40B4-BE49-F238E27FC236}">
-                <a16:creationId xmlns:a16="http://schemas.microsoft.com/office/drawing/2014/main" id="{D5CE8AFA-1A69-423A-AE33-53D4B86E36E2}"/>
+                <a16:creationId xmlns:a16="http://schemas.microsoft.com/office/drawing/2014/main" xmlns="" id="{D5CE8AFA-1A69-423A-AE33-53D4B86E36E2}"/>
               </a:ext>
             </a:extLst>
           </p:cNvPr>
@@ -315,7 +315,7 @@
           <p:cNvPr id="6" name="スライド番号プレースホルダー 5">
             <a:extLst>
               <a:ext uri="{FF2B5EF4-FFF2-40B4-BE49-F238E27FC236}">
-                <a16:creationId xmlns:a16="http://schemas.microsoft.com/office/drawing/2014/main" id="{2631D19D-2B03-4CD1-904A-35788E90CF51}"/>
+                <a16:creationId xmlns:a16="http://schemas.microsoft.com/office/drawing/2014/main" xmlns="" id="{2631D19D-2B03-4CD1-904A-35788E90CF51}"/>
               </a:ext>
             </a:extLst>
           </p:cNvPr>
@@ -374,7 +374,7 @@
           <p:cNvPr id="2" name="タイトル 1">
             <a:extLst>
               <a:ext uri="{FF2B5EF4-FFF2-40B4-BE49-F238E27FC236}">
-                <a16:creationId xmlns:a16="http://schemas.microsoft.com/office/drawing/2014/main" id="{1E9F8C32-40DD-4764-AA14-CA340E88402B}"/>
+                <a16:creationId xmlns:a16="http://schemas.microsoft.com/office/drawing/2014/main" xmlns="" id="{1E9F8C32-40DD-4764-AA14-CA340E88402B}"/>
               </a:ext>
             </a:extLst>
           </p:cNvPr>
@@ -402,7 +402,7 @@
           <p:cNvPr id="3" name="縦書きテキスト プレースホルダー 2">
             <a:extLst>
               <a:ext uri="{FF2B5EF4-FFF2-40B4-BE49-F238E27FC236}">
-                <a16:creationId xmlns:a16="http://schemas.microsoft.com/office/drawing/2014/main" id="{BB25EDB7-B389-43DE-88B0-2E43F12A7051}"/>
+                <a16:creationId xmlns:a16="http://schemas.microsoft.com/office/drawing/2014/main" xmlns="" id="{BB25EDB7-B389-43DE-88B0-2E43F12A7051}"/>
               </a:ext>
             </a:extLst>
           </p:cNvPr>
@@ -491,7 +491,7 @@
           <p:cNvPr id="4" name="日付プレースホルダー 3">
             <a:extLst>
               <a:ext uri="{FF2B5EF4-FFF2-40B4-BE49-F238E27FC236}">
-                <a16:creationId xmlns:a16="http://schemas.microsoft.com/office/drawing/2014/main" id="{F4750E22-4C4B-417A-8C48-347CB348ECFB}"/>
+                <a16:creationId xmlns:a16="http://schemas.microsoft.com/office/drawing/2014/main" xmlns="" id="{F4750E22-4C4B-417A-8C48-347CB348ECFB}"/>
               </a:ext>
             </a:extLst>
           </p:cNvPr>
@@ -509,7 +509,7 @@
           <a:p>
             <a:fld id="{DC2F28B8-6A0E-40AF-8CFC-827A73FCDA81}" type="datetimeFigureOut">
               <a:rPr kumimoji="1" lang="ja-JP" altLang="en-US" smtClean="0"/>
-              <a:t>2017/12/4</a:t>
+              <a:t>2018/3/13</a:t>
             </a:fld>
             <a:endParaRPr kumimoji="1" lang="ja-JP" altLang="en-US"/>
           </a:p>
@@ -520,7 +520,7 @@
           <p:cNvPr id="5" name="フッター プレースホルダー 4">
             <a:extLst>
               <a:ext uri="{FF2B5EF4-FFF2-40B4-BE49-F238E27FC236}">
-                <a16:creationId xmlns:a16="http://schemas.microsoft.com/office/drawing/2014/main" id="{2C19161E-7AEC-4345-BBC9-3BC233DE1002}"/>
+                <a16:creationId xmlns:a16="http://schemas.microsoft.com/office/drawing/2014/main" xmlns="" id="{2C19161E-7AEC-4345-BBC9-3BC233DE1002}"/>
               </a:ext>
             </a:extLst>
           </p:cNvPr>
@@ -545,7 +545,7 @@
           <p:cNvPr id="6" name="スライド番号プレースホルダー 5">
             <a:extLst>
               <a:ext uri="{FF2B5EF4-FFF2-40B4-BE49-F238E27FC236}">
-                <a16:creationId xmlns:a16="http://schemas.microsoft.com/office/drawing/2014/main" id="{86EA905A-EBB0-4E40-9913-3C0464FD4749}"/>
+                <a16:creationId xmlns:a16="http://schemas.microsoft.com/office/drawing/2014/main" xmlns="" id="{86EA905A-EBB0-4E40-9913-3C0464FD4749}"/>
               </a:ext>
             </a:extLst>
           </p:cNvPr>
@@ -604,7 +604,7 @@
           <p:cNvPr id="2" name="縦書きタイトル 1">
             <a:extLst>
               <a:ext uri="{FF2B5EF4-FFF2-40B4-BE49-F238E27FC236}">
-                <a16:creationId xmlns:a16="http://schemas.microsoft.com/office/drawing/2014/main" id="{8A876662-0CE9-49E9-AC02-EE7ACC657BCD}"/>
+                <a16:creationId xmlns:a16="http://schemas.microsoft.com/office/drawing/2014/main" xmlns="" id="{8A876662-0CE9-49E9-AC02-EE7ACC657BCD}"/>
               </a:ext>
             </a:extLst>
           </p:cNvPr>
@@ -637,7 +637,7 @@
           <p:cNvPr id="3" name="縦書きテキスト プレースホルダー 2">
             <a:extLst>
               <a:ext uri="{FF2B5EF4-FFF2-40B4-BE49-F238E27FC236}">
-                <a16:creationId xmlns:a16="http://schemas.microsoft.com/office/drawing/2014/main" id="{B6FE2065-03F0-48E5-82DF-EC7EEE0207D8}"/>
+                <a16:creationId xmlns:a16="http://schemas.microsoft.com/office/drawing/2014/main" xmlns="" id="{B6FE2065-03F0-48E5-82DF-EC7EEE0207D8}"/>
               </a:ext>
             </a:extLst>
           </p:cNvPr>
@@ -731,7 +731,7 @@
           <p:cNvPr id="4" name="日付プレースホルダー 3">
             <a:extLst>
               <a:ext uri="{FF2B5EF4-FFF2-40B4-BE49-F238E27FC236}">
-                <a16:creationId xmlns:a16="http://schemas.microsoft.com/office/drawing/2014/main" id="{A1B9FF21-774F-48FE-A04C-9E8A7F644356}"/>
+                <a16:creationId xmlns:a16="http://schemas.microsoft.com/office/drawing/2014/main" xmlns="" id="{A1B9FF21-774F-48FE-A04C-9E8A7F644356}"/>
               </a:ext>
             </a:extLst>
           </p:cNvPr>
@@ -749,7 +749,7 @@
           <a:p>
             <a:fld id="{DC2F28B8-6A0E-40AF-8CFC-827A73FCDA81}" type="datetimeFigureOut">
               <a:rPr kumimoji="1" lang="ja-JP" altLang="en-US" smtClean="0"/>
-              <a:t>2017/12/4</a:t>
+              <a:t>2018/3/13</a:t>
             </a:fld>
             <a:endParaRPr kumimoji="1" lang="ja-JP" altLang="en-US"/>
           </a:p>
@@ -760,7 +760,7 @@
           <p:cNvPr id="5" name="フッター プレースホルダー 4">
             <a:extLst>
               <a:ext uri="{FF2B5EF4-FFF2-40B4-BE49-F238E27FC236}">
-                <a16:creationId xmlns:a16="http://schemas.microsoft.com/office/drawing/2014/main" id="{9D32535A-4B89-476F-B51B-EC1413A240CD}"/>
+                <a16:creationId xmlns:a16="http://schemas.microsoft.com/office/drawing/2014/main" xmlns="" id="{9D32535A-4B89-476F-B51B-EC1413A240CD}"/>
               </a:ext>
             </a:extLst>
           </p:cNvPr>
@@ -785,7 +785,7 @@
           <p:cNvPr id="6" name="スライド番号プレースホルダー 5">
             <a:extLst>
               <a:ext uri="{FF2B5EF4-FFF2-40B4-BE49-F238E27FC236}">
-                <a16:creationId xmlns:a16="http://schemas.microsoft.com/office/drawing/2014/main" id="{F5260F05-0529-4B2A-B354-E1AB043C95D1}"/>
+                <a16:creationId xmlns:a16="http://schemas.microsoft.com/office/drawing/2014/main" xmlns="" id="{F5260F05-0529-4B2A-B354-E1AB043C95D1}"/>
               </a:ext>
             </a:extLst>
           </p:cNvPr>
@@ -844,7 +844,7 @@
           <p:cNvPr id="2" name="タイトル 1">
             <a:extLst>
               <a:ext uri="{FF2B5EF4-FFF2-40B4-BE49-F238E27FC236}">
-                <a16:creationId xmlns:a16="http://schemas.microsoft.com/office/drawing/2014/main" id="{C414AC56-2C6E-4FD6-AC2A-C0C7474C804A}"/>
+                <a16:creationId xmlns:a16="http://schemas.microsoft.com/office/drawing/2014/main" xmlns="" id="{C414AC56-2C6E-4FD6-AC2A-C0C7474C804A}"/>
               </a:ext>
             </a:extLst>
           </p:cNvPr>
@@ -872,7 +872,7 @@
           <p:cNvPr id="3" name="コンテンツ プレースホルダー 2">
             <a:extLst>
               <a:ext uri="{FF2B5EF4-FFF2-40B4-BE49-F238E27FC236}">
-                <a16:creationId xmlns:a16="http://schemas.microsoft.com/office/drawing/2014/main" id="{B04E7051-D2C1-4B63-BA62-A08EA433436C}"/>
+                <a16:creationId xmlns:a16="http://schemas.microsoft.com/office/drawing/2014/main" xmlns="" id="{B04E7051-D2C1-4B63-BA62-A08EA433436C}"/>
               </a:ext>
             </a:extLst>
           </p:cNvPr>
@@ -961,7 +961,7 @@
           <p:cNvPr id="4" name="日付プレースホルダー 3">
             <a:extLst>
               <a:ext uri="{FF2B5EF4-FFF2-40B4-BE49-F238E27FC236}">
-                <a16:creationId xmlns:a16="http://schemas.microsoft.com/office/drawing/2014/main" id="{AE25CE84-A884-4ACE-B6EE-7E97B7475653}"/>
+                <a16:creationId xmlns:a16="http://schemas.microsoft.com/office/drawing/2014/main" xmlns="" id="{AE25CE84-A884-4ACE-B6EE-7E97B7475653}"/>
               </a:ext>
             </a:extLst>
           </p:cNvPr>
@@ -979,7 +979,7 @@
           <a:p>
             <a:fld id="{DC2F28B8-6A0E-40AF-8CFC-827A73FCDA81}" type="datetimeFigureOut">
               <a:rPr kumimoji="1" lang="ja-JP" altLang="en-US" smtClean="0"/>
-              <a:t>2017/12/4</a:t>
+              <a:t>2018/3/13</a:t>
             </a:fld>
             <a:endParaRPr kumimoji="1" lang="ja-JP" altLang="en-US"/>
           </a:p>
@@ -990,7 +990,7 @@
           <p:cNvPr id="5" name="フッター プレースホルダー 4">
             <a:extLst>
               <a:ext uri="{FF2B5EF4-FFF2-40B4-BE49-F238E27FC236}">
-                <a16:creationId xmlns:a16="http://schemas.microsoft.com/office/drawing/2014/main" id="{EBCBC0D2-F1DA-4C16-85D1-974CF48BC804}"/>
+                <a16:creationId xmlns:a16="http://schemas.microsoft.com/office/drawing/2014/main" xmlns="" id="{EBCBC0D2-F1DA-4C16-85D1-974CF48BC804}"/>
               </a:ext>
             </a:extLst>
           </p:cNvPr>
@@ -1015,7 +1015,7 @@
           <p:cNvPr id="6" name="スライド番号プレースホルダー 5">
             <a:extLst>
               <a:ext uri="{FF2B5EF4-FFF2-40B4-BE49-F238E27FC236}">
-                <a16:creationId xmlns:a16="http://schemas.microsoft.com/office/drawing/2014/main" id="{CBD1951C-19F9-4BB8-96D6-46797F90203F}"/>
+                <a16:creationId xmlns:a16="http://schemas.microsoft.com/office/drawing/2014/main" xmlns="" id="{CBD1951C-19F9-4BB8-96D6-46797F90203F}"/>
               </a:ext>
             </a:extLst>
           </p:cNvPr>
@@ -1074,7 +1074,7 @@
           <p:cNvPr id="2" name="タイトル 1">
             <a:extLst>
               <a:ext uri="{FF2B5EF4-FFF2-40B4-BE49-F238E27FC236}">
-                <a16:creationId xmlns:a16="http://schemas.microsoft.com/office/drawing/2014/main" id="{1D00A678-F443-4FEA-93D6-3926EB7E42DA}"/>
+                <a16:creationId xmlns:a16="http://schemas.microsoft.com/office/drawing/2014/main" xmlns="" id="{1D00A678-F443-4FEA-93D6-3926EB7E42DA}"/>
               </a:ext>
             </a:extLst>
           </p:cNvPr>
@@ -1111,7 +1111,7 @@
           <p:cNvPr id="3" name="テキスト プレースホルダー 2">
             <a:extLst>
               <a:ext uri="{FF2B5EF4-FFF2-40B4-BE49-F238E27FC236}">
-                <a16:creationId xmlns:a16="http://schemas.microsoft.com/office/drawing/2014/main" id="{6BDD3B79-A0F7-4C8D-918D-88BDE69250B1}"/>
+                <a16:creationId xmlns:a16="http://schemas.microsoft.com/office/drawing/2014/main" xmlns="" id="{6BDD3B79-A0F7-4C8D-918D-88BDE69250B1}"/>
               </a:ext>
             </a:extLst>
           </p:cNvPr>
@@ -1236,7 +1236,7 @@
           <p:cNvPr id="4" name="日付プレースホルダー 3">
             <a:extLst>
               <a:ext uri="{FF2B5EF4-FFF2-40B4-BE49-F238E27FC236}">
-                <a16:creationId xmlns:a16="http://schemas.microsoft.com/office/drawing/2014/main" id="{93E71825-7DD8-4B80-96D1-977008B856B9}"/>
+                <a16:creationId xmlns:a16="http://schemas.microsoft.com/office/drawing/2014/main" xmlns="" id="{93E71825-7DD8-4B80-96D1-977008B856B9}"/>
               </a:ext>
             </a:extLst>
           </p:cNvPr>
@@ -1254,7 +1254,7 @@
           <a:p>
             <a:fld id="{DC2F28B8-6A0E-40AF-8CFC-827A73FCDA81}" type="datetimeFigureOut">
               <a:rPr kumimoji="1" lang="ja-JP" altLang="en-US" smtClean="0"/>
-              <a:t>2017/12/4</a:t>
+              <a:t>2018/3/13</a:t>
             </a:fld>
             <a:endParaRPr kumimoji="1" lang="ja-JP" altLang="en-US"/>
           </a:p>
@@ -1265,7 +1265,7 @@
           <p:cNvPr id="5" name="フッター プレースホルダー 4">
             <a:extLst>
               <a:ext uri="{FF2B5EF4-FFF2-40B4-BE49-F238E27FC236}">
-                <a16:creationId xmlns:a16="http://schemas.microsoft.com/office/drawing/2014/main" id="{5CED311E-FAA6-4C7D-9FC2-BC675C72336F}"/>
+                <a16:creationId xmlns:a16="http://schemas.microsoft.com/office/drawing/2014/main" xmlns="" id="{5CED311E-FAA6-4C7D-9FC2-BC675C72336F}"/>
               </a:ext>
             </a:extLst>
           </p:cNvPr>
@@ -1290,7 +1290,7 @@
           <p:cNvPr id="6" name="スライド番号プレースホルダー 5">
             <a:extLst>
               <a:ext uri="{FF2B5EF4-FFF2-40B4-BE49-F238E27FC236}">
-                <a16:creationId xmlns:a16="http://schemas.microsoft.com/office/drawing/2014/main" id="{6C4D0E2E-8245-4907-96CA-10999815D43E}"/>
+                <a16:creationId xmlns:a16="http://schemas.microsoft.com/office/drawing/2014/main" xmlns="" id="{6C4D0E2E-8245-4907-96CA-10999815D43E}"/>
               </a:ext>
             </a:extLst>
           </p:cNvPr>
@@ -1349,7 +1349,7 @@
           <p:cNvPr id="2" name="タイトル 1">
             <a:extLst>
               <a:ext uri="{FF2B5EF4-FFF2-40B4-BE49-F238E27FC236}">
-                <a16:creationId xmlns:a16="http://schemas.microsoft.com/office/drawing/2014/main" id="{1A5D23ED-03EA-4F07-87E3-28D2640C7457}"/>
+                <a16:creationId xmlns:a16="http://schemas.microsoft.com/office/drawing/2014/main" xmlns="" id="{1A5D23ED-03EA-4F07-87E3-28D2640C7457}"/>
               </a:ext>
             </a:extLst>
           </p:cNvPr>
@@ -1377,7 +1377,7 @@
           <p:cNvPr id="3" name="コンテンツ プレースホルダー 2">
             <a:extLst>
               <a:ext uri="{FF2B5EF4-FFF2-40B4-BE49-F238E27FC236}">
-                <a16:creationId xmlns:a16="http://schemas.microsoft.com/office/drawing/2014/main" id="{BDF3938E-99C2-4825-ABC3-D707D0C368D9}"/>
+                <a16:creationId xmlns:a16="http://schemas.microsoft.com/office/drawing/2014/main" xmlns="" id="{BDF3938E-99C2-4825-ABC3-D707D0C368D9}"/>
               </a:ext>
             </a:extLst>
           </p:cNvPr>
@@ -1471,7 +1471,7 @@
           <p:cNvPr id="4" name="コンテンツ プレースホルダー 3">
             <a:extLst>
               <a:ext uri="{FF2B5EF4-FFF2-40B4-BE49-F238E27FC236}">
-                <a16:creationId xmlns:a16="http://schemas.microsoft.com/office/drawing/2014/main" id="{A2B3DC81-B6AF-47A5-9EE9-0C3D54421CD9}"/>
+                <a16:creationId xmlns:a16="http://schemas.microsoft.com/office/drawing/2014/main" xmlns="" id="{A2B3DC81-B6AF-47A5-9EE9-0C3D54421CD9}"/>
               </a:ext>
             </a:extLst>
           </p:cNvPr>
@@ -1565,7 +1565,7 @@
           <p:cNvPr id="5" name="日付プレースホルダー 4">
             <a:extLst>
               <a:ext uri="{FF2B5EF4-FFF2-40B4-BE49-F238E27FC236}">
-                <a16:creationId xmlns:a16="http://schemas.microsoft.com/office/drawing/2014/main" id="{4C78BECE-026B-4F33-8924-AD8452F95547}"/>
+                <a16:creationId xmlns:a16="http://schemas.microsoft.com/office/drawing/2014/main" xmlns="" id="{4C78BECE-026B-4F33-8924-AD8452F95547}"/>
               </a:ext>
             </a:extLst>
           </p:cNvPr>
@@ -1583,7 +1583,7 @@
           <a:p>
             <a:fld id="{DC2F28B8-6A0E-40AF-8CFC-827A73FCDA81}" type="datetimeFigureOut">
               <a:rPr kumimoji="1" lang="ja-JP" altLang="en-US" smtClean="0"/>
-              <a:t>2017/12/4</a:t>
+              <a:t>2018/3/13</a:t>
             </a:fld>
             <a:endParaRPr kumimoji="1" lang="ja-JP" altLang="en-US"/>
           </a:p>
@@ -1594,7 +1594,7 @@
           <p:cNvPr id="6" name="フッター プレースホルダー 5">
             <a:extLst>
               <a:ext uri="{FF2B5EF4-FFF2-40B4-BE49-F238E27FC236}">
-                <a16:creationId xmlns:a16="http://schemas.microsoft.com/office/drawing/2014/main" id="{49783764-5DB0-4331-BA1F-9C2D17E59721}"/>
+                <a16:creationId xmlns:a16="http://schemas.microsoft.com/office/drawing/2014/main" xmlns="" id="{49783764-5DB0-4331-BA1F-9C2D17E59721}"/>
               </a:ext>
             </a:extLst>
           </p:cNvPr>
@@ -1619,7 +1619,7 @@
           <p:cNvPr id="7" name="スライド番号プレースホルダー 6">
             <a:extLst>
               <a:ext uri="{FF2B5EF4-FFF2-40B4-BE49-F238E27FC236}">
-                <a16:creationId xmlns:a16="http://schemas.microsoft.com/office/drawing/2014/main" id="{127F6C2E-6C8F-41C1-B48C-2292951331AD}"/>
+                <a16:creationId xmlns:a16="http://schemas.microsoft.com/office/drawing/2014/main" xmlns="" id="{127F6C2E-6C8F-41C1-B48C-2292951331AD}"/>
               </a:ext>
             </a:extLst>
           </p:cNvPr>
@@ -1678,7 +1678,7 @@
           <p:cNvPr id="2" name="タイトル 1">
             <a:extLst>
               <a:ext uri="{FF2B5EF4-FFF2-40B4-BE49-F238E27FC236}">
-                <a16:creationId xmlns:a16="http://schemas.microsoft.com/office/drawing/2014/main" id="{56019687-F0F8-411B-B519-E0AE83C5CEA6}"/>
+                <a16:creationId xmlns:a16="http://schemas.microsoft.com/office/drawing/2014/main" xmlns="" id="{56019687-F0F8-411B-B519-E0AE83C5CEA6}"/>
               </a:ext>
             </a:extLst>
           </p:cNvPr>
@@ -1711,7 +1711,7 @@
           <p:cNvPr id="3" name="テキスト プレースホルダー 2">
             <a:extLst>
               <a:ext uri="{FF2B5EF4-FFF2-40B4-BE49-F238E27FC236}">
-                <a16:creationId xmlns:a16="http://schemas.microsoft.com/office/drawing/2014/main" id="{E486F68B-292D-4F65-9707-BC2217D31433}"/>
+                <a16:creationId xmlns:a16="http://schemas.microsoft.com/office/drawing/2014/main" xmlns="" id="{E486F68B-292D-4F65-9707-BC2217D31433}"/>
               </a:ext>
             </a:extLst>
           </p:cNvPr>
@@ -1782,7 +1782,7 @@
           <p:cNvPr id="4" name="コンテンツ プレースホルダー 3">
             <a:extLst>
               <a:ext uri="{FF2B5EF4-FFF2-40B4-BE49-F238E27FC236}">
-                <a16:creationId xmlns:a16="http://schemas.microsoft.com/office/drawing/2014/main" id="{374F2048-6469-4F18-8B58-31750801BC0C}"/>
+                <a16:creationId xmlns:a16="http://schemas.microsoft.com/office/drawing/2014/main" xmlns="" id="{374F2048-6469-4F18-8B58-31750801BC0C}"/>
               </a:ext>
             </a:extLst>
           </p:cNvPr>
@@ -1876,7 +1876,7 @@
           <p:cNvPr id="5" name="テキスト プレースホルダー 4">
             <a:extLst>
               <a:ext uri="{FF2B5EF4-FFF2-40B4-BE49-F238E27FC236}">
-                <a16:creationId xmlns:a16="http://schemas.microsoft.com/office/drawing/2014/main" id="{2E6D5D63-E489-48AC-A362-55DB02899B55}"/>
+                <a16:creationId xmlns:a16="http://schemas.microsoft.com/office/drawing/2014/main" xmlns="" id="{2E6D5D63-E489-48AC-A362-55DB02899B55}"/>
               </a:ext>
             </a:extLst>
           </p:cNvPr>
@@ -1947,7 +1947,7 @@
           <p:cNvPr id="6" name="コンテンツ プレースホルダー 5">
             <a:extLst>
               <a:ext uri="{FF2B5EF4-FFF2-40B4-BE49-F238E27FC236}">
-                <a16:creationId xmlns:a16="http://schemas.microsoft.com/office/drawing/2014/main" id="{148F1C4A-5767-4EC0-85C8-571505755EB0}"/>
+                <a16:creationId xmlns:a16="http://schemas.microsoft.com/office/drawing/2014/main" xmlns="" id="{148F1C4A-5767-4EC0-85C8-571505755EB0}"/>
               </a:ext>
             </a:extLst>
           </p:cNvPr>
@@ -2041,7 +2041,7 @@
           <p:cNvPr id="7" name="日付プレースホルダー 6">
             <a:extLst>
               <a:ext uri="{FF2B5EF4-FFF2-40B4-BE49-F238E27FC236}">
-                <a16:creationId xmlns:a16="http://schemas.microsoft.com/office/drawing/2014/main" id="{BC9ACD47-787F-4BE6-B29B-B3CFFDE55A9C}"/>
+                <a16:creationId xmlns:a16="http://schemas.microsoft.com/office/drawing/2014/main" xmlns="" id="{BC9ACD47-787F-4BE6-B29B-B3CFFDE55A9C}"/>
               </a:ext>
             </a:extLst>
           </p:cNvPr>
@@ -2059,7 +2059,7 @@
           <a:p>
             <a:fld id="{DC2F28B8-6A0E-40AF-8CFC-827A73FCDA81}" type="datetimeFigureOut">
               <a:rPr kumimoji="1" lang="ja-JP" altLang="en-US" smtClean="0"/>
-              <a:t>2017/12/4</a:t>
+              <a:t>2018/3/13</a:t>
             </a:fld>
             <a:endParaRPr kumimoji="1" lang="ja-JP" altLang="en-US"/>
           </a:p>
@@ -2070,7 +2070,7 @@
           <p:cNvPr id="8" name="フッター プレースホルダー 7">
             <a:extLst>
               <a:ext uri="{FF2B5EF4-FFF2-40B4-BE49-F238E27FC236}">
-                <a16:creationId xmlns:a16="http://schemas.microsoft.com/office/drawing/2014/main" id="{BD4D869A-6245-47EA-826A-11903CEDCDF5}"/>
+                <a16:creationId xmlns:a16="http://schemas.microsoft.com/office/drawing/2014/main" xmlns="" id="{BD4D869A-6245-47EA-826A-11903CEDCDF5}"/>
               </a:ext>
             </a:extLst>
           </p:cNvPr>
@@ -2095,7 +2095,7 @@
           <p:cNvPr id="9" name="スライド番号プレースホルダー 8">
             <a:extLst>
               <a:ext uri="{FF2B5EF4-FFF2-40B4-BE49-F238E27FC236}">
-                <a16:creationId xmlns:a16="http://schemas.microsoft.com/office/drawing/2014/main" id="{EB8A9AF0-6356-40A0-8941-4F93A45D9286}"/>
+                <a16:creationId xmlns:a16="http://schemas.microsoft.com/office/drawing/2014/main" xmlns="" id="{EB8A9AF0-6356-40A0-8941-4F93A45D9286}"/>
               </a:ext>
             </a:extLst>
           </p:cNvPr>
@@ -2154,7 +2154,7 @@
           <p:cNvPr id="2" name="タイトル 1">
             <a:extLst>
               <a:ext uri="{FF2B5EF4-FFF2-40B4-BE49-F238E27FC236}">
-                <a16:creationId xmlns:a16="http://schemas.microsoft.com/office/drawing/2014/main" id="{450760D9-6747-4690-8F9A-C5AE1864B4E3}"/>
+                <a16:creationId xmlns:a16="http://schemas.microsoft.com/office/drawing/2014/main" xmlns="" id="{450760D9-6747-4690-8F9A-C5AE1864B4E3}"/>
               </a:ext>
             </a:extLst>
           </p:cNvPr>
@@ -2182,7 +2182,7 @@
           <p:cNvPr id="3" name="日付プレースホルダー 2">
             <a:extLst>
               <a:ext uri="{FF2B5EF4-FFF2-40B4-BE49-F238E27FC236}">
-                <a16:creationId xmlns:a16="http://schemas.microsoft.com/office/drawing/2014/main" id="{F2837AA8-1B7A-4F48-99C3-675552A1621E}"/>
+                <a16:creationId xmlns:a16="http://schemas.microsoft.com/office/drawing/2014/main" xmlns="" id="{F2837AA8-1B7A-4F48-99C3-675552A1621E}"/>
               </a:ext>
             </a:extLst>
           </p:cNvPr>
@@ -2200,7 +2200,7 @@
           <a:p>
             <a:fld id="{DC2F28B8-6A0E-40AF-8CFC-827A73FCDA81}" type="datetimeFigureOut">
               <a:rPr kumimoji="1" lang="ja-JP" altLang="en-US" smtClean="0"/>
-              <a:t>2017/12/4</a:t>
+              <a:t>2018/3/13</a:t>
             </a:fld>
             <a:endParaRPr kumimoji="1" lang="ja-JP" altLang="en-US"/>
           </a:p>
@@ -2211,7 +2211,7 @@
           <p:cNvPr id="4" name="フッター プレースホルダー 3">
             <a:extLst>
               <a:ext uri="{FF2B5EF4-FFF2-40B4-BE49-F238E27FC236}">
-                <a16:creationId xmlns:a16="http://schemas.microsoft.com/office/drawing/2014/main" id="{8AEAC055-ADBD-47BF-A7E2-EE031ABE5779}"/>
+                <a16:creationId xmlns:a16="http://schemas.microsoft.com/office/drawing/2014/main" xmlns="" id="{8AEAC055-ADBD-47BF-A7E2-EE031ABE5779}"/>
               </a:ext>
             </a:extLst>
           </p:cNvPr>
@@ -2236,7 +2236,7 @@
           <p:cNvPr id="5" name="スライド番号プレースホルダー 4">
             <a:extLst>
               <a:ext uri="{FF2B5EF4-FFF2-40B4-BE49-F238E27FC236}">
-                <a16:creationId xmlns:a16="http://schemas.microsoft.com/office/drawing/2014/main" id="{088EF311-DAB4-4685-91A4-BDE1EF3D5E04}"/>
+                <a16:creationId xmlns:a16="http://schemas.microsoft.com/office/drawing/2014/main" xmlns="" id="{088EF311-DAB4-4685-91A4-BDE1EF3D5E04}"/>
               </a:ext>
             </a:extLst>
           </p:cNvPr>
@@ -2295,7 +2295,7 @@
           <p:cNvPr id="2" name="日付プレースホルダー 1">
             <a:extLst>
               <a:ext uri="{FF2B5EF4-FFF2-40B4-BE49-F238E27FC236}">
-                <a16:creationId xmlns:a16="http://schemas.microsoft.com/office/drawing/2014/main" id="{12C283A7-F09B-44DA-AE34-70823E7FCA2A}"/>
+                <a16:creationId xmlns:a16="http://schemas.microsoft.com/office/drawing/2014/main" xmlns="" id="{12C283A7-F09B-44DA-AE34-70823E7FCA2A}"/>
               </a:ext>
             </a:extLst>
           </p:cNvPr>
@@ -2313,7 +2313,7 @@
           <a:p>
             <a:fld id="{DC2F28B8-6A0E-40AF-8CFC-827A73FCDA81}" type="datetimeFigureOut">
               <a:rPr kumimoji="1" lang="ja-JP" altLang="en-US" smtClean="0"/>
-              <a:t>2017/12/4</a:t>
+              <a:t>2018/3/13</a:t>
             </a:fld>
             <a:endParaRPr kumimoji="1" lang="ja-JP" altLang="en-US"/>
           </a:p>
@@ -2324,7 +2324,7 @@
           <p:cNvPr id="3" name="フッター プレースホルダー 2">
             <a:extLst>
               <a:ext uri="{FF2B5EF4-FFF2-40B4-BE49-F238E27FC236}">
-                <a16:creationId xmlns:a16="http://schemas.microsoft.com/office/drawing/2014/main" id="{BD19F830-754F-4C18-8FE4-2F04D270AA7D}"/>
+                <a16:creationId xmlns:a16="http://schemas.microsoft.com/office/drawing/2014/main" xmlns="" id="{BD19F830-754F-4C18-8FE4-2F04D270AA7D}"/>
               </a:ext>
             </a:extLst>
           </p:cNvPr>
@@ -2349,7 +2349,7 @@
           <p:cNvPr id="4" name="スライド番号プレースホルダー 3">
             <a:extLst>
               <a:ext uri="{FF2B5EF4-FFF2-40B4-BE49-F238E27FC236}">
-                <a16:creationId xmlns:a16="http://schemas.microsoft.com/office/drawing/2014/main" id="{AF30F06F-B6C9-459E-9D53-161CC5800883}"/>
+                <a16:creationId xmlns:a16="http://schemas.microsoft.com/office/drawing/2014/main" xmlns="" id="{AF30F06F-B6C9-459E-9D53-161CC5800883}"/>
               </a:ext>
             </a:extLst>
           </p:cNvPr>
@@ -2408,7 +2408,7 @@
           <p:cNvPr id="2" name="タイトル 1">
             <a:extLst>
               <a:ext uri="{FF2B5EF4-FFF2-40B4-BE49-F238E27FC236}">
-                <a16:creationId xmlns:a16="http://schemas.microsoft.com/office/drawing/2014/main" id="{94039C46-50B8-4DD5-BF93-3CBBC0EBABDC}"/>
+                <a16:creationId xmlns:a16="http://schemas.microsoft.com/office/drawing/2014/main" xmlns="" id="{94039C46-50B8-4DD5-BF93-3CBBC0EBABDC}"/>
               </a:ext>
             </a:extLst>
           </p:cNvPr>
@@ -2445,7 +2445,7 @@
           <p:cNvPr id="3" name="コンテンツ プレースホルダー 2">
             <a:extLst>
               <a:ext uri="{FF2B5EF4-FFF2-40B4-BE49-F238E27FC236}">
-                <a16:creationId xmlns:a16="http://schemas.microsoft.com/office/drawing/2014/main" id="{FAC67650-298A-4F61-B23F-88F3E8456AC1}"/>
+                <a16:creationId xmlns:a16="http://schemas.microsoft.com/office/drawing/2014/main" xmlns="" id="{FAC67650-298A-4F61-B23F-88F3E8456AC1}"/>
               </a:ext>
             </a:extLst>
           </p:cNvPr>
@@ -2567,7 +2567,7 @@
           <p:cNvPr id="4" name="テキスト プレースホルダー 3">
             <a:extLst>
               <a:ext uri="{FF2B5EF4-FFF2-40B4-BE49-F238E27FC236}">
-                <a16:creationId xmlns:a16="http://schemas.microsoft.com/office/drawing/2014/main" id="{ABAF77E6-1E08-4613-B05D-57C5EDE232F7}"/>
+                <a16:creationId xmlns:a16="http://schemas.microsoft.com/office/drawing/2014/main" xmlns="" id="{ABAF77E6-1E08-4613-B05D-57C5EDE232F7}"/>
               </a:ext>
             </a:extLst>
           </p:cNvPr>
@@ -2638,7 +2638,7 @@
           <p:cNvPr id="5" name="日付プレースホルダー 4">
             <a:extLst>
               <a:ext uri="{FF2B5EF4-FFF2-40B4-BE49-F238E27FC236}">
-                <a16:creationId xmlns:a16="http://schemas.microsoft.com/office/drawing/2014/main" id="{CD6E41A3-42D9-4D44-A093-4D97E3D0DEDF}"/>
+                <a16:creationId xmlns:a16="http://schemas.microsoft.com/office/drawing/2014/main" xmlns="" id="{CD6E41A3-42D9-4D44-A093-4D97E3D0DEDF}"/>
               </a:ext>
             </a:extLst>
           </p:cNvPr>
@@ -2656,7 +2656,7 @@
           <a:p>
             <a:fld id="{DC2F28B8-6A0E-40AF-8CFC-827A73FCDA81}" type="datetimeFigureOut">
               <a:rPr kumimoji="1" lang="ja-JP" altLang="en-US" smtClean="0"/>
-              <a:t>2017/12/4</a:t>
+              <a:t>2018/3/13</a:t>
             </a:fld>
             <a:endParaRPr kumimoji="1" lang="ja-JP" altLang="en-US"/>
           </a:p>
@@ -2667,7 +2667,7 @@
           <p:cNvPr id="6" name="フッター プレースホルダー 5">
             <a:extLst>
               <a:ext uri="{FF2B5EF4-FFF2-40B4-BE49-F238E27FC236}">
-                <a16:creationId xmlns:a16="http://schemas.microsoft.com/office/drawing/2014/main" id="{35791E1E-DDBA-44B3-9ED6-75CDC9639CFF}"/>
+                <a16:creationId xmlns:a16="http://schemas.microsoft.com/office/drawing/2014/main" xmlns="" id="{35791E1E-DDBA-44B3-9ED6-75CDC9639CFF}"/>
               </a:ext>
             </a:extLst>
           </p:cNvPr>
@@ -2692,7 +2692,7 @@
           <p:cNvPr id="7" name="スライド番号プレースホルダー 6">
             <a:extLst>
               <a:ext uri="{FF2B5EF4-FFF2-40B4-BE49-F238E27FC236}">
-                <a16:creationId xmlns:a16="http://schemas.microsoft.com/office/drawing/2014/main" id="{1FA0BBAC-041B-4530-8DE5-67BB03F942B4}"/>
+                <a16:creationId xmlns:a16="http://schemas.microsoft.com/office/drawing/2014/main" xmlns="" id="{1FA0BBAC-041B-4530-8DE5-67BB03F942B4}"/>
               </a:ext>
             </a:extLst>
           </p:cNvPr>
@@ -2751,7 +2751,7 @@
           <p:cNvPr id="2" name="タイトル 1">
             <a:extLst>
               <a:ext uri="{FF2B5EF4-FFF2-40B4-BE49-F238E27FC236}">
-                <a16:creationId xmlns:a16="http://schemas.microsoft.com/office/drawing/2014/main" id="{D32961A6-5FD9-4DD1-9399-79025E702D77}"/>
+                <a16:creationId xmlns:a16="http://schemas.microsoft.com/office/drawing/2014/main" xmlns="" id="{D32961A6-5FD9-4DD1-9399-79025E702D77}"/>
               </a:ext>
             </a:extLst>
           </p:cNvPr>
@@ -2788,7 +2788,7 @@
           <p:cNvPr id="3" name="図プレースホルダー 2">
             <a:extLst>
               <a:ext uri="{FF2B5EF4-FFF2-40B4-BE49-F238E27FC236}">
-                <a16:creationId xmlns:a16="http://schemas.microsoft.com/office/drawing/2014/main" id="{D8E8218E-30F7-4056-BD7E-9E862E2C6EC8}"/>
+                <a16:creationId xmlns:a16="http://schemas.microsoft.com/office/drawing/2014/main" xmlns="" id="{D8E8218E-30F7-4056-BD7E-9E862E2C6EC8}"/>
               </a:ext>
             </a:extLst>
           </p:cNvPr>
@@ -2855,7 +2855,7 @@
           <p:cNvPr id="4" name="テキスト プレースホルダー 3">
             <a:extLst>
               <a:ext uri="{FF2B5EF4-FFF2-40B4-BE49-F238E27FC236}">
-                <a16:creationId xmlns:a16="http://schemas.microsoft.com/office/drawing/2014/main" id="{76A51302-49EB-4A71-8C42-03C06785F97F}"/>
+                <a16:creationId xmlns:a16="http://schemas.microsoft.com/office/drawing/2014/main" xmlns="" id="{76A51302-49EB-4A71-8C42-03C06785F97F}"/>
               </a:ext>
             </a:extLst>
           </p:cNvPr>
@@ -2926,7 +2926,7 @@
           <p:cNvPr id="5" name="日付プレースホルダー 4">
             <a:extLst>
               <a:ext uri="{FF2B5EF4-FFF2-40B4-BE49-F238E27FC236}">
-                <a16:creationId xmlns:a16="http://schemas.microsoft.com/office/drawing/2014/main" id="{122867D7-B298-4F34-BF60-7897C1D26B0C}"/>
+                <a16:creationId xmlns:a16="http://schemas.microsoft.com/office/drawing/2014/main" xmlns="" id="{122867D7-B298-4F34-BF60-7897C1D26B0C}"/>
               </a:ext>
             </a:extLst>
           </p:cNvPr>
@@ -2944,7 +2944,7 @@
           <a:p>
             <a:fld id="{DC2F28B8-6A0E-40AF-8CFC-827A73FCDA81}" type="datetimeFigureOut">
               <a:rPr kumimoji="1" lang="ja-JP" altLang="en-US" smtClean="0"/>
-              <a:t>2017/12/4</a:t>
+              <a:t>2018/3/13</a:t>
             </a:fld>
             <a:endParaRPr kumimoji="1" lang="ja-JP" altLang="en-US"/>
           </a:p>
@@ -2955,7 +2955,7 @@
           <p:cNvPr id="6" name="フッター プレースホルダー 5">
             <a:extLst>
               <a:ext uri="{FF2B5EF4-FFF2-40B4-BE49-F238E27FC236}">
-                <a16:creationId xmlns:a16="http://schemas.microsoft.com/office/drawing/2014/main" id="{42E40EFE-69CF-4922-A072-21BEA5904E07}"/>
+                <a16:creationId xmlns:a16="http://schemas.microsoft.com/office/drawing/2014/main" xmlns="" id="{42E40EFE-69CF-4922-A072-21BEA5904E07}"/>
               </a:ext>
             </a:extLst>
           </p:cNvPr>
@@ -2980,7 +2980,7 @@
           <p:cNvPr id="7" name="スライド番号プレースホルダー 6">
             <a:extLst>
               <a:ext uri="{FF2B5EF4-FFF2-40B4-BE49-F238E27FC236}">
-                <a16:creationId xmlns:a16="http://schemas.microsoft.com/office/drawing/2014/main" id="{A23CBFBD-4D74-4C68-B5BD-F1D021B97C39}"/>
+                <a16:creationId xmlns:a16="http://schemas.microsoft.com/office/drawing/2014/main" xmlns="" id="{A23CBFBD-4D74-4C68-B5BD-F1D021B97C39}"/>
               </a:ext>
             </a:extLst>
           </p:cNvPr>
@@ -3044,7 +3044,7 @@
           <p:cNvPr id="2" name="タイトル プレースホルダー 1">
             <a:extLst>
               <a:ext uri="{FF2B5EF4-FFF2-40B4-BE49-F238E27FC236}">
-                <a16:creationId xmlns:a16="http://schemas.microsoft.com/office/drawing/2014/main" id="{ED3DF858-0510-483E-A45F-3B55021841E7}"/>
+                <a16:creationId xmlns:a16="http://schemas.microsoft.com/office/drawing/2014/main" xmlns="" id="{ED3DF858-0510-483E-A45F-3B55021841E7}"/>
               </a:ext>
             </a:extLst>
           </p:cNvPr>
@@ -3082,7 +3082,7 @@
           <p:cNvPr id="3" name="テキスト プレースホルダー 2">
             <a:extLst>
               <a:ext uri="{FF2B5EF4-FFF2-40B4-BE49-F238E27FC236}">
-                <a16:creationId xmlns:a16="http://schemas.microsoft.com/office/drawing/2014/main" id="{B1E53387-6A73-4453-AABC-8B3D4C31451B}"/>
+                <a16:creationId xmlns:a16="http://schemas.microsoft.com/office/drawing/2014/main" xmlns="" id="{B1E53387-6A73-4453-AABC-8B3D4C31451B}"/>
               </a:ext>
             </a:extLst>
           </p:cNvPr>
@@ -3181,7 +3181,7 @@
           <p:cNvPr id="4" name="日付プレースホルダー 3">
             <a:extLst>
               <a:ext uri="{FF2B5EF4-FFF2-40B4-BE49-F238E27FC236}">
-                <a16:creationId xmlns:a16="http://schemas.microsoft.com/office/drawing/2014/main" id="{FA47AD39-5B31-4CF5-81B8-8F59795ECFD0}"/>
+                <a16:creationId xmlns:a16="http://schemas.microsoft.com/office/drawing/2014/main" xmlns="" id="{FA47AD39-5B31-4CF5-81B8-8F59795ECFD0}"/>
               </a:ext>
             </a:extLst>
           </p:cNvPr>
@@ -3217,7 +3217,7 @@
           <a:p>
             <a:fld id="{DC2F28B8-6A0E-40AF-8CFC-827A73FCDA81}" type="datetimeFigureOut">
               <a:rPr kumimoji="1" lang="ja-JP" altLang="en-US" smtClean="0"/>
-              <a:t>2017/12/4</a:t>
+              <a:t>2018/3/13</a:t>
             </a:fld>
             <a:endParaRPr kumimoji="1" lang="ja-JP" altLang="en-US"/>
           </a:p>
@@ -3228,7 +3228,7 @@
           <p:cNvPr id="5" name="フッター プレースホルダー 4">
             <a:extLst>
               <a:ext uri="{FF2B5EF4-FFF2-40B4-BE49-F238E27FC236}">
-                <a16:creationId xmlns:a16="http://schemas.microsoft.com/office/drawing/2014/main" id="{1BF83D56-A9B3-4EDF-BFEA-EBC848414D02}"/>
+                <a16:creationId xmlns:a16="http://schemas.microsoft.com/office/drawing/2014/main" xmlns="" id="{1BF83D56-A9B3-4EDF-BFEA-EBC848414D02}"/>
               </a:ext>
             </a:extLst>
           </p:cNvPr>
@@ -3271,7 +3271,7 @@
           <p:cNvPr id="6" name="スライド番号プレースホルダー 5">
             <a:extLst>
               <a:ext uri="{FF2B5EF4-FFF2-40B4-BE49-F238E27FC236}">
-                <a16:creationId xmlns:a16="http://schemas.microsoft.com/office/drawing/2014/main" id="{BDCF5551-4BBA-4B6C-8390-6BC3D9EA83CE}"/>
+                <a16:creationId xmlns:a16="http://schemas.microsoft.com/office/drawing/2014/main" xmlns="" id="{BDCF5551-4BBA-4B6C-8390-6BC3D9EA83CE}"/>
               </a:ext>
             </a:extLst>
           </p:cNvPr>
@@ -3639,7 +3639,7 @@
           <p:cNvPr id="6" name="テキスト ボックス 5">
             <a:extLst>
               <a:ext uri="{FF2B5EF4-FFF2-40B4-BE49-F238E27FC236}">
-                <a16:creationId xmlns:a16="http://schemas.microsoft.com/office/drawing/2014/main" id="{1F0A6FEE-5F30-47CD-92B6-24311CE0EC92}"/>
+                <a16:creationId xmlns:a16="http://schemas.microsoft.com/office/drawing/2014/main" xmlns="" id="{1F0A6FEE-5F30-47CD-92B6-24311CE0EC92}"/>
               </a:ext>
             </a:extLst>
           </p:cNvPr>
@@ -3678,7 +3678,7 @@
           <p:cNvPr id="2" name="正方形/長方形 1">
             <a:extLst>
               <a:ext uri="{FF2B5EF4-FFF2-40B4-BE49-F238E27FC236}">
-                <a16:creationId xmlns:a16="http://schemas.microsoft.com/office/drawing/2014/main" id="{A3839584-586E-4BF7-B7D0-CF7E5BDF7807}"/>
+                <a16:creationId xmlns:a16="http://schemas.microsoft.com/office/drawing/2014/main" xmlns="" id="{A3839584-586E-4BF7-B7D0-CF7E5BDF7807}"/>
               </a:ext>
             </a:extLst>
           </p:cNvPr>
@@ -3721,7 +3721,7 @@
           <p:cNvPr id="7" name="正方形/長方形 6">
             <a:extLst>
               <a:ext uri="{FF2B5EF4-FFF2-40B4-BE49-F238E27FC236}">
-                <a16:creationId xmlns:a16="http://schemas.microsoft.com/office/drawing/2014/main" id="{A7BA413E-930E-4D17-B5BB-7FE3F5879A34}"/>
+                <a16:creationId xmlns:a16="http://schemas.microsoft.com/office/drawing/2014/main" xmlns="" id="{A7BA413E-930E-4D17-B5BB-7FE3F5879A34}"/>
               </a:ext>
             </a:extLst>
           </p:cNvPr>
@@ -3807,7 +3807,7 @@
           <p:cNvPr id="3" name="正方形/長方形 2">
             <a:extLst>
               <a:ext uri="{FF2B5EF4-FFF2-40B4-BE49-F238E27FC236}">
-                <a16:creationId xmlns:a16="http://schemas.microsoft.com/office/drawing/2014/main" id="{CFA47F4A-9350-4B2E-8D49-6F82DFEF8681}"/>
+                <a16:creationId xmlns:a16="http://schemas.microsoft.com/office/drawing/2014/main" xmlns="" id="{CFA47F4A-9350-4B2E-8D49-6F82DFEF8681}"/>
               </a:ext>
             </a:extLst>
           </p:cNvPr>
@@ -3859,7 +3859,7 @@
           <p:cNvPr id="4" name="Shape 130">
             <a:extLst>
               <a:ext uri="{FF2B5EF4-FFF2-40B4-BE49-F238E27FC236}">
-                <a16:creationId xmlns:a16="http://schemas.microsoft.com/office/drawing/2014/main" id="{78B8FF42-9EFD-4FF9-B63B-6FE78BCE3F13}"/>
+                <a16:creationId xmlns:a16="http://schemas.microsoft.com/office/drawing/2014/main" xmlns="" id="{78B8FF42-9EFD-4FF9-B63B-6FE78BCE3F13}"/>
               </a:ext>
             </a:extLst>
           </p:cNvPr>
@@ -3879,7 +3879,7 @@
           </a:ln>
           <a:extLst>
             <a:ext uri="{C572A759-6A51-4108-AA02-DFA0A04FC94B}">
-              <ma14:wrappingTextBoxFlag xmlns:ma14="http://schemas.microsoft.com/office/mac/drawingml/2011/main" xmlns="" val="1"/>
+              <ma14:wrappingTextBoxFlag xmlns="" xmlns:ma14="http://schemas.microsoft.com/office/mac/drawingml/2011/main" val="1"/>
             </a:ext>
           </a:extLst>
         </p:spPr>
@@ -3918,7 +3918,7 @@
           <p:cNvPr id="24" name="テキスト ボックス 23">
             <a:extLst>
               <a:ext uri="{FF2B5EF4-FFF2-40B4-BE49-F238E27FC236}">
-                <a16:creationId xmlns:a16="http://schemas.microsoft.com/office/drawing/2014/main" id="{7DC2F90B-E7E4-49D3-9BC3-346C6B8DDA57}"/>
+                <a16:creationId xmlns:a16="http://schemas.microsoft.com/office/drawing/2014/main" xmlns="" id="{7DC2F90B-E7E4-49D3-9BC3-346C6B8DDA57}"/>
               </a:ext>
             </a:extLst>
           </p:cNvPr>
@@ -3972,7 +3972,7 @@
           <p:cNvPr id="2" name="テキスト ボックス 1">
             <a:extLst>
               <a:ext uri="{FF2B5EF4-FFF2-40B4-BE49-F238E27FC236}">
-                <a16:creationId xmlns:a16="http://schemas.microsoft.com/office/drawing/2014/main" id="{BCAC66E3-E5E8-4AFD-A103-AF01EE603ED2}"/>
+                <a16:creationId xmlns:a16="http://schemas.microsoft.com/office/drawing/2014/main" xmlns="" id="{BCAC66E3-E5E8-4AFD-A103-AF01EE603ED2}"/>
               </a:ext>
             </a:extLst>
           </p:cNvPr>
@@ -4011,7 +4011,7 @@
           <p:cNvPr id="20" name="テキスト ボックス 19">
             <a:extLst>
               <a:ext uri="{FF2B5EF4-FFF2-40B4-BE49-F238E27FC236}">
-                <a16:creationId xmlns:a16="http://schemas.microsoft.com/office/drawing/2014/main" id="{3758869C-D3BD-4A6A-A796-6C55E61046F4}"/>
+                <a16:creationId xmlns:a16="http://schemas.microsoft.com/office/drawing/2014/main" xmlns="" id="{3758869C-D3BD-4A6A-A796-6C55E61046F4}"/>
               </a:ext>
             </a:extLst>
           </p:cNvPr>
@@ -4046,7 +4046,7 @@
           <p:cNvPr id="21" name="テキスト ボックス 20">
             <a:extLst>
               <a:ext uri="{FF2B5EF4-FFF2-40B4-BE49-F238E27FC236}">
-                <a16:creationId xmlns:a16="http://schemas.microsoft.com/office/drawing/2014/main" id="{59765179-C06A-43AD-B061-176CF9BC19C6}"/>
+                <a16:creationId xmlns:a16="http://schemas.microsoft.com/office/drawing/2014/main" xmlns="" id="{59765179-C06A-43AD-B061-176CF9BC19C6}"/>
               </a:ext>
             </a:extLst>
           </p:cNvPr>
@@ -4081,7 +4081,7 @@
           <p:cNvPr id="23" name="テキスト ボックス 22">
             <a:extLst>
               <a:ext uri="{FF2B5EF4-FFF2-40B4-BE49-F238E27FC236}">
-                <a16:creationId xmlns:a16="http://schemas.microsoft.com/office/drawing/2014/main" id="{D9CF997E-7338-4427-9B62-11FA3858051B}"/>
+                <a16:creationId xmlns:a16="http://schemas.microsoft.com/office/drawing/2014/main" xmlns="" id="{D9CF997E-7338-4427-9B62-11FA3858051B}"/>
               </a:ext>
             </a:extLst>
           </p:cNvPr>
@@ -4117,7 +4117,7 @@
           <p:cNvPr id="26" name="テキスト ボックス 25">
             <a:extLst>
               <a:ext uri="{FF2B5EF4-FFF2-40B4-BE49-F238E27FC236}">
-                <a16:creationId xmlns:a16="http://schemas.microsoft.com/office/drawing/2014/main" id="{325B048A-CCCF-4E5E-8C98-A0662C908F2B}"/>
+                <a16:creationId xmlns:a16="http://schemas.microsoft.com/office/drawing/2014/main" xmlns="" id="{325B048A-CCCF-4E5E-8C98-A0662C908F2B}"/>
               </a:ext>
             </a:extLst>
           </p:cNvPr>
@@ -4152,7 +4152,7 @@
           <p:cNvPr id="5" name="テキスト ボックス 4">
             <a:extLst>
               <a:ext uri="{FF2B5EF4-FFF2-40B4-BE49-F238E27FC236}">
-                <a16:creationId xmlns:a16="http://schemas.microsoft.com/office/drawing/2014/main" id="{9C2D8675-7601-491A-9B9F-5B343005ACC9}"/>
+                <a16:creationId xmlns:a16="http://schemas.microsoft.com/office/drawing/2014/main" xmlns="" id="{9C2D8675-7601-491A-9B9F-5B343005ACC9}"/>
               </a:ext>
             </a:extLst>
           </p:cNvPr>
@@ -4192,7 +4192,7 @@
           <p:cNvPr id="39" name="テキスト ボックス 38">
             <a:extLst>
               <a:ext uri="{FF2B5EF4-FFF2-40B4-BE49-F238E27FC236}">
-                <a16:creationId xmlns:a16="http://schemas.microsoft.com/office/drawing/2014/main" id="{4503F00A-5B02-45DB-96E7-F71BD095D6D0}"/>
+                <a16:creationId xmlns:a16="http://schemas.microsoft.com/office/drawing/2014/main" xmlns="" id="{4503F00A-5B02-45DB-96E7-F71BD095D6D0}"/>
               </a:ext>
             </a:extLst>
           </p:cNvPr>
@@ -4239,7 +4239,7 @@
           <p:cNvPr id="18" name="グループ化 17">
             <a:extLst>
               <a:ext uri="{FF2B5EF4-FFF2-40B4-BE49-F238E27FC236}">
-                <a16:creationId xmlns:a16="http://schemas.microsoft.com/office/drawing/2014/main" id="{1986C206-644F-498C-97AD-99613EAFA802}"/>
+                <a16:creationId xmlns:a16="http://schemas.microsoft.com/office/drawing/2014/main" xmlns="" id="{1986C206-644F-498C-97AD-99613EAFA802}"/>
               </a:ext>
             </a:extLst>
           </p:cNvPr>
@@ -4259,7 +4259,7 @@
             <p:cNvPr id="54" name="正方形/長方形 53">
               <a:extLst>
                 <a:ext uri="{FF2B5EF4-FFF2-40B4-BE49-F238E27FC236}">
-                  <a16:creationId xmlns:a16="http://schemas.microsoft.com/office/drawing/2014/main" id="{4465A8F7-71E8-499D-8E80-D5963696D0D3}"/>
+                  <a16:creationId xmlns:a16="http://schemas.microsoft.com/office/drawing/2014/main" xmlns="" id="{4465A8F7-71E8-499D-8E80-D5963696D0D3}"/>
                 </a:ext>
               </a:extLst>
             </p:cNvPr>
@@ -4314,7 +4314,7 @@
             <p:cNvPr id="35" name="図 34">
               <a:extLst>
                 <a:ext uri="{FF2B5EF4-FFF2-40B4-BE49-F238E27FC236}">
-                  <a16:creationId xmlns:a16="http://schemas.microsoft.com/office/drawing/2014/main" id="{2888E0A8-EE95-4DCC-B8DF-C2EA244E61DA}"/>
+                  <a16:creationId xmlns:a16="http://schemas.microsoft.com/office/drawing/2014/main" xmlns="" id="{2888E0A8-EE95-4DCC-B8DF-C2EA244E61DA}"/>
                 </a:ext>
               </a:extLst>
             </p:cNvPr>
@@ -4350,7 +4350,7 @@
           <p:cNvPr id="56" name="グループ化 55">
             <a:extLst>
               <a:ext uri="{FF2B5EF4-FFF2-40B4-BE49-F238E27FC236}">
-                <a16:creationId xmlns:a16="http://schemas.microsoft.com/office/drawing/2014/main" id="{EE5B0FB0-2702-44E1-BFA8-48C1CF15F603}"/>
+                <a16:creationId xmlns:a16="http://schemas.microsoft.com/office/drawing/2014/main" xmlns="" id="{EE5B0FB0-2702-44E1-BFA8-48C1CF15F603}"/>
               </a:ext>
             </a:extLst>
           </p:cNvPr>
@@ -4370,7 +4370,7 @@
             <p:cNvPr id="40" name="直線コネクタ 39">
               <a:extLst>
                 <a:ext uri="{FF2B5EF4-FFF2-40B4-BE49-F238E27FC236}">
-                  <a16:creationId xmlns:a16="http://schemas.microsoft.com/office/drawing/2014/main" id="{F738E68E-8F5D-4130-93F7-E95474E145AE}"/>
+                  <a16:creationId xmlns:a16="http://schemas.microsoft.com/office/drawing/2014/main" xmlns="" id="{F738E68E-8F5D-4130-93F7-E95474E145AE}"/>
                 </a:ext>
               </a:extLst>
             </p:cNvPr>
@@ -4415,7 +4415,7 @@
             <p:cNvPr id="41" name="正方形/長方形 40">
               <a:extLst>
                 <a:ext uri="{FF2B5EF4-FFF2-40B4-BE49-F238E27FC236}">
-                  <a16:creationId xmlns:a16="http://schemas.microsoft.com/office/drawing/2014/main" id="{77F3D41E-79F1-411F-AB29-030174E390DC}"/>
+                  <a16:creationId xmlns:a16="http://schemas.microsoft.com/office/drawing/2014/main" xmlns="" id="{77F3D41E-79F1-411F-AB29-030174E390DC}"/>
                 </a:ext>
               </a:extLst>
             </p:cNvPr>
@@ -4464,7 +4464,7 @@
             <p:cNvPr id="46" name="直線矢印コネクタ 45">
               <a:extLst>
                 <a:ext uri="{FF2B5EF4-FFF2-40B4-BE49-F238E27FC236}">
-                  <a16:creationId xmlns:a16="http://schemas.microsoft.com/office/drawing/2014/main" id="{6495CB53-1AF9-4CE1-9937-425CE58ABB65}"/>
+                  <a16:creationId xmlns:a16="http://schemas.microsoft.com/office/drawing/2014/main" xmlns="" id="{6495CB53-1AF9-4CE1-9937-425CE58ABB65}"/>
                 </a:ext>
               </a:extLst>
             </p:cNvPr>
@@ -4511,7 +4511,7 @@
           <p:cNvPr id="57" name="グループ化 56">
             <a:extLst>
               <a:ext uri="{FF2B5EF4-FFF2-40B4-BE49-F238E27FC236}">
-                <a16:creationId xmlns:a16="http://schemas.microsoft.com/office/drawing/2014/main" id="{D67CDEE1-E887-4D4A-B862-81FCF8B36221}"/>
+                <a16:creationId xmlns:a16="http://schemas.microsoft.com/office/drawing/2014/main" xmlns="" id="{D67CDEE1-E887-4D4A-B862-81FCF8B36221}"/>
               </a:ext>
             </a:extLst>
           </p:cNvPr>
@@ -4531,7 +4531,7 @@
             <p:cNvPr id="43" name="直線コネクタ 42">
               <a:extLst>
                 <a:ext uri="{FF2B5EF4-FFF2-40B4-BE49-F238E27FC236}">
-                  <a16:creationId xmlns:a16="http://schemas.microsoft.com/office/drawing/2014/main" id="{93304ED5-39F7-4B9A-B1CA-F1FF5F64AF24}"/>
+                  <a16:creationId xmlns:a16="http://schemas.microsoft.com/office/drawing/2014/main" xmlns="" id="{93304ED5-39F7-4B9A-B1CA-F1FF5F64AF24}"/>
                 </a:ext>
               </a:extLst>
             </p:cNvPr>
@@ -4576,7 +4576,7 @@
             <p:cNvPr id="47" name="正方形/長方形 46">
               <a:extLst>
                 <a:ext uri="{FF2B5EF4-FFF2-40B4-BE49-F238E27FC236}">
-                  <a16:creationId xmlns:a16="http://schemas.microsoft.com/office/drawing/2014/main" id="{DD0A92B3-B8BF-4355-B330-26148512358C}"/>
+                  <a16:creationId xmlns:a16="http://schemas.microsoft.com/office/drawing/2014/main" xmlns="" id="{DD0A92B3-B8BF-4355-B330-26148512358C}"/>
                 </a:ext>
               </a:extLst>
             </p:cNvPr>
@@ -4688,7 +4688,7 @@
             <p:cNvPr id="48" name="直線矢印コネクタ 47">
               <a:extLst>
                 <a:ext uri="{FF2B5EF4-FFF2-40B4-BE49-F238E27FC236}">
-                  <a16:creationId xmlns:a16="http://schemas.microsoft.com/office/drawing/2014/main" id="{9B723FBD-CD0A-4BCE-ADBC-8BF4EFB58925}"/>
+                  <a16:creationId xmlns:a16="http://schemas.microsoft.com/office/drawing/2014/main" xmlns="" id="{9B723FBD-CD0A-4BCE-ADBC-8BF4EFB58925}"/>
                 </a:ext>
               </a:extLst>
             </p:cNvPr>
@@ -4735,7 +4735,7 @@
           <p:cNvPr id="58" name="グループ化 57">
             <a:extLst>
               <a:ext uri="{FF2B5EF4-FFF2-40B4-BE49-F238E27FC236}">
-                <a16:creationId xmlns:a16="http://schemas.microsoft.com/office/drawing/2014/main" id="{6B5A48AA-FAFE-416A-8B95-D55EF8822E80}"/>
+                <a16:creationId xmlns:a16="http://schemas.microsoft.com/office/drawing/2014/main" xmlns="" id="{6B5A48AA-FAFE-416A-8B95-D55EF8822E80}"/>
               </a:ext>
             </a:extLst>
           </p:cNvPr>
@@ -4755,7 +4755,7 @@
             <p:cNvPr id="45" name="直線コネクタ 44">
               <a:extLst>
                 <a:ext uri="{FF2B5EF4-FFF2-40B4-BE49-F238E27FC236}">
-                  <a16:creationId xmlns:a16="http://schemas.microsoft.com/office/drawing/2014/main" id="{0AD8E571-5C2A-4568-9270-74D85F3F0DFE}"/>
+                  <a16:creationId xmlns:a16="http://schemas.microsoft.com/office/drawing/2014/main" xmlns="" id="{0AD8E571-5C2A-4568-9270-74D85F3F0DFE}"/>
                 </a:ext>
               </a:extLst>
             </p:cNvPr>
@@ -4800,7 +4800,7 @@
             <p:cNvPr id="49" name="直線矢印コネクタ 48">
               <a:extLst>
                 <a:ext uri="{FF2B5EF4-FFF2-40B4-BE49-F238E27FC236}">
-                  <a16:creationId xmlns:a16="http://schemas.microsoft.com/office/drawing/2014/main" id="{7F04CD65-B624-49AD-A214-56052AD71C94}"/>
+                  <a16:creationId xmlns:a16="http://schemas.microsoft.com/office/drawing/2014/main" xmlns="" id="{7F04CD65-B624-49AD-A214-56052AD71C94}"/>
                 </a:ext>
               </a:extLst>
             </p:cNvPr>
@@ -4845,7 +4845,7 @@
             <p:cNvPr id="50" name="正方形/長方形 49">
               <a:extLst>
                 <a:ext uri="{FF2B5EF4-FFF2-40B4-BE49-F238E27FC236}">
-                  <a16:creationId xmlns:a16="http://schemas.microsoft.com/office/drawing/2014/main" id="{8C6FC8B5-79AD-4445-BF61-79F12AFD52F8}"/>
+                  <a16:creationId xmlns:a16="http://schemas.microsoft.com/office/drawing/2014/main" xmlns="" id="{8C6FC8B5-79AD-4445-BF61-79F12AFD52F8}"/>
                 </a:ext>
               </a:extLst>
             </p:cNvPr>
@@ -4881,7 +4881,7 @@
           <p:cNvPr id="55" name="グループ化 54">
             <a:extLst>
               <a:ext uri="{FF2B5EF4-FFF2-40B4-BE49-F238E27FC236}">
-                <a16:creationId xmlns:a16="http://schemas.microsoft.com/office/drawing/2014/main" id="{C24F4683-34F9-44C9-8D21-30E71496F9FB}"/>
+                <a16:creationId xmlns:a16="http://schemas.microsoft.com/office/drawing/2014/main" xmlns="" id="{C24F4683-34F9-44C9-8D21-30E71496F9FB}"/>
               </a:ext>
             </a:extLst>
           </p:cNvPr>
@@ -4901,7 +4901,7 @@
             <p:cNvPr id="51" name="直線コネクタ 50">
               <a:extLst>
                 <a:ext uri="{FF2B5EF4-FFF2-40B4-BE49-F238E27FC236}">
-                  <a16:creationId xmlns:a16="http://schemas.microsoft.com/office/drawing/2014/main" id="{37E107BB-426E-469F-A2AD-44AD3F3BB0F0}"/>
+                  <a16:creationId xmlns:a16="http://schemas.microsoft.com/office/drawing/2014/main" xmlns="" id="{37E107BB-426E-469F-A2AD-44AD3F3BB0F0}"/>
                 </a:ext>
               </a:extLst>
             </p:cNvPr>
@@ -4946,7 +4946,7 @@
             <p:cNvPr id="52" name="直線矢印コネクタ 51">
               <a:extLst>
                 <a:ext uri="{FF2B5EF4-FFF2-40B4-BE49-F238E27FC236}">
-                  <a16:creationId xmlns:a16="http://schemas.microsoft.com/office/drawing/2014/main" id="{A138656B-4836-42FC-9A31-D0E642325BD8}"/>
+                  <a16:creationId xmlns:a16="http://schemas.microsoft.com/office/drawing/2014/main" xmlns="" id="{A138656B-4836-42FC-9A31-D0E642325BD8}"/>
                 </a:ext>
               </a:extLst>
             </p:cNvPr>
@@ -4991,7 +4991,7 @@
             <p:cNvPr id="53" name="正方形/長方形 52">
               <a:extLst>
                 <a:ext uri="{FF2B5EF4-FFF2-40B4-BE49-F238E27FC236}">
-                  <a16:creationId xmlns:a16="http://schemas.microsoft.com/office/drawing/2014/main" id="{1755ABAF-FC60-4E0B-A46E-5C8D19AADF0D}"/>
+                  <a16:creationId xmlns:a16="http://schemas.microsoft.com/office/drawing/2014/main" xmlns="" id="{1755ABAF-FC60-4E0B-A46E-5C8D19AADF0D}"/>
                 </a:ext>
               </a:extLst>
             </p:cNvPr>
@@ -5342,7 +5342,7 @@
           <p:cNvPr id="4" name="Shape 130">
             <a:extLst>
               <a:ext uri="{FF2B5EF4-FFF2-40B4-BE49-F238E27FC236}">
-                <a16:creationId xmlns:a16="http://schemas.microsoft.com/office/drawing/2014/main" id="{78B8FF42-9EFD-4FF9-B63B-6FE78BCE3F13}"/>
+                <a16:creationId xmlns:a16="http://schemas.microsoft.com/office/drawing/2014/main" xmlns="" id="{78B8FF42-9EFD-4FF9-B63B-6FE78BCE3F13}"/>
               </a:ext>
             </a:extLst>
           </p:cNvPr>
@@ -5362,7 +5362,7 @@
           </a:ln>
           <a:extLst>
             <a:ext uri="{C572A759-6A51-4108-AA02-DFA0A04FC94B}">
-              <ma14:wrappingTextBoxFlag xmlns:ma14="http://schemas.microsoft.com/office/mac/drawingml/2011/main" xmlns="" val="1"/>
+              <ma14:wrappingTextBoxFlag xmlns="" xmlns:ma14="http://schemas.microsoft.com/office/mac/drawingml/2011/main" val="1"/>
             </a:ext>
           </a:extLst>
         </p:spPr>
@@ -5396,7 +5396,7 @@
           <p:cNvPr id="24" name="テキスト ボックス 23">
             <a:extLst>
               <a:ext uri="{FF2B5EF4-FFF2-40B4-BE49-F238E27FC236}">
-                <a16:creationId xmlns:a16="http://schemas.microsoft.com/office/drawing/2014/main" id="{7DC2F90B-E7E4-49D3-9BC3-346C6B8DDA57}"/>
+                <a16:creationId xmlns:a16="http://schemas.microsoft.com/office/drawing/2014/main" xmlns="" id="{7DC2F90B-E7E4-49D3-9BC3-346C6B8DDA57}"/>
               </a:ext>
             </a:extLst>
           </p:cNvPr>
@@ -5458,7 +5458,7 @@
           <p:cNvPr id="21" name="正方形/長方形 20">
             <a:extLst>
               <a:ext uri="{FF2B5EF4-FFF2-40B4-BE49-F238E27FC236}">
-                <a16:creationId xmlns:a16="http://schemas.microsoft.com/office/drawing/2014/main" id="{7176FB80-1E3D-4C36-A296-2E4BD7050D9D}"/>
+                <a16:creationId xmlns:a16="http://schemas.microsoft.com/office/drawing/2014/main" xmlns="" id="{7176FB80-1E3D-4C36-A296-2E4BD7050D9D}"/>
               </a:ext>
             </a:extLst>
           </p:cNvPr>
@@ -5510,7 +5510,7 @@
           <p:cNvPr id="22" name="テキスト ボックス 21">
             <a:extLst>
               <a:ext uri="{FF2B5EF4-FFF2-40B4-BE49-F238E27FC236}">
-                <a16:creationId xmlns:a16="http://schemas.microsoft.com/office/drawing/2014/main" id="{989D4AC0-E81B-4572-953F-2339C8CC1A49}"/>
+                <a16:creationId xmlns:a16="http://schemas.microsoft.com/office/drawing/2014/main" xmlns="" id="{989D4AC0-E81B-4572-953F-2339C8CC1A49}"/>
               </a:ext>
             </a:extLst>
           </p:cNvPr>
@@ -5546,7 +5546,7 @@
           <p:cNvPr id="27" name="テキスト ボックス 26">
             <a:extLst>
               <a:ext uri="{FF2B5EF4-FFF2-40B4-BE49-F238E27FC236}">
-                <a16:creationId xmlns:a16="http://schemas.microsoft.com/office/drawing/2014/main" id="{49CC0A92-851A-4889-B8BC-AFC2AFC808A9}"/>
+                <a16:creationId xmlns:a16="http://schemas.microsoft.com/office/drawing/2014/main" xmlns="" id="{49CC0A92-851A-4889-B8BC-AFC2AFC808A9}"/>
               </a:ext>
             </a:extLst>
           </p:cNvPr>
@@ -5614,7 +5614,7 @@
           <p:cNvPr id="29" name="テキスト ボックス 28">
             <a:extLst>
               <a:ext uri="{FF2B5EF4-FFF2-40B4-BE49-F238E27FC236}">
-                <a16:creationId xmlns:a16="http://schemas.microsoft.com/office/drawing/2014/main" id="{F06255C9-A12D-4D01-A6F8-569DE58D6438}"/>
+                <a16:creationId xmlns:a16="http://schemas.microsoft.com/office/drawing/2014/main" xmlns="" id="{F06255C9-A12D-4D01-A6F8-569DE58D6438}"/>
               </a:ext>
             </a:extLst>
           </p:cNvPr>
@@ -5650,7 +5650,7 @@
           <p:cNvPr id="30" name="テキスト ボックス 29">
             <a:extLst>
               <a:ext uri="{FF2B5EF4-FFF2-40B4-BE49-F238E27FC236}">
-                <a16:creationId xmlns:a16="http://schemas.microsoft.com/office/drawing/2014/main" id="{9DAD62D0-4659-4CF0-B0A5-FBA023BF26A1}"/>
+                <a16:creationId xmlns:a16="http://schemas.microsoft.com/office/drawing/2014/main" xmlns="" id="{9DAD62D0-4659-4CF0-B0A5-FBA023BF26A1}"/>
               </a:ext>
             </a:extLst>
           </p:cNvPr>
@@ -5685,7 +5685,7 @@
           <p:cNvPr id="32" name="テキスト ボックス 31">
             <a:extLst>
               <a:ext uri="{FF2B5EF4-FFF2-40B4-BE49-F238E27FC236}">
-                <a16:creationId xmlns:a16="http://schemas.microsoft.com/office/drawing/2014/main" id="{125E0303-6D30-49A2-ACBC-AAB23B2B1458}"/>
+                <a16:creationId xmlns:a16="http://schemas.microsoft.com/office/drawing/2014/main" xmlns="" id="{125E0303-6D30-49A2-ACBC-AAB23B2B1458}"/>
               </a:ext>
             </a:extLst>
           </p:cNvPr>
@@ -5725,7 +5725,7 @@
           <p:cNvPr id="35" name="テキスト ボックス 34">
             <a:extLst>
               <a:ext uri="{FF2B5EF4-FFF2-40B4-BE49-F238E27FC236}">
-                <a16:creationId xmlns:a16="http://schemas.microsoft.com/office/drawing/2014/main" id="{E5C6CAEA-13D5-4E95-BA14-BF92815970EA}"/>
+                <a16:creationId xmlns:a16="http://schemas.microsoft.com/office/drawing/2014/main" xmlns="" id="{E5C6CAEA-13D5-4E95-BA14-BF92815970EA}"/>
               </a:ext>
             </a:extLst>
           </p:cNvPr>
@@ -5780,7 +5780,7 @@
           <p:cNvPr id="11" name="グループ化 10">
             <a:extLst>
               <a:ext uri="{FF2B5EF4-FFF2-40B4-BE49-F238E27FC236}">
-                <a16:creationId xmlns:a16="http://schemas.microsoft.com/office/drawing/2014/main" id="{3551FA14-4EDE-47D2-9924-48C0F1878495}"/>
+                <a16:creationId xmlns:a16="http://schemas.microsoft.com/office/drawing/2014/main" xmlns="" id="{3551FA14-4EDE-47D2-9924-48C0F1878495}"/>
               </a:ext>
             </a:extLst>
           </p:cNvPr>
@@ -5800,7 +5800,7 @@
             <p:cNvPr id="44" name="図 43">
               <a:extLst>
                 <a:ext uri="{FF2B5EF4-FFF2-40B4-BE49-F238E27FC236}">
-                  <a16:creationId xmlns:a16="http://schemas.microsoft.com/office/drawing/2014/main" id="{BE805B29-1E4F-4652-A114-9A629EBF4943}"/>
+                  <a16:creationId xmlns:a16="http://schemas.microsoft.com/office/drawing/2014/main" xmlns="" id="{BE805B29-1E4F-4652-A114-9A629EBF4943}"/>
                 </a:ext>
               </a:extLst>
             </p:cNvPr>
@@ -5835,7 +5835,7 @@
             <p:cNvPr id="45" name="四角形: 角を丸くする 44">
               <a:extLst>
                 <a:ext uri="{FF2B5EF4-FFF2-40B4-BE49-F238E27FC236}">
-                  <a16:creationId xmlns:a16="http://schemas.microsoft.com/office/drawing/2014/main" id="{42D12100-4979-44F6-86D5-1798F65A5201}"/>
+                  <a16:creationId xmlns:a16="http://schemas.microsoft.com/office/drawing/2014/main" xmlns="" id="{42D12100-4979-44F6-86D5-1798F65A5201}"/>
                 </a:ext>
               </a:extLst>
             </p:cNvPr>
@@ -5888,7 +5888,7 @@
           <p:cNvPr id="33" name="図 32">
             <a:extLst>
               <a:ext uri="{FF2B5EF4-FFF2-40B4-BE49-F238E27FC236}">
-                <a16:creationId xmlns:a16="http://schemas.microsoft.com/office/drawing/2014/main" id="{038278A8-8C0F-4ABC-A314-4415B2ACDBFE}"/>
+                <a16:creationId xmlns:a16="http://schemas.microsoft.com/office/drawing/2014/main" xmlns="" id="{038278A8-8C0F-4ABC-A314-4415B2ACDBFE}"/>
               </a:ext>
             </a:extLst>
           </p:cNvPr>
@@ -5924,7 +5924,7 @@
           <p:cNvPr id="36" name="直線コネクタ 35">
             <a:extLst>
               <a:ext uri="{FF2B5EF4-FFF2-40B4-BE49-F238E27FC236}">
-                <a16:creationId xmlns:a16="http://schemas.microsoft.com/office/drawing/2014/main" id="{8FC86E4A-07AD-4D1B-B583-BA7DA6F44B88}"/>
+                <a16:creationId xmlns:a16="http://schemas.microsoft.com/office/drawing/2014/main" xmlns="" id="{8FC86E4A-07AD-4D1B-B583-BA7DA6F44B88}"/>
               </a:ext>
             </a:extLst>
           </p:cNvPr>
@@ -5969,7 +5969,7 @@
           <p:cNvPr id="37" name="正方形/長方形 36">
             <a:extLst>
               <a:ext uri="{FF2B5EF4-FFF2-40B4-BE49-F238E27FC236}">
-                <a16:creationId xmlns:a16="http://schemas.microsoft.com/office/drawing/2014/main" id="{C4A5C826-E8F5-4E72-AA54-8978CA169D12}"/>
+                <a16:creationId xmlns:a16="http://schemas.microsoft.com/office/drawing/2014/main" xmlns="" id="{C4A5C826-E8F5-4E72-AA54-8978CA169D12}"/>
               </a:ext>
             </a:extLst>
           </p:cNvPr>
@@ -6031,7 +6031,7 @@
           <p:cNvPr id="38" name="直線矢印コネクタ 37">
             <a:extLst>
               <a:ext uri="{FF2B5EF4-FFF2-40B4-BE49-F238E27FC236}">
-                <a16:creationId xmlns:a16="http://schemas.microsoft.com/office/drawing/2014/main" id="{6F1F65DE-5117-4391-A555-F61634623F24}"/>
+                <a16:creationId xmlns:a16="http://schemas.microsoft.com/office/drawing/2014/main" xmlns="" id="{6F1F65DE-5117-4391-A555-F61634623F24}"/>
               </a:ext>
             </a:extLst>
           </p:cNvPr>
@@ -6076,7 +6076,7 @@
           <p:cNvPr id="39" name="直線コネクタ 38">
             <a:extLst>
               <a:ext uri="{FF2B5EF4-FFF2-40B4-BE49-F238E27FC236}">
-                <a16:creationId xmlns:a16="http://schemas.microsoft.com/office/drawing/2014/main" id="{7E75E0FF-9713-4E4A-B042-4E3456BF89A2}"/>
+                <a16:creationId xmlns:a16="http://schemas.microsoft.com/office/drawing/2014/main" xmlns="" id="{7E75E0FF-9713-4E4A-B042-4E3456BF89A2}"/>
               </a:ext>
             </a:extLst>
           </p:cNvPr>
@@ -6121,7 +6121,7 @@
           <p:cNvPr id="40" name="直線コネクタ 39">
             <a:extLst>
               <a:ext uri="{FF2B5EF4-FFF2-40B4-BE49-F238E27FC236}">
-                <a16:creationId xmlns:a16="http://schemas.microsoft.com/office/drawing/2014/main" id="{3C04C6EF-9F26-40EC-A8A5-1341A98CCBB0}"/>
+                <a16:creationId xmlns:a16="http://schemas.microsoft.com/office/drawing/2014/main" xmlns="" id="{3C04C6EF-9F26-40EC-A8A5-1341A98CCBB0}"/>
               </a:ext>
             </a:extLst>
           </p:cNvPr>
@@ -6166,7 +6166,7 @@
           <p:cNvPr id="41" name="正方形/長方形 40">
             <a:extLst>
               <a:ext uri="{FF2B5EF4-FFF2-40B4-BE49-F238E27FC236}">
-                <a16:creationId xmlns:a16="http://schemas.microsoft.com/office/drawing/2014/main" id="{4DEA9C26-7AAB-4513-A7AF-89500D71F570}"/>
+                <a16:creationId xmlns:a16="http://schemas.microsoft.com/office/drawing/2014/main" xmlns="" id="{4DEA9C26-7AAB-4513-A7AF-89500D71F570}"/>
               </a:ext>
             </a:extLst>
           </p:cNvPr>
@@ -6209,7 +6209,7 @@
           <p:cNvPr id="42" name="直線矢印コネクタ 41">
             <a:extLst>
               <a:ext uri="{FF2B5EF4-FFF2-40B4-BE49-F238E27FC236}">
-                <a16:creationId xmlns:a16="http://schemas.microsoft.com/office/drawing/2014/main" id="{B91F9D42-0361-4671-A1D6-9F2FC6DF8483}"/>
+                <a16:creationId xmlns:a16="http://schemas.microsoft.com/office/drawing/2014/main" xmlns="" id="{B91F9D42-0361-4671-A1D6-9F2FC6DF8483}"/>
               </a:ext>
             </a:extLst>
           </p:cNvPr>
@@ -6255,7 +6255,7 @@
           <p:cNvPr id="43" name="直線矢印コネクタ 42">
             <a:extLst>
               <a:ext uri="{FF2B5EF4-FFF2-40B4-BE49-F238E27FC236}">
-                <a16:creationId xmlns:a16="http://schemas.microsoft.com/office/drawing/2014/main" id="{5CA16800-E7AA-45AD-99D0-9E895C644A36}"/>
+                <a16:creationId xmlns:a16="http://schemas.microsoft.com/office/drawing/2014/main" xmlns="" id="{5CA16800-E7AA-45AD-99D0-9E895C644A36}"/>
               </a:ext>
             </a:extLst>
           </p:cNvPr>
@@ -6301,7 +6301,7 @@
           <p:cNvPr id="50" name="直線コネクタ 49">
             <a:extLst>
               <a:ext uri="{FF2B5EF4-FFF2-40B4-BE49-F238E27FC236}">
-                <a16:creationId xmlns:a16="http://schemas.microsoft.com/office/drawing/2014/main" id="{717AAABD-919F-4D91-AA92-11E37B01D828}"/>
+                <a16:creationId xmlns:a16="http://schemas.microsoft.com/office/drawing/2014/main" xmlns="" id="{717AAABD-919F-4D91-AA92-11E37B01D828}"/>
               </a:ext>
             </a:extLst>
           </p:cNvPr>
@@ -6346,7 +6346,7 @@
           <p:cNvPr id="51" name="直線矢印コネクタ 50">
             <a:extLst>
               <a:ext uri="{FF2B5EF4-FFF2-40B4-BE49-F238E27FC236}">
-                <a16:creationId xmlns:a16="http://schemas.microsoft.com/office/drawing/2014/main" id="{2509C58E-1358-4175-9146-D527B7100FF7}"/>
+                <a16:creationId xmlns:a16="http://schemas.microsoft.com/office/drawing/2014/main" xmlns="" id="{2509C58E-1358-4175-9146-D527B7100FF7}"/>
               </a:ext>
             </a:extLst>
           </p:cNvPr>
@@ -6391,7 +6391,7 @@
           <p:cNvPr id="52" name="正方形/長方形 51">
             <a:extLst>
               <a:ext uri="{FF2B5EF4-FFF2-40B4-BE49-F238E27FC236}">
-                <a16:creationId xmlns:a16="http://schemas.microsoft.com/office/drawing/2014/main" id="{1055967D-F1B9-4686-88C3-FB5CBA1D22ED}"/>
+                <a16:creationId xmlns:a16="http://schemas.microsoft.com/office/drawing/2014/main" xmlns="" id="{1055967D-F1B9-4686-88C3-FB5CBA1D22ED}"/>
               </a:ext>
             </a:extLst>
           </p:cNvPr>
@@ -6426,7 +6426,7 @@
           <p:cNvPr id="53" name="正方形/長方形 52">
             <a:extLst>
               <a:ext uri="{FF2B5EF4-FFF2-40B4-BE49-F238E27FC236}">
-                <a16:creationId xmlns:a16="http://schemas.microsoft.com/office/drawing/2014/main" id="{3AC00EF2-BA0F-4B2D-BA75-F34F383A16B5}"/>
+                <a16:creationId xmlns:a16="http://schemas.microsoft.com/office/drawing/2014/main" xmlns="" id="{3AC00EF2-BA0F-4B2D-BA75-F34F383A16B5}"/>
               </a:ext>
             </a:extLst>
           </p:cNvPr>
@@ -6481,7 +6481,7 @@
           <p:cNvPr id="58" name="直線矢印コネクタ 57">
             <a:extLst>
               <a:ext uri="{FF2B5EF4-FFF2-40B4-BE49-F238E27FC236}">
-                <a16:creationId xmlns:a16="http://schemas.microsoft.com/office/drawing/2014/main" id="{0D467912-03B2-43A4-B413-954942E50B75}"/>
+                <a16:creationId xmlns:a16="http://schemas.microsoft.com/office/drawing/2014/main" xmlns="" id="{0D467912-03B2-43A4-B413-954942E50B75}"/>
               </a:ext>
             </a:extLst>
           </p:cNvPr>
@@ -7079,7 +7079,7 @@
           <p:cNvPr id="4" name="Shape 130">
             <a:extLst>
               <a:ext uri="{FF2B5EF4-FFF2-40B4-BE49-F238E27FC236}">
-                <a16:creationId xmlns:a16="http://schemas.microsoft.com/office/drawing/2014/main" id="{78B8FF42-9EFD-4FF9-B63B-6FE78BCE3F13}"/>
+                <a16:creationId xmlns:a16="http://schemas.microsoft.com/office/drawing/2014/main" xmlns="" id="{78B8FF42-9EFD-4FF9-B63B-6FE78BCE3F13}"/>
               </a:ext>
             </a:extLst>
           </p:cNvPr>
@@ -7099,7 +7099,7 @@
           </a:ln>
           <a:extLst>
             <a:ext uri="{C572A759-6A51-4108-AA02-DFA0A04FC94B}">
-              <ma14:wrappingTextBoxFlag xmlns:ma14="http://schemas.microsoft.com/office/mac/drawingml/2011/main" xmlns="" val="1"/>
+              <ma14:wrappingTextBoxFlag xmlns="" xmlns:ma14="http://schemas.microsoft.com/office/mac/drawingml/2011/main" val="1"/>
             </a:ext>
           </a:extLst>
         </p:spPr>
@@ -7133,7 +7133,7 @@
           <p:cNvPr id="24" name="テキスト ボックス 23">
             <a:extLst>
               <a:ext uri="{FF2B5EF4-FFF2-40B4-BE49-F238E27FC236}">
-                <a16:creationId xmlns:a16="http://schemas.microsoft.com/office/drawing/2014/main" id="{7DC2F90B-E7E4-49D3-9BC3-346C6B8DDA57}"/>
+                <a16:creationId xmlns:a16="http://schemas.microsoft.com/office/drawing/2014/main" xmlns="" id="{7DC2F90B-E7E4-49D3-9BC3-346C6B8DDA57}"/>
               </a:ext>
             </a:extLst>
           </p:cNvPr>
@@ -7215,7 +7215,7 @@
           <p:cNvPr id="25" name="テキスト ボックス 24">
             <a:extLst>
               <a:ext uri="{FF2B5EF4-FFF2-40B4-BE49-F238E27FC236}">
-                <a16:creationId xmlns:a16="http://schemas.microsoft.com/office/drawing/2014/main" id="{5D9C998A-CFDE-4862-A140-89E3FD9CCDEB}"/>
+                <a16:creationId xmlns:a16="http://schemas.microsoft.com/office/drawing/2014/main" xmlns="" id="{5D9C998A-CFDE-4862-A140-89E3FD9CCDEB}"/>
               </a:ext>
             </a:extLst>
           </p:cNvPr>
@@ -7279,7 +7279,7 @@
           <p:cNvPr id="26" name="テキスト ボックス 25">
             <a:extLst>
               <a:ext uri="{FF2B5EF4-FFF2-40B4-BE49-F238E27FC236}">
-                <a16:creationId xmlns:a16="http://schemas.microsoft.com/office/drawing/2014/main" id="{4A03586E-69BF-4E67-BFFD-507703D24090}"/>
+                <a16:creationId xmlns:a16="http://schemas.microsoft.com/office/drawing/2014/main" xmlns="" id="{4A03586E-69BF-4E67-BFFD-507703D24090}"/>
               </a:ext>
             </a:extLst>
           </p:cNvPr>
@@ -7336,7 +7336,7 @@
           <p:cNvPr id="29" name="テキスト ボックス 28">
             <a:extLst>
               <a:ext uri="{FF2B5EF4-FFF2-40B4-BE49-F238E27FC236}">
-                <a16:creationId xmlns:a16="http://schemas.microsoft.com/office/drawing/2014/main" id="{625DFB2C-DCE1-458B-8ACD-4671245EF888}"/>
+                <a16:creationId xmlns:a16="http://schemas.microsoft.com/office/drawing/2014/main" xmlns="" id="{625DFB2C-DCE1-458B-8ACD-4671245EF888}"/>
               </a:ext>
             </a:extLst>
           </p:cNvPr>
@@ -7391,7 +7391,7 @@
           <p:cNvPr id="31" name="図 30">
             <a:extLst>
               <a:ext uri="{FF2B5EF4-FFF2-40B4-BE49-F238E27FC236}">
-                <a16:creationId xmlns:a16="http://schemas.microsoft.com/office/drawing/2014/main" id="{EAD441FD-FCB0-4020-8C00-67A5F60EE1F1}"/>
+                <a16:creationId xmlns:a16="http://schemas.microsoft.com/office/drawing/2014/main" xmlns="" id="{EAD441FD-FCB0-4020-8C00-67A5F60EE1F1}"/>
               </a:ext>
             </a:extLst>
           </p:cNvPr>
@@ -7426,7 +7426,7 @@
           <p:cNvPr id="32" name="四角形: 角を丸くする 31">
             <a:extLst>
               <a:ext uri="{FF2B5EF4-FFF2-40B4-BE49-F238E27FC236}">
-                <a16:creationId xmlns:a16="http://schemas.microsoft.com/office/drawing/2014/main" id="{235425D5-BCF4-4753-877F-DAB116D307D0}"/>
+                <a16:creationId xmlns:a16="http://schemas.microsoft.com/office/drawing/2014/main" xmlns="" id="{235425D5-BCF4-4753-877F-DAB116D307D0}"/>
               </a:ext>
             </a:extLst>
           </p:cNvPr>
@@ -7478,7 +7478,7 @@
           <p:cNvPr id="33" name="直線矢印コネクタ 32">
             <a:extLst>
               <a:ext uri="{FF2B5EF4-FFF2-40B4-BE49-F238E27FC236}">
-                <a16:creationId xmlns:a16="http://schemas.microsoft.com/office/drawing/2014/main" id="{1D777978-4A55-4026-A44E-29EA5E6365A3}"/>
+                <a16:creationId xmlns:a16="http://schemas.microsoft.com/office/drawing/2014/main" xmlns="" id="{1D777978-4A55-4026-A44E-29EA5E6365A3}"/>
               </a:ext>
             </a:extLst>
           </p:cNvPr>
@@ -7524,7 +7524,7 @@
           <p:cNvPr id="34" name="正方形/長方形 33">
             <a:extLst>
               <a:ext uri="{FF2B5EF4-FFF2-40B4-BE49-F238E27FC236}">
-                <a16:creationId xmlns:a16="http://schemas.microsoft.com/office/drawing/2014/main" id="{8F1F58C9-AD0C-4FA5-9CD4-902535C10EE7}"/>
+                <a16:creationId xmlns:a16="http://schemas.microsoft.com/office/drawing/2014/main" xmlns="" id="{8F1F58C9-AD0C-4FA5-9CD4-902535C10EE7}"/>
               </a:ext>
             </a:extLst>
           </p:cNvPr>
@@ -7579,7 +7579,7 @@
           <p:cNvPr id="35" name="直線矢印コネクタ 34">
             <a:extLst>
               <a:ext uri="{FF2B5EF4-FFF2-40B4-BE49-F238E27FC236}">
-                <a16:creationId xmlns:a16="http://schemas.microsoft.com/office/drawing/2014/main" id="{626D1B10-74C4-4CCD-BD40-73A2ADE5737D}"/>
+                <a16:creationId xmlns:a16="http://schemas.microsoft.com/office/drawing/2014/main" xmlns="" id="{626D1B10-74C4-4CCD-BD40-73A2ADE5737D}"/>
               </a:ext>
             </a:extLst>
           </p:cNvPr>
@@ -7625,7 +7625,7 @@
           <p:cNvPr id="36" name="テキスト ボックス 35">
             <a:extLst>
               <a:ext uri="{FF2B5EF4-FFF2-40B4-BE49-F238E27FC236}">
-                <a16:creationId xmlns:a16="http://schemas.microsoft.com/office/drawing/2014/main" id="{1325F8A2-FBFE-4ECC-8BD7-ABC860F0CB19}"/>
+                <a16:creationId xmlns:a16="http://schemas.microsoft.com/office/drawing/2014/main" xmlns="" id="{1325F8A2-FBFE-4ECC-8BD7-ABC860F0CB19}"/>
               </a:ext>
             </a:extLst>
           </p:cNvPr>
@@ -7665,7 +7665,7 @@
           <p:cNvPr id="15" name="正方形/長方形 14">
             <a:extLst>
               <a:ext uri="{FF2B5EF4-FFF2-40B4-BE49-F238E27FC236}">
-                <a16:creationId xmlns:a16="http://schemas.microsoft.com/office/drawing/2014/main" id="{C517F86C-156B-4780-BF15-DF1F2BE64F69}"/>
+                <a16:creationId xmlns:a16="http://schemas.microsoft.com/office/drawing/2014/main" xmlns="" id="{C517F86C-156B-4780-BF15-DF1F2BE64F69}"/>
               </a:ext>
             </a:extLst>
           </p:cNvPr>
@@ -7717,7 +7717,7 @@
           <p:cNvPr id="16" name="テキスト ボックス 15">
             <a:extLst>
               <a:ext uri="{FF2B5EF4-FFF2-40B4-BE49-F238E27FC236}">
-                <a16:creationId xmlns:a16="http://schemas.microsoft.com/office/drawing/2014/main" id="{12297C61-906D-4A5D-AA59-9248B6BD38C0}"/>
+                <a16:creationId xmlns:a16="http://schemas.microsoft.com/office/drawing/2014/main" xmlns="" id="{12297C61-906D-4A5D-AA59-9248B6BD38C0}"/>
               </a:ext>
             </a:extLst>
           </p:cNvPr>
@@ -7753,7 +7753,7 @@
           <p:cNvPr id="17" name="テキスト ボックス 16">
             <a:extLst>
               <a:ext uri="{FF2B5EF4-FFF2-40B4-BE49-F238E27FC236}">
-                <a16:creationId xmlns:a16="http://schemas.microsoft.com/office/drawing/2014/main" id="{44936EDA-EACB-4BC5-93C1-5E3597A89E12}"/>
+                <a16:creationId xmlns:a16="http://schemas.microsoft.com/office/drawing/2014/main" xmlns="" id="{44936EDA-EACB-4BC5-93C1-5E3597A89E12}"/>
               </a:ext>
             </a:extLst>
           </p:cNvPr>
@@ -7788,7 +7788,7 @@
           <p:cNvPr id="19" name="テキスト ボックス 18">
             <a:extLst>
               <a:ext uri="{FF2B5EF4-FFF2-40B4-BE49-F238E27FC236}">
-                <a16:creationId xmlns:a16="http://schemas.microsoft.com/office/drawing/2014/main" id="{C5B9F51E-58F3-44C7-82BC-795CE3954512}"/>
+                <a16:creationId xmlns:a16="http://schemas.microsoft.com/office/drawing/2014/main" xmlns="" id="{C5B9F51E-58F3-44C7-82BC-795CE3954512}"/>
               </a:ext>
             </a:extLst>
           </p:cNvPr>
@@ -7828,7 +7828,7 @@
           <p:cNvPr id="20" name="テキスト ボックス 19">
             <a:extLst>
               <a:ext uri="{FF2B5EF4-FFF2-40B4-BE49-F238E27FC236}">
-                <a16:creationId xmlns:a16="http://schemas.microsoft.com/office/drawing/2014/main" id="{FE654FE5-1DA0-47EB-A41E-5E690435F2FC}"/>
+                <a16:creationId xmlns:a16="http://schemas.microsoft.com/office/drawing/2014/main" xmlns="" id="{FE654FE5-1DA0-47EB-A41E-5E690435F2FC}"/>
               </a:ext>
             </a:extLst>
           </p:cNvPr>
@@ -7868,7 +7868,7 @@
           <p:cNvPr id="21" name="テキスト ボックス 20">
             <a:extLst>
               <a:ext uri="{FF2B5EF4-FFF2-40B4-BE49-F238E27FC236}">
-                <a16:creationId xmlns:a16="http://schemas.microsoft.com/office/drawing/2014/main" id="{E92D9609-4908-4228-B638-ABDD08EE4C36}"/>
+                <a16:creationId xmlns:a16="http://schemas.microsoft.com/office/drawing/2014/main" xmlns="" id="{E92D9609-4908-4228-B638-ABDD08EE4C36}"/>
               </a:ext>
             </a:extLst>
           </p:cNvPr>
@@ -7904,7 +7904,7 @@
           <p:cNvPr id="23" name="テキスト ボックス 22">
             <a:extLst>
               <a:ext uri="{FF2B5EF4-FFF2-40B4-BE49-F238E27FC236}">
-                <a16:creationId xmlns:a16="http://schemas.microsoft.com/office/drawing/2014/main" id="{BC6CEFAA-06AD-4EB7-BBD7-762E888898D3}"/>
+                <a16:creationId xmlns:a16="http://schemas.microsoft.com/office/drawing/2014/main" xmlns="" id="{BC6CEFAA-06AD-4EB7-BBD7-762E888898D3}"/>
               </a:ext>
             </a:extLst>
           </p:cNvPr>
@@ -7944,7 +7944,7 @@
           <p:cNvPr id="2" name="テキスト ボックス 1">
             <a:extLst>
               <a:ext uri="{FF2B5EF4-FFF2-40B4-BE49-F238E27FC236}">
-                <a16:creationId xmlns:a16="http://schemas.microsoft.com/office/drawing/2014/main" id="{D51DA1FF-4DAE-4D39-8DC1-A30E0B817EE3}"/>
+                <a16:creationId xmlns:a16="http://schemas.microsoft.com/office/drawing/2014/main" xmlns="" id="{D51DA1FF-4DAE-4D39-8DC1-A30E0B817EE3}"/>
               </a:ext>
             </a:extLst>
           </p:cNvPr>
@@ -7979,7 +7979,7 @@
           <p:cNvPr id="7" name="正方形/長方形 6">
             <a:extLst>
               <a:ext uri="{FF2B5EF4-FFF2-40B4-BE49-F238E27FC236}">
-                <a16:creationId xmlns:a16="http://schemas.microsoft.com/office/drawing/2014/main" id="{113E5E77-7BB0-4F4E-860D-DBF63F295952}"/>
+                <a16:creationId xmlns:a16="http://schemas.microsoft.com/office/drawing/2014/main" xmlns="" id="{113E5E77-7BB0-4F4E-860D-DBF63F295952}"/>
               </a:ext>
             </a:extLst>
           </p:cNvPr>
@@ -8363,7 +8363,7 @@
           <p:cNvPr id="4" name="Shape 130">
             <a:extLst>
               <a:ext uri="{FF2B5EF4-FFF2-40B4-BE49-F238E27FC236}">
-                <a16:creationId xmlns:a16="http://schemas.microsoft.com/office/drawing/2014/main" id="{78B8FF42-9EFD-4FF9-B63B-6FE78BCE3F13}"/>
+                <a16:creationId xmlns:a16="http://schemas.microsoft.com/office/drawing/2014/main" xmlns="" id="{78B8FF42-9EFD-4FF9-B63B-6FE78BCE3F13}"/>
               </a:ext>
             </a:extLst>
           </p:cNvPr>
@@ -8383,7 +8383,7 @@
           </a:ln>
           <a:extLst>
             <a:ext uri="{C572A759-6A51-4108-AA02-DFA0A04FC94B}">
-              <ma14:wrappingTextBoxFlag xmlns:ma14="http://schemas.microsoft.com/office/mac/drawingml/2011/main" xmlns="" val="1"/>
+              <ma14:wrappingTextBoxFlag xmlns="" xmlns:ma14="http://schemas.microsoft.com/office/mac/drawingml/2011/main" val="1"/>
             </a:ext>
           </a:extLst>
         </p:spPr>
@@ -8414,7 +8414,7 @@
           <p:cNvPr id="2" name="テキスト ボックス 1">
             <a:extLst>
               <a:ext uri="{FF2B5EF4-FFF2-40B4-BE49-F238E27FC236}">
-                <a16:creationId xmlns:a16="http://schemas.microsoft.com/office/drawing/2014/main" id="{40E3FC34-E143-4003-B45E-984C56D304B4}"/>
+                <a16:creationId xmlns:a16="http://schemas.microsoft.com/office/drawing/2014/main" xmlns="" id="{40E3FC34-E143-4003-B45E-984C56D304B4}"/>
               </a:ext>
             </a:extLst>
           </p:cNvPr>
@@ -8489,7 +8489,7 @@
           <p:cNvPr id="3" name="正方形/長方形 2">
             <a:extLst>
               <a:ext uri="{FF2B5EF4-FFF2-40B4-BE49-F238E27FC236}">
-                <a16:creationId xmlns:a16="http://schemas.microsoft.com/office/drawing/2014/main" id="{843EE84F-9F2E-4C96-9CD5-00FBEDE02589}"/>
+                <a16:creationId xmlns:a16="http://schemas.microsoft.com/office/drawing/2014/main" xmlns="" id="{843EE84F-9F2E-4C96-9CD5-00FBEDE02589}"/>
               </a:ext>
             </a:extLst>
           </p:cNvPr>
@@ -8603,7 +8603,7 @@
           <p:cNvPr id="4" name="Shape 130">
             <a:extLst>
               <a:ext uri="{FF2B5EF4-FFF2-40B4-BE49-F238E27FC236}">
-                <a16:creationId xmlns:a16="http://schemas.microsoft.com/office/drawing/2014/main" id="{DDFECC37-2BEF-4DC8-88C9-4396BDABA5E2}"/>
+                <a16:creationId xmlns:a16="http://schemas.microsoft.com/office/drawing/2014/main" xmlns="" id="{DDFECC37-2BEF-4DC8-88C9-4396BDABA5E2}"/>
               </a:ext>
             </a:extLst>
           </p:cNvPr>
@@ -8623,7 +8623,7 @@
           </a:ln>
           <a:extLst>
             <a:ext uri="{C572A759-6A51-4108-AA02-DFA0A04FC94B}">
-              <ma14:wrappingTextBoxFlag xmlns:ma14="http://schemas.microsoft.com/office/mac/drawingml/2011/main" xmlns="" val="1"/>
+              <ma14:wrappingTextBoxFlag xmlns="" xmlns:ma14="http://schemas.microsoft.com/office/mac/drawingml/2011/main" val="1"/>
             </a:ext>
           </a:extLst>
         </p:spPr>
@@ -8678,7 +8678,7 @@
           <p:cNvPr id="5" name="テキスト ボックス 4">
             <a:extLst>
               <a:ext uri="{FF2B5EF4-FFF2-40B4-BE49-F238E27FC236}">
-                <a16:creationId xmlns:a16="http://schemas.microsoft.com/office/drawing/2014/main" id="{C209EDC7-7103-48C7-BCB2-721B8ED437FD}"/>
+                <a16:creationId xmlns:a16="http://schemas.microsoft.com/office/drawing/2014/main" xmlns="" id="{C209EDC7-7103-48C7-BCB2-721B8ED437FD}"/>
               </a:ext>
             </a:extLst>
           </p:cNvPr>
@@ -8729,7 +8729,7 @@
           <p:cNvPr id="2" name="図 1">
             <a:extLst>
               <a:ext uri="{FF2B5EF4-FFF2-40B4-BE49-F238E27FC236}">
-                <a16:creationId xmlns:a16="http://schemas.microsoft.com/office/drawing/2014/main" id="{F136AD82-08DF-43E0-95EF-F5B9B80ACDA9}"/>
+                <a16:creationId xmlns:a16="http://schemas.microsoft.com/office/drawing/2014/main" xmlns="" id="{F136AD82-08DF-43E0-95EF-F5B9B80ACDA9}"/>
               </a:ext>
             </a:extLst>
           </p:cNvPr>
@@ -8765,7 +8765,7 @@
           <p:cNvPr id="7" name="四角形: 角を丸くする 6">
             <a:extLst>
               <a:ext uri="{FF2B5EF4-FFF2-40B4-BE49-F238E27FC236}">
-                <a16:creationId xmlns:a16="http://schemas.microsoft.com/office/drawing/2014/main" id="{F8C53319-57C6-4A63-A816-0C6A20877C24}"/>
+                <a16:creationId xmlns:a16="http://schemas.microsoft.com/office/drawing/2014/main" xmlns="" id="{F8C53319-57C6-4A63-A816-0C6A20877C24}"/>
               </a:ext>
             </a:extLst>
           </p:cNvPr>
@@ -8817,7 +8817,7 @@
           <p:cNvPr id="8" name="直線矢印コネクタ 7">
             <a:extLst>
               <a:ext uri="{FF2B5EF4-FFF2-40B4-BE49-F238E27FC236}">
-                <a16:creationId xmlns:a16="http://schemas.microsoft.com/office/drawing/2014/main" id="{15E0E6FB-F359-49CD-B9D4-F6CCF1B2FD32}"/>
+                <a16:creationId xmlns:a16="http://schemas.microsoft.com/office/drawing/2014/main" xmlns="" id="{15E0E6FB-F359-49CD-B9D4-F6CCF1B2FD32}"/>
               </a:ext>
             </a:extLst>
           </p:cNvPr>
@@ -8863,7 +8863,7 @@
           <p:cNvPr id="9" name="テキスト ボックス 8">
             <a:extLst>
               <a:ext uri="{FF2B5EF4-FFF2-40B4-BE49-F238E27FC236}">
-                <a16:creationId xmlns:a16="http://schemas.microsoft.com/office/drawing/2014/main" id="{63A9B52D-5546-4ACB-8CBC-7AF183E9400F}"/>
+                <a16:creationId xmlns:a16="http://schemas.microsoft.com/office/drawing/2014/main" xmlns="" id="{63A9B52D-5546-4ACB-8CBC-7AF183E9400F}"/>
               </a:ext>
             </a:extLst>
           </p:cNvPr>
@@ -8898,7 +8898,7 @@
           <p:cNvPr id="10" name="正方形/長方形 9">
             <a:extLst>
               <a:ext uri="{FF2B5EF4-FFF2-40B4-BE49-F238E27FC236}">
-                <a16:creationId xmlns:a16="http://schemas.microsoft.com/office/drawing/2014/main" id="{D180782A-84E6-4FE8-BAD6-584DC9DC1611}"/>
+                <a16:creationId xmlns:a16="http://schemas.microsoft.com/office/drawing/2014/main" xmlns="" id="{D180782A-84E6-4FE8-BAD6-584DC9DC1611}"/>
               </a:ext>
             </a:extLst>
           </p:cNvPr>
@@ -8983,7 +8983,7 @@
           <p:cNvPr id="12" name="正方形/長方形 11">
             <a:extLst>
               <a:ext uri="{FF2B5EF4-FFF2-40B4-BE49-F238E27FC236}">
-                <a16:creationId xmlns:a16="http://schemas.microsoft.com/office/drawing/2014/main" id="{C6CB2650-130B-4027-9BA8-17FD36EB294E}"/>
+                <a16:creationId xmlns:a16="http://schemas.microsoft.com/office/drawing/2014/main" xmlns="" id="{C6CB2650-130B-4027-9BA8-17FD36EB294E}"/>
               </a:ext>
             </a:extLst>
           </p:cNvPr>
@@ -9038,7 +9038,7 @@
           <p:cNvPr id="3" name="図 2">
             <a:extLst>
               <a:ext uri="{FF2B5EF4-FFF2-40B4-BE49-F238E27FC236}">
-                <a16:creationId xmlns:a16="http://schemas.microsoft.com/office/drawing/2014/main" id="{9DA0A910-4A6D-45C5-BDBF-0D136BC253B9}"/>
+                <a16:creationId xmlns:a16="http://schemas.microsoft.com/office/drawing/2014/main" xmlns="" id="{9DA0A910-4A6D-45C5-BDBF-0D136BC253B9}"/>
               </a:ext>
             </a:extLst>
           </p:cNvPr>
@@ -9073,7 +9073,7 @@
           <p:cNvPr id="5" name="Shape 130">
             <a:extLst>
               <a:ext uri="{FF2B5EF4-FFF2-40B4-BE49-F238E27FC236}">
-                <a16:creationId xmlns:a16="http://schemas.microsoft.com/office/drawing/2014/main" id="{80CF7287-5C1D-4536-B473-DE3960C4694B}"/>
+                <a16:creationId xmlns:a16="http://schemas.microsoft.com/office/drawing/2014/main" xmlns="" id="{80CF7287-5C1D-4536-B473-DE3960C4694B}"/>
               </a:ext>
             </a:extLst>
           </p:cNvPr>
@@ -9093,7 +9093,7 @@
           </a:ln>
           <a:extLst>
             <a:ext uri="{C572A759-6A51-4108-AA02-DFA0A04FC94B}">
-              <ma14:wrappingTextBoxFlag xmlns:ma14="http://schemas.microsoft.com/office/mac/drawingml/2011/main" xmlns="" val="1"/>
+              <ma14:wrappingTextBoxFlag xmlns="" xmlns:ma14="http://schemas.microsoft.com/office/mac/drawingml/2011/main" val="1"/>
             </a:ext>
           </a:extLst>
         </p:spPr>
@@ -9140,7 +9140,7 @@
           <p:cNvPr id="4" name="四角形: 角を丸くする 3">
             <a:extLst>
               <a:ext uri="{FF2B5EF4-FFF2-40B4-BE49-F238E27FC236}">
-                <a16:creationId xmlns:a16="http://schemas.microsoft.com/office/drawing/2014/main" id="{9B91533E-6BC9-4488-BFD1-D393A0CB37DE}"/>
+                <a16:creationId xmlns:a16="http://schemas.microsoft.com/office/drawing/2014/main" xmlns="" id="{9B91533E-6BC9-4488-BFD1-D393A0CB37DE}"/>
               </a:ext>
             </a:extLst>
           </p:cNvPr>
@@ -9192,7 +9192,7 @@
           <p:cNvPr id="6" name="テキスト ボックス 5">
             <a:extLst>
               <a:ext uri="{FF2B5EF4-FFF2-40B4-BE49-F238E27FC236}">
-                <a16:creationId xmlns:a16="http://schemas.microsoft.com/office/drawing/2014/main" id="{68A2F449-F157-496A-90D9-F1A62DC542F4}"/>
+                <a16:creationId xmlns:a16="http://schemas.microsoft.com/office/drawing/2014/main" xmlns="" id="{68A2F449-F157-496A-90D9-F1A62DC542F4}"/>
               </a:ext>
             </a:extLst>
           </p:cNvPr>
@@ -9244,7 +9244,7 @@
           <p:cNvPr id="7" name="直線矢印コネクタ 6">
             <a:extLst>
               <a:ext uri="{FF2B5EF4-FFF2-40B4-BE49-F238E27FC236}">
-                <a16:creationId xmlns:a16="http://schemas.microsoft.com/office/drawing/2014/main" id="{624143F9-3C86-40B9-9E99-A39B77B8FA65}"/>
+                <a16:creationId xmlns:a16="http://schemas.microsoft.com/office/drawing/2014/main" xmlns="" id="{624143F9-3C86-40B9-9E99-A39B77B8FA65}"/>
               </a:ext>
             </a:extLst>
           </p:cNvPr>
@@ -9290,7 +9290,7 @@
           <p:cNvPr id="8" name="テキスト ボックス 7">
             <a:extLst>
               <a:ext uri="{FF2B5EF4-FFF2-40B4-BE49-F238E27FC236}">
-                <a16:creationId xmlns:a16="http://schemas.microsoft.com/office/drawing/2014/main" id="{72414073-5EFE-44CC-97CB-4DA52FA1572B}"/>
+                <a16:creationId xmlns:a16="http://schemas.microsoft.com/office/drawing/2014/main" xmlns="" id="{72414073-5EFE-44CC-97CB-4DA52FA1572B}"/>
               </a:ext>
             </a:extLst>
           </p:cNvPr>
@@ -9325,7 +9325,7 @@
           <p:cNvPr id="10" name="図 9">
             <a:extLst>
               <a:ext uri="{FF2B5EF4-FFF2-40B4-BE49-F238E27FC236}">
-                <a16:creationId xmlns:a16="http://schemas.microsoft.com/office/drawing/2014/main" id="{D6417BA3-3B25-49EF-9624-FF7B9AA4E929}"/>
+                <a16:creationId xmlns:a16="http://schemas.microsoft.com/office/drawing/2014/main" xmlns="" id="{D6417BA3-3B25-49EF-9624-FF7B9AA4E929}"/>
               </a:ext>
             </a:extLst>
           </p:cNvPr>
@@ -9361,7 +9361,7 @@
           <p:cNvPr id="11" name="テキスト ボックス 10">
             <a:extLst>
               <a:ext uri="{FF2B5EF4-FFF2-40B4-BE49-F238E27FC236}">
-                <a16:creationId xmlns:a16="http://schemas.microsoft.com/office/drawing/2014/main" id="{A33BC2C4-E723-40D4-A324-943660E74599}"/>
+                <a16:creationId xmlns:a16="http://schemas.microsoft.com/office/drawing/2014/main" xmlns="" id="{A33BC2C4-E723-40D4-A324-943660E74599}"/>
               </a:ext>
             </a:extLst>
           </p:cNvPr>
@@ -9427,7 +9427,7 @@
           <p:cNvPr id="4" name="Shape 130">
             <a:extLst>
               <a:ext uri="{FF2B5EF4-FFF2-40B4-BE49-F238E27FC236}">
-                <a16:creationId xmlns:a16="http://schemas.microsoft.com/office/drawing/2014/main" id="{501089C1-7C77-4D4A-BE1A-825D52B16767}"/>
+                <a16:creationId xmlns:a16="http://schemas.microsoft.com/office/drawing/2014/main" xmlns="" id="{501089C1-7C77-4D4A-BE1A-825D52B16767}"/>
               </a:ext>
             </a:extLst>
           </p:cNvPr>
@@ -9447,7 +9447,7 @@
           </a:ln>
           <a:extLst>
             <a:ext uri="{C572A759-6A51-4108-AA02-DFA0A04FC94B}">
-              <ma14:wrappingTextBoxFlag xmlns:ma14="http://schemas.microsoft.com/office/mac/drawingml/2011/main" xmlns="" val="1"/>
+              <ma14:wrappingTextBoxFlag xmlns="" xmlns:ma14="http://schemas.microsoft.com/office/mac/drawingml/2011/main" val="1"/>
             </a:ext>
           </a:extLst>
         </p:spPr>
@@ -9482,7 +9482,7 @@
           <p:cNvPr id="5" name="テキスト ボックス 4">
             <a:extLst>
               <a:ext uri="{FF2B5EF4-FFF2-40B4-BE49-F238E27FC236}">
-                <a16:creationId xmlns:a16="http://schemas.microsoft.com/office/drawing/2014/main" id="{D6A90188-FB40-4773-80F4-FD5BFB394132}"/>
+                <a16:creationId xmlns:a16="http://schemas.microsoft.com/office/drawing/2014/main" xmlns="" id="{D6A90188-FB40-4773-80F4-FD5BFB394132}"/>
               </a:ext>
             </a:extLst>
           </p:cNvPr>
@@ -9554,7 +9554,7 @@
           <p:cNvPr id="6" name="図 5">
             <a:extLst>
               <a:ext uri="{FF2B5EF4-FFF2-40B4-BE49-F238E27FC236}">
-                <a16:creationId xmlns:a16="http://schemas.microsoft.com/office/drawing/2014/main" id="{13EAA965-5396-4BB8-8211-16CFA7CB4CD1}"/>
+                <a16:creationId xmlns:a16="http://schemas.microsoft.com/office/drawing/2014/main" xmlns="" id="{13EAA965-5396-4BB8-8211-16CFA7CB4CD1}"/>
               </a:ext>
             </a:extLst>
           </p:cNvPr>
@@ -9590,7 +9590,7 @@
           <p:cNvPr id="7" name="テキスト ボックス 6">
             <a:extLst>
               <a:ext uri="{FF2B5EF4-FFF2-40B4-BE49-F238E27FC236}">
-                <a16:creationId xmlns:a16="http://schemas.microsoft.com/office/drawing/2014/main" id="{C35B1AEA-22D0-423F-A171-55B70BE06B7D}"/>
+                <a16:creationId xmlns:a16="http://schemas.microsoft.com/office/drawing/2014/main" xmlns="" id="{C35B1AEA-22D0-423F-A171-55B70BE06B7D}"/>
               </a:ext>
             </a:extLst>
           </p:cNvPr>
@@ -9655,7 +9655,7 @@
           <p:cNvPr id="4" name="Shape 130">
             <a:extLst>
               <a:ext uri="{FF2B5EF4-FFF2-40B4-BE49-F238E27FC236}">
-                <a16:creationId xmlns:a16="http://schemas.microsoft.com/office/drawing/2014/main" id="{501089C1-7C77-4D4A-BE1A-825D52B16767}"/>
+                <a16:creationId xmlns:a16="http://schemas.microsoft.com/office/drawing/2014/main" xmlns="" id="{501089C1-7C77-4D4A-BE1A-825D52B16767}"/>
               </a:ext>
             </a:extLst>
           </p:cNvPr>
@@ -9675,7 +9675,7 @@
           </a:ln>
           <a:extLst>
             <a:ext uri="{C572A759-6A51-4108-AA02-DFA0A04FC94B}">
-              <ma14:wrappingTextBoxFlag xmlns:ma14="http://schemas.microsoft.com/office/mac/drawingml/2011/main" xmlns="" val="1"/>
+              <ma14:wrappingTextBoxFlag xmlns="" xmlns:ma14="http://schemas.microsoft.com/office/mac/drawingml/2011/main" val="1"/>
             </a:ext>
           </a:extLst>
         </p:spPr>
@@ -9705,7 +9705,7 @@
           <p:cNvPr id="7" name="テキスト ボックス 6">
             <a:extLst>
               <a:ext uri="{FF2B5EF4-FFF2-40B4-BE49-F238E27FC236}">
-                <a16:creationId xmlns:a16="http://schemas.microsoft.com/office/drawing/2014/main" id="{C35B1AEA-22D0-423F-A171-55B70BE06B7D}"/>
+                <a16:creationId xmlns:a16="http://schemas.microsoft.com/office/drawing/2014/main" xmlns="" id="{C35B1AEA-22D0-423F-A171-55B70BE06B7D}"/>
               </a:ext>
             </a:extLst>
           </p:cNvPr>
@@ -9756,7 +9756,7 @@
           <p:cNvPr id="8" name="テキスト ボックス 7">
             <a:extLst>
               <a:ext uri="{FF2B5EF4-FFF2-40B4-BE49-F238E27FC236}">
-                <a16:creationId xmlns:a16="http://schemas.microsoft.com/office/drawing/2014/main" id="{2EBCFF35-115E-4DE3-8B16-71EBE0CB5CED}"/>
+                <a16:creationId xmlns:a16="http://schemas.microsoft.com/office/drawing/2014/main" xmlns="" id="{2EBCFF35-115E-4DE3-8B16-71EBE0CB5CED}"/>
               </a:ext>
             </a:extLst>
           </p:cNvPr>
@@ -9811,7 +9811,7 @@
           <p:cNvPr id="9" name="テキスト ボックス 8">
             <a:extLst>
               <a:ext uri="{FF2B5EF4-FFF2-40B4-BE49-F238E27FC236}">
-                <a16:creationId xmlns:a16="http://schemas.microsoft.com/office/drawing/2014/main" id="{31674A27-7CF1-434F-8886-1F0AC2A19990}"/>
+                <a16:creationId xmlns:a16="http://schemas.microsoft.com/office/drawing/2014/main" xmlns="" id="{31674A27-7CF1-434F-8886-1F0AC2A19990}"/>
               </a:ext>
             </a:extLst>
           </p:cNvPr>
@@ -9937,7 +9937,7 @@
           <p:cNvPr id="4" name="テキスト ボックス 3">
             <a:extLst>
               <a:ext uri="{FF2B5EF4-FFF2-40B4-BE49-F238E27FC236}">
-                <a16:creationId xmlns:a16="http://schemas.microsoft.com/office/drawing/2014/main" id="{CFED29EE-AF3E-4341-969E-62CE8E0A3F31}"/>
+                <a16:creationId xmlns:a16="http://schemas.microsoft.com/office/drawing/2014/main" xmlns="" id="{CFED29EE-AF3E-4341-969E-62CE8E0A3F31}"/>
               </a:ext>
             </a:extLst>
           </p:cNvPr>
@@ -9972,7 +9972,7 @@
           <p:cNvPr id="5" name="テキスト ボックス 4">
             <a:extLst>
               <a:ext uri="{FF2B5EF4-FFF2-40B4-BE49-F238E27FC236}">
-                <a16:creationId xmlns:a16="http://schemas.microsoft.com/office/drawing/2014/main" id="{EBDCDFD7-929B-4DBF-BA2E-980EE71F8427}"/>
+                <a16:creationId xmlns:a16="http://schemas.microsoft.com/office/drawing/2014/main" xmlns="" id="{EBDCDFD7-929B-4DBF-BA2E-980EE71F8427}"/>
               </a:ext>
             </a:extLst>
           </p:cNvPr>
@@ -10073,7 +10073,7 @@
           <p:cNvPr id="9" name="テキスト ボックス 8">
             <a:extLst>
               <a:ext uri="{FF2B5EF4-FFF2-40B4-BE49-F238E27FC236}">
-                <a16:creationId xmlns:a16="http://schemas.microsoft.com/office/drawing/2014/main" id="{14E72353-C904-4A0B-BA69-50B235C2EE8F}"/>
+                <a16:creationId xmlns:a16="http://schemas.microsoft.com/office/drawing/2014/main" xmlns="" id="{14E72353-C904-4A0B-BA69-50B235C2EE8F}"/>
               </a:ext>
             </a:extLst>
           </p:cNvPr>
@@ -10165,7 +10165,7 @@
           <p:cNvPr id="4" name="Shape 130">
             <a:extLst>
               <a:ext uri="{FF2B5EF4-FFF2-40B4-BE49-F238E27FC236}">
-                <a16:creationId xmlns:a16="http://schemas.microsoft.com/office/drawing/2014/main" id="{925B04DB-30E4-42E2-80C9-D742CED3A8D8}"/>
+                <a16:creationId xmlns:a16="http://schemas.microsoft.com/office/drawing/2014/main" xmlns="" id="{925B04DB-30E4-42E2-80C9-D742CED3A8D8}"/>
               </a:ext>
             </a:extLst>
           </p:cNvPr>
@@ -10185,7 +10185,7 @@
           </a:ln>
           <a:extLst>
             <a:ext uri="{C572A759-6A51-4108-AA02-DFA0A04FC94B}">
-              <ma14:wrappingTextBoxFlag xmlns:ma14="http://schemas.microsoft.com/office/mac/drawingml/2011/main" xmlns="" val="1"/>
+              <ma14:wrappingTextBoxFlag xmlns="" xmlns:ma14="http://schemas.microsoft.com/office/mac/drawingml/2011/main" val="1"/>
             </a:ext>
           </a:extLst>
         </p:spPr>
@@ -10216,7 +10216,7 @@
           <p:cNvPr id="2" name="テキスト ボックス 1">
             <a:extLst>
               <a:ext uri="{FF2B5EF4-FFF2-40B4-BE49-F238E27FC236}">
-                <a16:creationId xmlns:a16="http://schemas.microsoft.com/office/drawing/2014/main" id="{64A833D5-5AB2-488D-A54D-E9CDA5738841}"/>
+                <a16:creationId xmlns:a16="http://schemas.microsoft.com/office/drawing/2014/main" xmlns="" id="{64A833D5-5AB2-488D-A54D-E9CDA5738841}"/>
               </a:ext>
             </a:extLst>
           </p:cNvPr>
@@ -10252,7 +10252,7 @@
           <p:cNvPr id="6" name="テキスト ボックス 5">
             <a:extLst>
               <a:ext uri="{FF2B5EF4-FFF2-40B4-BE49-F238E27FC236}">
-                <a16:creationId xmlns:a16="http://schemas.microsoft.com/office/drawing/2014/main" id="{3584E5C0-5BA4-49BA-B1F6-15F4C82108C1}"/>
+                <a16:creationId xmlns:a16="http://schemas.microsoft.com/office/drawing/2014/main" xmlns="" id="{3584E5C0-5BA4-49BA-B1F6-15F4C82108C1}"/>
               </a:ext>
             </a:extLst>
           </p:cNvPr>
@@ -10288,7 +10288,7 @@
           <p:cNvPr id="7" name="テキスト ボックス 6">
             <a:extLst>
               <a:ext uri="{FF2B5EF4-FFF2-40B4-BE49-F238E27FC236}">
-                <a16:creationId xmlns:a16="http://schemas.microsoft.com/office/drawing/2014/main" id="{1E75CFAD-D320-49CE-BFDB-2AF74B9D6F09}"/>
+                <a16:creationId xmlns:a16="http://schemas.microsoft.com/office/drawing/2014/main" xmlns="" id="{1E75CFAD-D320-49CE-BFDB-2AF74B9D6F09}"/>
               </a:ext>
             </a:extLst>
           </p:cNvPr>
@@ -10434,7 +10434,7 @@
           <p:cNvPr id="4" name="Shape 130">
             <a:extLst>
               <a:ext uri="{FF2B5EF4-FFF2-40B4-BE49-F238E27FC236}">
-                <a16:creationId xmlns:a16="http://schemas.microsoft.com/office/drawing/2014/main" id="{925B04DB-30E4-42E2-80C9-D742CED3A8D8}"/>
+                <a16:creationId xmlns:a16="http://schemas.microsoft.com/office/drawing/2014/main" xmlns="" id="{925B04DB-30E4-42E2-80C9-D742CED3A8D8}"/>
               </a:ext>
             </a:extLst>
           </p:cNvPr>
@@ -10454,7 +10454,7 @@
           </a:ln>
           <a:extLst>
             <a:ext uri="{C572A759-6A51-4108-AA02-DFA0A04FC94B}">
-              <ma14:wrappingTextBoxFlag xmlns:ma14="http://schemas.microsoft.com/office/mac/drawingml/2011/main" xmlns="" val="1"/>
+              <ma14:wrappingTextBoxFlag xmlns="" xmlns:ma14="http://schemas.microsoft.com/office/mac/drawingml/2011/main" val="1"/>
             </a:ext>
           </a:extLst>
         </p:spPr>
@@ -10485,7 +10485,7 @@
           <p:cNvPr id="2" name="テキスト ボックス 1">
             <a:extLst>
               <a:ext uri="{FF2B5EF4-FFF2-40B4-BE49-F238E27FC236}">
-                <a16:creationId xmlns:a16="http://schemas.microsoft.com/office/drawing/2014/main" id="{47B09A49-C95A-4D4B-9B00-B59A111014CE}"/>
+                <a16:creationId xmlns:a16="http://schemas.microsoft.com/office/drawing/2014/main" xmlns="" id="{47B09A49-C95A-4D4B-9B00-B59A111014CE}"/>
               </a:ext>
             </a:extLst>
           </p:cNvPr>
@@ -10564,7 +10564,7 @@
           <p:cNvPr id="5" name="テキスト ボックス 4">
             <a:extLst>
               <a:ext uri="{FF2B5EF4-FFF2-40B4-BE49-F238E27FC236}">
-                <a16:creationId xmlns:a16="http://schemas.microsoft.com/office/drawing/2014/main" id="{0DEE16CD-0F0A-48BE-B9FE-79118042DF53}"/>
+                <a16:creationId xmlns:a16="http://schemas.microsoft.com/office/drawing/2014/main" xmlns="" id="{0DEE16CD-0F0A-48BE-B9FE-79118042DF53}"/>
               </a:ext>
             </a:extLst>
           </p:cNvPr>
@@ -10618,7 +10618,7 @@
           <p:cNvPr id="3" name="テキスト ボックス 2">
             <a:extLst>
               <a:ext uri="{FF2B5EF4-FFF2-40B4-BE49-F238E27FC236}">
-                <a16:creationId xmlns:a16="http://schemas.microsoft.com/office/drawing/2014/main" id="{5A4BAE0E-E883-40EC-83AE-73A9B5C0F534}"/>
+                <a16:creationId xmlns:a16="http://schemas.microsoft.com/office/drawing/2014/main" xmlns="" id="{5A4BAE0E-E883-40EC-83AE-73A9B5C0F534}"/>
               </a:ext>
             </a:extLst>
           </p:cNvPr>
@@ -10685,7 +10685,7 @@
               <p:cNvPr id="7" name="テキスト ボックス 6">
                 <a:extLst>
                   <a:ext uri="{FF2B5EF4-FFF2-40B4-BE49-F238E27FC236}">
-                    <a16:creationId xmlns:a16="http://schemas.microsoft.com/office/drawing/2014/main" id="{A5E1FF56-714D-4EB2-BAE7-6C57E4A15DF5}"/>
+                    <a16:creationId xmlns:a16="http://schemas.microsoft.com/office/drawing/2014/main" xmlns="" id="{A5E1FF56-714D-4EB2-BAE7-6C57E4A15DF5}"/>
                   </a:ext>
                 </a:extLst>
               </p:cNvPr>
@@ -10793,7 +10793,7 @@
               <p:cNvPr id="8" name="テキスト ボックス 7">
                 <a:extLst>
                   <a:ext uri="{FF2B5EF4-FFF2-40B4-BE49-F238E27FC236}">
-                    <a16:creationId xmlns:a16="http://schemas.microsoft.com/office/drawing/2014/main" id="{9C942197-1B34-4C98-A236-49D45C309053}"/>
+                    <a16:creationId xmlns:a16="http://schemas.microsoft.com/office/drawing/2014/main" xmlns="" id="{9C942197-1B34-4C98-A236-49D45C309053}"/>
                   </a:ext>
                 </a:extLst>
               </p:cNvPr>
@@ -10929,7 +10929,7 @@
           <p:cNvPr id="9" name="矢印: 下 8">
             <a:extLst>
               <a:ext uri="{FF2B5EF4-FFF2-40B4-BE49-F238E27FC236}">
-                <a16:creationId xmlns:a16="http://schemas.microsoft.com/office/drawing/2014/main" id="{C787F671-7A38-4096-8C24-E2520C0FB8C9}"/>
+                <a16:creationId xmlns:a16="http://schemas.microsoft.com/office/drawing/2014/main" xmlns="" id="{C787F671-7A38-4096-8C24-E2520C0FB8C9}"/>
               </a:ext>
             </a:extLst>
           </p:cNvPr>
@@ -10983,7 +10983,7 @@
           <p:cNvPr id="10" name="右中かっこ 9">
             <a:extLst>
               <a:ext uri="{FF2B5EF4-FFF2-40B4-BE49-F238E27FC236}">
-                <a16:creationId xmlns:a16="http://schemas.microsoft.com/office/drawing/2014/main" id="{F92036E1-4323-4AC5-8575-7CB973EDD87B}"/>
+                <a16:creationId xmlns:a16="http://schemas.microsoft.com/office/drawing/2014/main" xmlns="" id="{F92036E1-4323-4AC5-8575-7CB973EDD87B}"/>
               </a:ext>
             </a:extLst>
           </p:cNvPr>
@@ -11034,7 +11034,7 @@
           <p:cNvPr id="11" name="四角形: 角を丸くする 10">
             <a:extLst>
               <a:ext uri="{FF2B5EF4-FFF2-40B4-BE49-F238E27FC236}">
-                <a16:creationId xmlns:a16="http://schemas.microsoft.com/office/drawing/2014/main" id="{EF581B11-8C9A-48F6-A5D0-3DE63C15B28A}"/>
+                <a16:creationId xmlns:a16="http://schemas.microsoft.com/office/drawing/2014/main" xmlns="" id="{EF581B11-8C9A-48F6-A5D0-3DE63C15B28A}"/>
               </a:ext>
             </a:extLst>
           </p:cNvPr>
@@ -11078,6 +11078,119 @@
           <a:p>
             <a:pPr algn="ctr"/>
             <a:endParaRPr kumimoji="1" lang="ja-JP" altLang="en-US"/>
+          </a:p>
+        </p:txBody>
+      </p:sp>
+      <p:sp>
+        <p:nvSpPr>
+          <p:cNvPr id="6" name="角丸四角形 5"/>
+          <p:cNvSpPr/>
+          <p:nvPr/>
+        </p:nvSpPr>
+        <p:spPr>
+          <a:xfrm>
+            <a:off x="641628" y="1560352"/>
+            <a:ext cx="9559216" cy="721454"/>
+          </a:xfrm>
+          <a:prstGeom prst="roundRect">
+            <a:avLst/>
+          </a:prstGeom>
+          <a:noFill/>
+          <a:ln w="28575">
+            <a:solidFill>
+              <a:srgbClr val="FF0000"/>
+            </a:solidFill>
+          </a:ln>
+        </p:spPr>
+        <p:style>
+          <a:lnRef idx="2">
+            <a:schemeClr val="accent1">
+              <a:shade val="50000"/>
+            </a:schemeClr>
+          </a:lnRef>
+          <a:fillRef idx="1">
+            <a:schemeClr val="accent1"/>
+          </a:fillRef>
+          <a:effectRef idx="0">
+            <a:schemeClr val="accent1"/>
+          </a:effectRef>
+          <a:fontRef idx="minor">
+            <a:schemeClr val="lt1"/>
+          </a:fontRef>
+        </p:style>
+        <p:txBody>
+          <a:bodyPr rtlCol="0" anchor="ctr"/>
+          <a:lstStyle/>
+          <a:p>
+            <a:pPr algn="ctr"/>
+            <a:endParaRPr kumimoji="1" lang="ja-JP" altLang="en-US"/>
+          </a:p>
+        </p:txBody>
+      </p:sp>
+      <p:cxnSp>
+        <p:nvCxnSpPr>
+          <p:cNvPr id="13" name="直線矢印コネクタ 12"/>
+          <p:cNvCxnSpPr/>
+          <p:nvPr/>
+        </p:nvCxnSpPr>
+        <p:spPr>
+          <a:xfrm flipH="1">
+            <a:off x="9978763" y="1166070"/>
+            <a:ext cx="222081" cy="394282"/>
+          </a:xfrm>
+          <a:prstGeom prst="straightConnector1">
+            <a:avLst/>
+          </a:prstGeom>
+          <a:ln w="28575">
+            <a:solidFill>
+              <a:srgbClr val="FF0000"/>
+            </a:solidFill>
+            <a:headEnd type="none" w="med" len="med"/>
+            <a:tailEnd type="arrow"/>
+          </a:ln>
+        </p:spPr>
+        <p:style>
+          <a:lnRef idx="1">
+            <a:schemeClr val="accent1"/>
+          </a:lnRef>
+          <a:fillRef idx="0">
+            <a:schemeClr val="accent1"/>
+          </a:fillRef>
+          <a:effectRef idx="0">
+            <a:schemeClr val="accent1"/>
+          </a:effectRef>
+          <a:fontRef idx="minor">
+            <a:schemeClr val="tx1"/>
+          </a:fontRef>
+        </p:style>
+      </p:cxnSp>
+      <p:sp>
+        <p:nvSpPr>
+          <p:cNvPr id="14" name="テキスト ボックス 13"/>
+          <p:cNvSpPr txBox="1"/>
+          <p:nvPr/>
+        </p:nvSpPr>
+        <p:spPr>
+          <a:xfrm>
+            <a:off x="8768220" y="763357"/>
+            <a:ext cx="2874505" cy="369332"/>
+          </a:xfrm>
+          <a:prstGeom prst="rect">
+            <a:avLst/>
+          </a:prstGeom>
+          <a:noFill/>
+        </p:spPr>
+        <p:txBody>
+          <a:bodyPr wrap="none" rtlCol="0">
+            <a:spAutoFit/>
+          </a:bodyPr>
+          <a:lstStyle/>
+          <a:p>
+            <a:r>
+              <a:rPr kumimoji="1" lang="ja-JP" altLang="en-US" dirty="0" smtClean="0"/>
+              <a:t>今回のカスタマイズはこちら</a:t>
+            </a:r>
+            <a:endParaRPr kumimoji="1" lang="ja-JP" altLang="en-US" dirty="0"/>
           </a:p>
         </p:txBody>
       </p:sp>
@@ -11116,7 +11229,7 @@
           <p:cNvPr id="4" name="Shape 130">
             <a:extLst>
               <a:ext uri="{FF2B5EF4-FFF2-40B4-BE49-F238E27FC236}">
-                <a16:creationId xmlns:a16="http://schemas.microsoft.com/office/drawing/2014/main" id="{925B04DB-30E4-42E2-80C9-D742CED3A8D8}"/>
+                <a16:creationId xmlns:a16="http://schemas.microsoft.com/office/drawing/2014/main" xmlns="" id="{925B04DB-30E4-42E2-80C9-D742CED3A8D8}"/>
               </a:ext>
             </a:extLst>
           </p:cNvPr>
@@ -11136,7 +11249,7 @@
           </a:ln>
           <a:extLst>
             <a:ext uri="{C572A759-6A51-4108-AA02-DFA0A04FC94B}">
-              <ma14:wrappingTextBoxFlag xmlns:ma14="http://schemas.microsoft.com/office/mac/drawingml/2011/main" xmlns="" val="1"/>
+              <ma14:wrappingTextBoxFlag xmlns="" xmlns:ma14="http://schemas.microsoft.com/office/mac/drawingml/2011/main" val="1"/>
             </a:ext>
           </a:extLst>
         </p:spPr>
@@ -11167,7 +11280,7 @@
           <p:cNvPr id="6" name="図 5">
             <a:extLst>
               <a:ext uri="{FF2B5EF4-FFF2-40B4-BE49-F238E27FC236}">
-                <a16:creationId xmlns:a16="http://schemas.microsoft.com/office/drawing/2014/main" id="{593E786A-59B2-463E-9EDD-F602826829EF}"/>
+                <a16:creationId xmlns:a16="http://schemas.microsoft.com/office/drawing/2014/main" xmlns="" id="{593E786A-59B2-463E-9EDD-F602826829EF}"/>
               </a:ext>
             </a:extLst>
           </p:cNvPr>
@@ -11202,7 +11315,7 @@
           <p:cNvPr id="7" name="テキスト ボックス 6">
             <a:extLst>
               <a:ext uri="{FF2B5EF4-FFF2-40B4-BE49-F238E27FC236}">
-                <a16:creationId xmlns:a16="http://schemas.microsoft.com/office/drawing/2014/main" id="{58A4BB3B-BC94-46DC-97C4-4B803B7FB633}"/>
+                <a16:creationId xmlns:a16="http://schemas.microsoft.com/office/drawing/2014/main" xmlns="" id="{58A4BB3B-BC94-46DC-97C4-4B803B7FB633}"/>
               </a:ext>
             </a:extLst>
           </p:cNvPr>
@@ -11277,7 +11390,7 @@
           <p:cNvPr id="9" name="直線矢印コネクタ 8">
             <a:extLst>
               <a:ext uri="{FF2B5EF4-FFF2-40B4-BE49-F238E27FC236}">
-                <a16:creationId xmlns:a16="http://schemas.microsoft.com/office/drawing/2014/main" id="{E5824E3B-5A9E-4FB7-B232-80CE676EF0D4}"/>
+                <a16:creationId xmlns:a16="http://schemas.microsoft.com/office/drawing/2014/main" xmlns="" id="{E5824E3B-5A9E-4FB7-B232-80CE676EF0D4}"/>
               </a:ext>
             </a:extLst>
           </p:cNvPr>
@@ -11324,7 +11437,7 @@
           <p:cNvPr id="10" name="テキスト ボックス 9">
             <a:extLst>
               <a:ext uri="{FF2B5EF4-FFF2-40B4-BE49-F238E27FC236}">
-                <a16:creationId xmlns:a16="http://schemas.microsoft.com/office/drawing/2014/main" id="{CEE256FF-2E02-4EC7-889E-19FC117002AA}"/>
+                <a16:creationId xmlns:a16="http://schemas.microsoft.com/office/drawing/2014/main" xmlns="" id="{CEE256FF-2E02-4EC7-889E-19FC117002AA}"/>
               </a:ext>
             </a:extLst>
           </p:cNvPr>
@@ -11383,7 +11496,7 @@
           <p:cNvPr id="16" name="テキスト ボックス 15">
             <a:extLst>
               <a:ext uri="{FF2B5EF4-FFF2-40B4-BE49-F238E27FC236}">
-                <a16:creationId xmlns:a16="http://schemas.microsoft.com/office/drawing/2014/main" id="{A1E8A7CE-9619-4C28-99F8-6AD6D6E7AE97}"/>
+                <a16:creationId xmlns:a16="http://schemas.microsoft.com/office/drawing/2014/main" xmlns="" id="{A1E8A7CE-9619-4C28-99F8-6AD6D6E7AE97}"/>
               </a:ext>
             </a:extLst>
           </p:cNvPr>
@@ -11458,7 +11571,7 @@
           <p:cNvPr id="8" name="四角形: 角を丸くする 7">
             <a:extLst>
               <a:ext uri="{FF2B5EF4-FFF2-40B4-BE49-F238E27FC236}">
-                <a16:creationId xmlns:a16="http://schemas.microsoft.com/office/drawing/2014/main" id="{64EA7896-3E4A-4CF1-A2B0-6EB3063ACC37}"/>
+                <a16:creationId xmlns:a16="http://schemas.microsoft.com/office/drawing/2014/main" xmlns="" id="{64EA7896-3E4A-4CF1-A2B0-6EB3063ACC37}"/>
               </a:ext>
             </a:extLst>
           </p:cNvPr>
@@ -11540,7 +11653,7 @@
           <p:cNvPr id="4" name="図 3">
             <a:extLst>
               <a:ext uri="{FF2B5EF4-FFF2-40B4-BE49-F238E27FC236}">
-                <a16:creationId xmlns:a16="http://schemas.microsoft.com/office/drawing/2014/main" id="{2CDA442E-CAAA-4AD7-9557-6C4F775D71E7}"/>
+                <a16:creationId xmlns:a16="http://schemas.microsoft.com/office/drawing/2014/main" xmlns="" id="{2CDA442E-CAAA-4AD7-9557-6C4F775D71E7}"/>
               </a:ext>
             </a:extLst>
           </p:cNvPr>
@@ -11575,7 +11688,7 @@
           <p:cNvPr id="5" name="Shape 130">
             <a:extLst>
               <a:ext uri="{FF2B5EF4-FFF2-40B4-BE49-F238E27FC236}">
-                <a16:creationId xmlns:a16="http://schemas.microsoft.com/office/drawing/2014/main" id="{A6551EB4-F459-4E50-83D7-2A1C930077BE}"/>
+                <a16:creationId xmlns:a16="http://schemas.microsoft.com/office/drawing/2014/main" xmlns="" id="{A6551EB4-F459-4E50-83D7-2A1C930077BE}"/>
               </a:ext>
             </a:extLst>
           </p:cNvPr>
@@ -11595,7 +11708,7 @@
           </a:ln>
           <a:extLst>
             <a:ext uri="{C572A759-6A51-4108-AA02-DFA0A04FC94B}">
-              <ma14:wrappingTextBoxFlag xmlns:ma14="http://schemas.microsoft.com/office/mac/drawingml/2011/main" xmlns="" val="1"/>
+              <ma14:wrappingTextBoxFlag xmlns="" xmlns:ma14="http://schemas.microsoft.com/office/mac/drawingml/2011/main" val="1"/>
             </a:ext>
           </a:extLst>
         </p:spPr>
@@ -11626,7 +11739,7 @@
           <p:cNvPr id="6" name="テキスト ボックス 5">
             <a:extLst>
               <a:ext uri="{FF2B5EF4-FFF2-40B4-BE49-F238E27FC236}">
-                <a16:creationId xmlns:a16="http://schemas.microsoft.com/office/drawing/2014/main" id="{425CC2F2-823A-4C6A-90E8-F61FEC3BB6CF}"/>
+                <a16:creationId xmlns:a16="http://schemas.microsoft.com/office/drawing/2014/main" xmlns="" id="{425CC2F2-823A-4C6A-90E8-F61FEC3BB6CF}"/>
               </a:ext>
             </a:extLst>
           </p:cNvPr>
@@ -11673,7 +11786,7 @@
           <p:cNvPr id="7" name="図 6">
             <a:extLst>
               <a:ext uri="{FF2B5EF4-FFF2-40B4-BE49-F238E27FC236}">
-                <a16:creationId xmlns:a16="http://schemas.microsoft.com/office/drawing/2014/main" id="{A3C74F4C-54FC-4941-B071-F1AED7274503}"/>
+                <a16:creationId xmlns:a16="http://schemas.microsoft.com/office/drawing/2014/main" xmlns="" id="{A3C74F4C-54FC-4941-B071-F1AED7274503}"/>
               </a:ext>
             </a:extLst>
           </p:cNvPr>
@@ -11708,7 +11821,7 @@
           <p:cNvPr id="8" name="四角形: 角を丸くする 7">
             <a:extLst>
               <a:ext uri="{FF2B5EF4-FFF2-40B4-BE49-F238E27FC236}">
-                <a16:creationId xmlns:a16="http://schemas.microsoft.com/office/drawing/2014/main" id="{5C14790B-F257-4510-B803-A6172FB48EE4}"/>
+                <a16:creationId xmlns:a16="http://schemas.microsoft.com/office/drawing/2014/main" xmlns="" id="{5C14790B-F257-4510-B803-A6172FB48EE4}"/>
               </a:ext>
             </a:extLst>
           </p:cNvPr>
@@ -11760,7 +11873,7 @@
           <p:cNvPr id="10" name="四角形: 角を丸くする 9">
             <a:extLst>
               <a:ext uri="{FF2B5EF4-FFF2-40B4-BE49-F238E27FC236}">
-                <a16:creationId xmlns:a16="http://schemas.microsoft.com/office/drawing/2014/main" id="{68B083E9-30BD-4AC4-9CD1-824D4497E363}"/>
+                <a16:creationId xmlns:a16="http://schemas.microsoft.com/office/drawing/2014/main" xmlns="" id="{68B083E9-30BD-4AC4-9CD1-824D4497E363}"/>
               </a:ext>
             </a:extLst>
           </p:cNvPr>
@@ -11812,7 +11925,7 @@
           <p:cNvPr id="11" name="テキスト ボックス 10">
             <a:extLst>
               <a:ext uri="{FF2B5EF4-FFF2-40B4-BE49-F238E27FC236}">
-                <a16:creationId xmlns:a16="http://schemas.microsoft.com/office/drawing/2014/main" id="{29DF2A18-B348-4336-8159-CC393854A496}"/>
+                <a16:creationId xmlns:a16="http://schemas.microsoft.com/office/drawing/2014/main" xmlns="" id="{29DF2A18-B348-4336-8159-CC393854A496}"/>
               </a:ext>
             </a:extLst>
           </p:cNvPr>
@@ -11864,7 +11977,7 @@
           <p:cNvPr id="12" name="テキスト ボックス 11">
             <a:extLst>
               <a:ext uri="{FF2B5EF4-FFF2-40B4-BE49-F238E27FC236}">
-                <a16:creationId xmlns:a16="http://schemas.microsoft.com/office/drawing/2014/main" id="{5916F003-D7B2-4AAA-9880-DF6FE731D620}"/>
+                <a16:creationId xmlns:a16="http://schemas.microsoft.com/office/drawing/2014/main" xmlns="" id="{5916F003-D7B2-4AAA-9880-DF6FE731D620}"/>
               </a:ext>
             </a:extLst>
           </p:cNvPr>
@@ -11899,7 +12012,7 @@
           <p:cNvPr id="13" name="図 12">
             <a:extLst>
               <a:ext uri="{FF2B5EF4-FFF2-40B4-BE49-F238E27FC236}">
-                <a16:creationId xmlns:a16="http://schemas.microsoft.com/office/drawing/2014/main" id="{DB4B0ED9-A00E-4728-9E6C-1ED7AB671516}"/>
+                <a16:creationId xmlns:a16="http://schemas.microsoft.com/office/drawing/2014/main" xmlns="" id="{DB4B0ED9-A00E-4728-9E6C-1ED7AB671516}"/>
               </a:ext>
             </a:extLst>
           </p:cNvPr>
@@ -11935,7 +12048,7 @@
           <p:cNvPr id="14" name="四角形: 角を丸くする 13">
             <a:extLst>
               <a:ext uri="{FF2B5EF4-FFF2-40B4-BE49-F238E27FC236}">
-                <a16:creationId xmlns:a16="http://schemas.microsoft.com/office/drawing/2014/main" id="{D2260FD2-2C8C-4CAC-B593-96EF86B13A4F}"/>
+                <a16:creationId xmlns:a16="http://schemas.microsoft.com/office/drawing/2014/main" xmlns="" id="{D2260FD2-2C8C-4CAC-B593-96EF86B13A4F}"/>
               </a:ext>
             </a:extLst>
           </p:cNvPr>
@@ -11987,7 +12100,7 @@
           <p:cNvPr id="15" name="テキスト ボックス 14">
             <a:extLst>
               <a:ext uri="{FF2B5EF4-FFF2-40B4-BE49-F238E27FC236}">
-                <a16:creationId xmlns:a16="http://schemas.microsoft.com/office/drawing/2014/main" id="{25BEF382-C983-4B24-BD69-12A003E1AD9C}"/>
+                <a16:creationId xmlns:a16="http://schemas.microsoft.com/office/drawing/2014/main" xmlns="" id="{25BEF382-C983-4B24-BD69-12A003E1AD9C}"/>
               </a:ext>
             </a:extLst>
           </p:cNvPr>
@@ -12067,7 +12180,7 @@
           <p:cNvPr id="4" name="Shape 130">
             <a:extLst>
               <a:ext uri="{FF2B5EF4-FFF2-40B4-BE49-F238E27FC236}">
-                <a16:creationId xmlns:a16="http://schemas.microsoft.com/office/drawing/2014/main" id="{78B8FF42-9EFD-4FF9-B63B-6FE78BCE3F13}"/>
+                <a16:creationId xmlns:a16="http://schemas.microsoft.com/office/drawing/2014/main" xmlns="" id="{78B8FF42-9EFD-4FF9-B63B-6FE78BCE3F13}"/>
               </a:ext>
             </a:extLst>
           </p:cNvPr>
@@ -12087,7 +12200,7 @@
           </a:ln>
           <a:extLst>
             <a:ext uri="{C572A759-6A51-4108-AA02-DFA0A04FC94B}">
-              <ma14:wrappingTextBoxFlag xmlns:ma14="http://schemas.microsoft.com/office/mac/drawingml/2011/main" xmlns="" val="1"/>
+              <ma14:wrappingTextBoxFlag xmlns="" xmlns:ma14="http://schemas.microsoft.com/office/mac/drawingml/2011/main" val="1"/>
             </a:ext>
           </a:extLst>
         </p:spPr>
@@ -12118,7 +12231,7 @@
           <p:cNvPr id="5" name="グループ化 4">
             <a:extLst>
               <a:ext uri="{FF2B5EF4-FFF2-40B4-BE49-F238E27FC236}">
-                <a16:creationId xmlns:a16="http://schemas.microsoft.com/office/drawing/2014/main" id="{25924724-C48C-4237-B5D7-BAF0D17A41D2}"/>
+                <a16:creationId xmlns:a16="http://schemas.microsoft.com/office/drawing/2014/main" xmlns="" id="{25924724-C48C-4237-B5D7-BAF0D17A41D2}"/>
               </a:ext>
             </a:extLst>
           </p:cNvPr>
@@ -12138,7 +12251,7 @@
             <p:cNvPr id="2" name="図 1">
               <a:extLst>
                 <a:ext uri="{FF2B5EF4-FFF2-40B4-BE49-F238E27FC236}">
-                  <a16:creationId xmlns:a16="http://schemas.microsoft.com/office/drawing/2014/main" id="{AAACF098-FCFF-4D31-BF88-1465C71EF2C9}"/>
+                  <a16:creationId xmlns:a16="http://schemas.microsoft.com/office/drawing/2014/main" xmlns="" id="{AAACF098-FCFF-4D31-BF88-1465C71EF2C9}"/>
                 </a:ext>
               </a:extLst>
             </p:cNvPr>
@@ -12173,7 +12286,7 @@
             <p:cNvPr id="13" name="四角形: 角を丸くする 12">
               <a:extLst>
                 <a:ext uri="{FF2B5EF4-FFF2-40B4-BE49-F238E27FC236}">
-                  <a16:creationId xmlns:a16="http://schemas.microsoft.com/office/drawing/2014/main" id="{156192FF-C138-4790-AE55-78A6E07426B2}"/>
+                  <a16:creationId xmlns:a16="http://schemas.microsoft.com/office/drawing/2014/main" xmlns="" id="{156192FF-C138-4790-AE55-78A6E07426B2}"/>
                 </a:ext>
               </a:extLst>
             </p:cNvPr>
@@ -12226,7 +12339,7 @@
           <p:cNvPr id="17" name="テキスト ボックス 16">
             <a:extLst>
               <a:ext uri="{FF2B5EF4-FFF2-40B4-BE49-F238E27FC236}">
-                <a16:creationId xmlns:a16="http://schemas.microsoft.com/office/drawing/2014/main" id="{3346825D-360B-4154-8F1E-DFB565079FA3}"/>
+                <a16:creationId xmlns:a16="http://schemas.microsoft.com/office/drawing/2014/main" xmlns="" id="{3346825D-360B-4154-8F1E-DFB565079FA3}"/>
               </a:ext>
             </a:extLst>
           </p:cNvPr>
@@ -12273,7 +12386,7 @@
           <p:cNvPr id="6" name="図 5">
             <a:extLst>
               <a:ext uri="{FF2B5EF4-FFF2-40B4-BE49-F238E27FC236}">
-                <a16:creationId xmlns:a16="http://schemas.microsoft.com/office/drawing/2014/main" id="{5CD058E9-6A72-42DC-9CD5-D6232ABAD5E8}"/>
+                <a16:creationId xmlns:a16="http://schemas.microsoft.com/office/drawing/2014/main" xmlns="" id="{5CD058E9-6A72-42DC-9CD5-D6232ABAD5E8}"/>
               </a:ext>
             </a:extLst>
           </p:cNvPr>
@@ -12309,7 +12422,7 @@
           <p:cNvPr id="18" name="テキスト ボックス 17">
             <a:extLst>
               <a:ext uri="{FF2B5EF4-FFF2-40B4-BE49-F238E27FC236}">
-                <a16:creationId xmlns:a16="http://schemas.microsoft.com/office/drawing/2014/main" id="{13BA32AD-6AAD-4CCD-8174-C5E9E5000AAB}"/>
+                <a16:creationId xmlns:a16="http://schemas.microsoft.com/office/drawing/2014/main" xmlns="" id="{13BA32AD-6AAD-4CCD-8174-C5E9E5000AAB}"/>
               </a:ext>
             </a:extLst>
           </p:cNvPr>
@@ -12375,7 +12488,7 @@
           <p:cNvPr id="3" name="図 2">
             <a:extLst>
               <a:ext uri="{FF2B5EF4-FFF2-40B4-BE49-F238E27FC236}">
-                <a16:creationId xmlns:a16="http://schemas.microsoft.com/office/drawing/2014/main" id="{AF191613-ED96-4DF7-9431-0B5743611C2A}"/>
+                <a16:creationId xmlns:a16="http://schemas.microsoft.com/office/drawing/2014/main" xmlns="" id="{AF191613-ED96-4DF7-9431-0B5743611C2A}"/>
               </a:ext>
             </a:extLst>
           </p:cNvPr>
@@ -12411,7 +12524,7 @@
           <p:cNvPr id="4" name="Shape 130">
             <a:extLst>
               <a:ext uri="{FF2B5EF4-FFF2-40B4-BE49-F238E27FC236}">
-                <a16:creationId xmlns:a16="http://schemas.microsoft.com/office/drawing/2014/main" id="{78B8FF42-9EFD-4FF9-B63B-6FE78BCE3F13}"/>
+                <a16:creationId xmlns:a16="http://schemas.microsoft.com/office/drawing/2014/main" xmlns="" id="{78B8FF42-9EFD-4FF9-B63B-6FE78BCE3F13}"/>
               </a:ext>
             </a:extLst>
           </p:cNvPr>
@@ -12431,7 +12544,7 @@
           </a:ln>
           <a:extLst>
             <a:ext uri="{C572A759-6A51-4108-AA02-DFA0A04FC94B}">
-              <ma14:wrappingTextBoxFlag xmlns:ma14="http://schemas.microsoft.com/office/mac/drawingml/2011/main" xmlns="" val="1"/>
+              <ma14:wrappingTextBoxFlag xmlns="" xmlns:ma14="http://schemas.microsoft.com/office/mac/drawingml/2011/main" val="1"/>
             </a:ext>
           </a:extLst>
         </p:spPr>
@@ -12462,7 +12575,7 @@
           <p:cNvPr id="17" name="テキスト ボックス 16">
             <a:extLst>
               <a:ext uri="{FF2B5EF4-FFF2-40B4-BE49-F238E27FC236}">
-                <a16:creationId xmlns:a16="http://schemas.microsoft.com/office/drawing/2014/main" id="{3346825D-360B-4154-8F1E-DFB565079FA3}"/>
+                <a16:creationId xmlns:a16="http://schemas.microsoft.com/office/drawing/2014/main" xmlns="" id="{3346825D-360B-4154-8F1E-DFB565079FA3}"/>
               </a:ext>
             </a:extLst>
           </p:cNvPr>
@@ -12551,7 +12664,7 @@
           <p:cNvPr id="11" name="四角形: 角を丸くする 10">
             <a:extLst>
               <a:ext uri="{FF2B5EF4-FFF2-40B4-BE49-F238E27FC236}">
-                <a16:creationId xmlns:a16="http://schemas.microsoft.com/office/drawing/2014/main" id="{E4DD0095-9495-466A-AE18-8A84A52D6919}"/>
+                <a16:creationId xmlns:a16="http://schemas.microsoft.com/office/drawing/2014/main" xmlns="" id="{E4DD0095-9495-466A-AE18-8A84A52D6919}"/>
               </a:ext>
             </a:extLst>
           </p:cNvPr>
@@ -12603,7 +12716,7 @@
           <p:cNvPr id="12" name="四角形: 角を丸くする 11">
             <a:extLst>
               <a:ext uri="{FF2B5EF4-FFF2-40B4-BE49-F238E27FC236}">
-                <a16:creationId xmlns:a16="http://schemas.microsoft.com/office/drawing/2014/main" id="{2072F6CB-D4D1-402D-BA3F-CF11DEDDCA6A}"/>
+                <a16:creationId xmlns:a16="http://schemas.microsoft.com/office/drawing/2014/main" xmlns="" id="{2072F6CB-D4D1-402D-BA3F-CF11DEDDCA6A}"/>
               </a:ext>
             </a:extLst>
           </p:cNvPr>
@@ -12655,7 +12768,7 @@
           <p:cNvPr id="7" name="表 6">
             <a:extLst>
               <a:ext uri="{FF2B5EF4-FFF2-40B4-BE49-F238E27FC236}">
-                <a16:creationId xmlns:a16="http://schemas.microsoft.com/office/drawing/2014/main" id="{07CCDC48-45AE-4F86-AADC-AE83927FAA7C}"/>
+                <a16:creationId xmlns:a16="http://schemas.microsoft.com/office/drawing/2014/main" xmlns="" id="{07CCDC48-45AE-4F86-AADC-AE83927FAA7C}"/>
               </a:ext>
             </a:extLst>
           </p:cNvPr>
@@ -12672,7 +12785,7 @@
         </p:nvGraphicFramePr>
         <p:xfrm>
           <a:off x="179666" y="2293932"/>
-          <a:ext cx="4739939" cy="4007632"/>
+          <a:ext cx="4739939" cy="3592953"/>
         </p:xfrm>
         <a:graphic>
           <a:graphicData uri="http://schemas.openxmlformats.org/drawingml/2006/table">
@@ -12684,14 +12797,14 @@
                 <a:gridCol w="1833341">
                   <a:extLst>
                     <a:ext uri="{9D8B030D-6E8A-4147-A177-3AD203B41FA5}">
-                      <a16:colId xmlns:a16="http://schemas.microsoft.com/office/drawing/2014/main" val="117507700"/>
+                      <a16:colId xmlns:a16="http://schemas.microsoft.com/office/drawing/2014/main" xmlns="" val="117507700"/>
                     </a:ext>
                   </a:extLst>
                 </a:gridCol>
                 <a:gridCol w="2906598">
                   <a:extLst>
                     <a:ext uri="{9D8B030D-6E8A-4147-A177-3AD203B41FA5}">
-                      <a16:colId xmlns:a16="http://schemas.microsoft.com/office/drawing/2014/main" val="3254486992"/>
+                      <a16:colId xmlns:a16="http://schemas.microsoft.com/office/drawing/2014/main" xmlns="" val="3254486992"/>
                     </a:ext>
                   </a:extLst>
                 </a:gridCol>
@@ -12725,7 +12838,7 @@
                 </a:tc>
                 <a:extLst>
                   <a:ext uri="{0D108BD9-81ED-4DB2-BD59-A6C34878D82A}">
-                    <a16:rowId xmlns:a16="http://schemas.microsoft.com/office/drawing/2014/main" val="40355675"/>
+                    <a16:rowId xmlns:a16="http://schemas.microsoft.com/office/drawing/2014/main" xmlns="" val="40355675"/>
                   </a:ext>
                 </a:extLst>
               </a:tr>
@@ -12759,7 +12872,7 @@
                 </a:tc>
                 <a:extLst>
                   <a:ext uri="{0D108BD9-81ED-4DB2-BD59-A6C34878D82A}">
-                    <a16:rowId xmlns:a16="http://schemas.microsoft.com/office/drawing/2014/main" val="2740298879"/>
+                    <a16:rowId xmlns:a16="http://schemas.microsoft.com/office/drawing/2014/main" xmlns="" val="2740298879"/>
                   </a:ext>
                 </a:extLst>
               </a:tr>
@@ -12800,7 +12913,7 @@
                 </a:tc>
                 <a:extLst>
                   <a:ext uri="{0D108BD9-81ED-4DB2-BD59-A6C34878D82A}">
-                    <a16:rowId xmlns:a16="http://schemas.microsoft.com/office/drawing/2014/main" val="1852946175"/>
+                    <a16:rowId xmlns:a16="http://schemas.microsoft.com/office/drawing/2014/main" xmlns="" val="1852946175"/>
                   </a:ext>
                 </a:extLst>
               </a:tr>
@@ -12834,7 +12947,7 @@
                 </a:tc>
                 <a:extLst>
                   <a:ext uri="{0D108BD9-81ED-4DB2-BD59-A6C34878D82A}">
-                    <a16:rowId xmlns:a16="http://schemas.microsoft.com/office/drawing/2014/main" val="3672250713"/>
+                    <a16:rowId xmlns:a16="http://schemas.microsoft.com/office/drawing/2014/main" xmlns="" val="3672250713"/>
                   </a:ext>
                 </a:extLst>
               </a:tr>
@@ -12891,7 +13004,7 @@
                 </a:tc>
                 <a:extLst>
                   <a:ext uri="{0D108BD9-81ED-4DB2-BD59-A6C34878D82A}">
-                    <a16:rowId xmlns:a16="http://schemas.microsoft.com/office/drawing/2014/main" val="830830350"/>
+                    <a16:rowId xmlns:a16="http://schemas.microsoft.com/office/drawing/2014/main" xmlns="" val="830830350"/>
                   </a:ext>
                 </a:extLst>
               </a:tr>
@@ -12904,7 +13017,7 @@
           <p:cNvPr id="15" name="テキスト ボックス 14">
             <a:extLst>
               <a:ext uri="{FF2B5EF4-FFF2-40B4-BE49-F238E27FC236}">
-                <a16:creationId xmlns:a16="http://schemas.microsoft.com/office/drawing/2014/main" id="{2256E371-0545-46AD-9392-91F386C70FD6}"/>
+                <a16:creationId xmlns:a16="http://schemas.microsoft.com/office/drawing/2014/main" xmlns="" id="{2256E371-0545-46AD-9392-91F386C70FD6}"/>
               </a:ext>
             </a:extLst>
           </p:cNvPr>
@@ -12970,7 +13083,7 @@
           <p:cNvPr id="19" name="正方形/長方形 18">
             <a:extLst>
               <a:ext uri="{FF2B5EF4-FFF2-40B4-BE49-F238E27FC236}">
-                <a16:creationId xmlns:a16="http://schemas.microsoft.com/office/drawing/2014/main" id="{1FEF0FEA-40C1-4F74-B00E-9B08BD33D6F8}"/>
+                <a16:creationId xmlns:a16="http://schemas.microsoft.com/office/drawing/2014/main" xmlns="" id="{1FEF0FEA-40C1-4F74-B00E-9B08BD33D6F8}"/>
               </a:ext>
             </a:extLst>
           </p:cNvPr>
@@ -13022,7 +13135,7 @@
           <p:cNvPr id="4" name="Shape 130">
             <a:extLst>
               <a:ext uri="{FF2B5EF4-FFF2-40B4-BE49-F238E27FC236}">
-                <a16:creationId xmlns:a16="http://schemas.microsoft.com/office/drawing/2014/main" id="{78B8FF42-9EFD-4FF9-B63B-6FE78BCE3F13}"/>
+                <a16:creationId xmlns:a16="http://schemas.microsoft.com/office/drawing/2014/main" xmlns="" id="{78B8FF42-9EFD-4FF9-B63B-6FE78BCE3F13}"/>
               </a:ext>
             </a:extLst>
           </p:cNvPr>
@@ -13042,7 +13155,7 @@
           </a:ln>
           <a:extLst>
             <a:ext uri="{C572A759-6A51-4108-AA02-DFA0A04FC94B}">
-              <ma14:wrappingTextBoxFlag xmlns:ma14="http://schemas.microsoft.com/office/mac/drawingml/2011/main" xmlns="" val="1"/>
+              <ma14:wrappingTextBoxFlag xmlns="" xmlns:ma14="http://schemas.microsoft.com/office/mac/drawingml/2011/main" val="1"/>
             </a:ext>
           </a:extLst>
         </p:spPr>
@@ -13081,7 +13194,7 @@
           <p:cNvPr id="3" name="テキスト ボックス 2">
             <a:extLst>
               <a:ext uri="{FF2B5EF4-FFF2-40B4-BE49-F238E27FC236}">
-                <a16:creationId xmlns:a16="http://schemas.microsoft.com/office/drawing/2014/main" id="{1C22BF46-C42D-4730-8CDB-3D5DBA43BB63}"/>
+                <a16:creationId xmlns:a16="http://schemas.microsoft.com/office/drawing/2014/main" xmlns="" id="{1C22BF46-C42D-4730-8CDB-3D5DBA43BB63}"/>
               </a:ext>
             </a:extLst>
           </p:cNvPr>
@@ -13135,7 +13248,7 @@
           <p:cNvPr id="5" name="テキスト ボックス 4">
             <a:extLst>
               <a:ext uri="{FF2B5EF4-FFF2-40B4-BE49-F238E27FC236}">
-                <a16:creationId xmlns:a16="http://schemas.microsoft.com/office/drawing/2014/main" id="{D5676772-4012-4196-82FE-61A2C5C8A615}"/>
+                <a16:creationId xmlns:a16="http://schemas.microsoft.com/office/drawing/2014/main" xmlns="" id="{D5676772-4012-4196-82FE-61A2C5C8A615}"/>
               </a:ext>
             </a:extLst>
           </p:cNvPr>
@@ -13175,7 +13288,7 @@
           <p:cNvPr id="2" name="テキスト ボックス 1">
             <a:extLst>
               <a:ext uri="{FF2B5EF4-FFF2-40B4-BE49-F238E27FC236}">
-                <a16:creationId xmlns:a16="http://schemas.microsoft.com/office/drawing/2014/main" id="{0E67A571-2DAD-4C51-B2A5-0EEB7622AE91}"/>
+                <a16:creationId xmlns:a16="http://schemas.microsoft.com/office/drawing/2014/main" xmlns="" id="{0E67A571-2DAD-4C51-B2A5-0EEB7622AE91}"/>
               </a:ext>
             </a:extLst>
           </p:cNvPr>
@@ -13227,7 +13340,7 @@
           <p:cNvPr id="7" name="テキスト ボックス 6">
             <a:extLst>
               <a:ext uri="{FF2B5EF4-FFF2-40B4-BE49-F238E27FC236}">
-                <a16:creationId xmlns:a16="http://schemas.microsoft.com/office/drawing/2014/main" id="{242BEA64-5814-45E8-ABF7-CEF0B5961DE4}"/>
+                <a16:creationId xmlns:a16="http://schemas.microsoft.com/office/drawing/2014/main" xmlns="" id="{242BEA64-5814-45E8-ABF7-CEF0B5961DE4}"/>
               </a:ext>
             </a:extLst>
           </p:cNvPr>
@@ -13267,7 +13380,7 @@
           <p:cNvPr id="9" name="テキスト ボックス 8">
             <a:extLst>
               <a:ext uri="{FF2B5EF4-FFF2-40B4-BE49-F238E27FC236}">
-                <a16:creationId xmlns:a16="http://schemas.microsoft.com/office/drawing/2014/main" id="{4E592D27-1D60-42AB-B04D-A843202798A8}"/>
+                <a16:creationId xmlns:a16="http://schemas.microsoft.com/office/drawing/2014/main" xmlns="" id="{4E592D27-1D60-42AB-B04D-A843202798A8}"/>
               </a:ext>
             </a:extLst>
           </p:cNvPr>
@@ -13311,7 +13424,7 @@
           <p:cNvPr id="12" name="テキスト ボックス 11">
             <a:extLst>
               <a:ext uri="{FF2B5EF4-FFF2-40B4-BE49-F238E27FC236}">
-                <a16:creationId xmlns:a16="http://schemas.microsoft.com/office/drawing/2014/main" id="{2D1BBD88-AB92-4AC8-A8D1-479C6B0918B6}"/>
+                <a16:creationId xmlns:a16="http://schemas.microsoft.com/office/drawing/2014/main" xmlns="" id="{2D1BBD88-AB92-4AC8-A8D1-479C6B0918B6}"/>
               </a:ext>
             </a:extLst>
           </p:cNvPr>
@@ -13421,7 +13534,7 @@
           <p:cNvPr id="17" name="テキスト ボックス 16">
             <a:extLst>
               <a:ext uri="{FF2B5EF4-FFF2-40B4-BE49-F238E27FC236}">
-                <a16:creationId xmlns:a16="http://schemas.microsoft.com/office/drawing/2014/main" id="{56E30EF1-2227-4CF5-80BB-CA64141E9089}"/>
+                <a16:creationId xmlns:a16="http://schemas.microsoft.com/office/drawing/2014/main" xmlns="" id="{56E30EF1-2227-4CF5-80BB-CA64141E9089}"/>
               </a:ext>
             </a:extLst>
           </p:cNvPr>
@@ -13460,7 +13573,7 @@
           <p:cNvPr id="20" name="テキスト ボックス 19">
             <a:extLst>
               <a:ext uri="{FF2B5EF4-FFF2-40B4-BE49-F238E27FC236}">
-                <a16:creationId xmlns:a16="http://schemas.microsoft.com/office/drawing/2014/main" id="{C467322C-F1D8-4FC8-A541-57456C7E908F}"/>
+                <a16:creationId xmlns:a16="http://schemas.microsoft.com/office/drawing/2014/main" xmlns="" id="{C467322C-F1D8-4FC8-A541-57456C7E908F}"/>
               </a:ext>
             </a:extLst>
           </p:cNvPr>
@@ -13495,7 +13608,7 @@
           <p:cNvPr id="21" name="正方形/長方形 20">
             <a:extLst>
               <a:ext uri="{FF2B5EF4-FFF2-40B4-BE49-F238E27FC236}">
-                <a16:creationId xmlns:a16="http://schemas.microsoft.com/office/drawing/2014/main" id="{B12D110E-4F9C-4FDD-8D26-205E3853F2D1}"/>
+                <a16:creationId xmlns:a16="http://schemas.microsoft.com/office/drawing/2014/main" xmlns="" id="{B12D110E-4F9C-4FDD-8D26-205E3853F2D1}"/>
               </a:ext>
             </a:extLst>
           </p:cNvPr>
@@ -13547,7 +13660,7 @@
           <p:cNvPr id="22" name="テキスト ボックス 21">
             <a:extLst>
               <a:ext uri="{FF2B5EF4-FFF2-40B4-BE49-F238E27FC236}">
-                <a16:creationId xmlns:a16="http://schemas.microsoft.com/office/drawing/2014/main" id="{C9BB9A1B-E56E-41A0-AEDD-E1B42E1EF169}"/>
+                <a16:creationId xmlns:a16="http://schemas.microsoft.com/office/drawing/2014/main" xmlns="" id="{C9BB9A1B-E56E-41A0-AEDD-E1B42E1EF169}"/>
               </a:ext>
             </a:extLst>
           </p:cNvPr>
@@ -13586,7 +13699,7 @@
           <p:cNvPr id="8" name="正方形/長方形 7">
             <a:extLst>
               <a:ext uri="{FF2B5EF4-FFF2-40B4-BE49-F238E27FC236}">
-                <a16:creationId xmlns:a16="http://schemas.microsoft.com/office/drawing/2014/main" id="{081CC40B-D785-4636-845A-BB01AA701A6A}"/>
+                <a16:creationId xmlns:a16="http://schemas.microsoft.com/office/drawing/2014/main" xmlns="" id="{081CC40B-D785-4636-845A-BB01AA701A6A}"/>
               </a:ext>
             </a:extLst>
           </p:cNvPr>
@@ -13620,7 +13733,7 @@
           <p:cNvPr id="23" name="正方形/長方形 22">
             <a:extLst>
               <a:ext uri="{FF2B5EF4-FFF2-40B4-BE49-F238E27FC236}">
-                <a16:creationId xmlns:a16="http://schemas.microsoft.com/office/drawing/2014/main" id="{B019A084-732B-4381-9104-4DA42DDE5BB4}"/>
+                <a16:creationId xmlns:a16="http://schemas.microsoft.com/office/drawing/2014/main" xmlns="" id="{B019A084-732B-4381-9104-4DA42DDE5BB4}"/>
               </a:ext>
             </a:extLst>
           </p:cNvPr>
@@ -13668,7 +13781,7 @@
           <p:cNvPr id="27" name="直線矢印コネクタ 26">
             <a:extLst>
               <a:ext uri="{FF2B5EF4-FFF2-40B4-BE49-F238E27FC236}">
-                <a16:creationId xmlns:a16="http://schemas.microsoft.com/office/drawing/2014/main" id="{41E0C152-BF26-436C-8603-03611C82F5E4}"/>
+                <a16:creationId xmlns:a16="http://schemas.microsoft.com/office/drawing/2014/main" xmlns="" id="{41E0C152-BF26-436C-8603-03611C82F5E4}"/>
               </a:ext>
             </a:extLst>
           </p:cNvPr>
@@ -13714,7 +13827,7 @@
           <p:cNvPr id="28" name="直線矢印コネクタ 27">
             <a:extLst>
               <a:ext uri="{FF2B5EF4-FFF2-40B4-BE49-F238E27FC236}">
-                <a16:creationId xmlns:a16="http://schemas.microsoft.com/office/drawing/2014/main" id="{0153F35A-E1C1-44EF-A869-4951B2130B41}"/>
+                <a16:creationId xmlns:a16="http://schemas.microsoft.com/office/drawing/2014/main" xmlns="" id="{0153F35A-E1C1-44EF-A869-4951B2130B41}"/>
               </a:ext>
             </a:extLst>
           </p:cNvPr>
@@ -13761,7 +13874,7 @@
           <p:cNvPr id="33" name="直線矢印コネクタ 32">
             <a:extLst>
               <a:ext uri="{FF2B5EF4-FFF2-40B4-BE49-F238E27FC236}">
-                <a16:creationId xmlns:a16="http://schemas.microsoft.com/office/drawing/2014/main" id="{E5EAAF71-9C56-4F86-B965-F86C0B066124}"/>
+                <a16:creationId xmlns:a16="http://schemas.microsoft.com/office/drawing/2014/main" xmlns="" id="{E5EAAF71-9C56-4F86-B965-F86C0B066124}"/>
               </a:ext>
             </a:extLst>
           </p:cNvPr>
@@ -13806,7 +13919,7 @@
           <p:cNvPr id="37" name="テキスト ボックス 36">
             <a:extLst>
               <a:ext uri="{FF2B5EF4-FFF2-40B4-BE49-F238E27FC236}">
-                <a16:creationId xmlns:a16="http://schemas.microsoft.com/office/drawing/2014/main" id="{C99A5196-31C7-482A-846F-CAD38A54C957}"/>
+                <a16:creationId xmlns:a16="http://schemas.microsoft.com/office/drawing/2014/main" xmlns="" id="{C99A5196-31C7-482A-846F-CAD38A54C957}"/>
               </a:ext>
             </a:extLst>
           </p:cNvPr>
@@ -13842,7 +13955,7 @@
           <p:cNvPr id="24" name="テキスト ボックス 23">
             <a:extLst>
               <a:ext uri="{FF2B5EF4-FFF2-40B4-BE49-F238E27FC236}">
-                <a16:creationId xmlns:a16="http://schemas.microsoft.com/office/drawing/2014/main" id="{CAF369B4-C6E6-4344-87FE-8971209AB67C}"/>
+                <a16:creationId xmlns:a16="http://schemas.microsoft.com/office/drawing/2014/main" xmlns="" id="{CAF369B4-C6E6-4344-87FE-8971209AB67C}"/>
               </a:ext>
             </a:extLst>
           </p:cNvPr>
@@ -14210,7 +14323,7 @@
   <a:extraClrSchemeLst/>
   <a:extLst>
     <a:ext uri="{05A4C25C-085E-4340-85A3-A5531E510DB2}">
-      <thm15:themeFamily xmlns:thm15="http://schemas.microsoft.com/office/thememl/2012/main" name="Office Theme" id="{62F939B6-93AF-4DB8-9C6B-D6C7DFDC589F}" vid="{4A3C46E8-61CC-4603-A589-7422A47A8E4A}"/>
+      <thm15:themeFamily xmlns:thm15="http://schemas.microsoft.com/office/thememl/2012/main" xmlns="" name="Office Theme" id="{62F939B6-93AF-4DB8-9C6B-D6C7DFDC589F}" vid="{4A3C46E8-61CC-4603-A589-7422A47A8E4A}"/>
     </a:ext>
   </a:extLst>
 </a:theme>

--- a/3_CustomizeModel1_AddParameter/OpenModelica_Tutorials_3.pptx
+++ b/3_CustomizeModel1_AddParameter/OpenModelica_Tutorials_3.pptx
@@ -4308,7 +4308,7 @@
           </a:ln>
           <a:extLst>
             <a:ext uri="{C572A759-6A51-4108-AA02-DFA0A04FC94B}">
-              <ma14:wrappingTextBoxFlag xmlns:ma14="http://schemas.microsoft.com/office/mac/drawingml/2011/main" xmlns="" val="1"/>
+              <ma14:wrappingTextBoxFlag xmlns="" xmlns:ma14="http://schemas.microsoft.com/office/mac/drawingml/2011/main" val="1"/>
             </a:ext>
           </a:extLst>
         </p:spPr>
@@ -5256,7 +5256,7 @@
           </a:ln>
           <a:extLst>
             <a:ext uri="{C572A759-6A51-4108-AA02-DFA0A04FC94B}">
-              <ma14:wrappingTextBoxFlag xmlns:ma14="http://schemas.microsoft.com/office/mac/drawingml/2011/main" xmlns="" val="1"/>
+              <ma14:wrappingTextBoxFlag xmlns="" xmlns:ma14="http://schemas.microsoft.com/office/mac/drawingml/2011/main" val="1"/>
             </a:ext>
           </a:extLst>
         </p:spPr>
@@ -6565,7 +6565,7 @@
           </a:ln>
           <a:extLst>
             <a:ext uri="{C572A759-6A51-4108-AA02-DFA0A04FC94B}">
-              <ma14:wrappingTextBoxFlag xmlns:ma14="http://schemas.microsoft.com/office/mac/drawingml/2011/main" xmlns="" val="1"/>
+              <ma14:wrappingTextBoxFlag xmlns="" xmlns:ma14="http://schemas.microsoft.com/office/mac/drawingml/2011/main" val="1"/>
             </a:ext>
           </a:extLst>
         </p:spPr>
@@ -8224,7 +8224,7 @@
           </a:ln>
           <a:extLst>
             <a:ext uri="{C572A759-6A51-4108-AA02-DFA0A04FC94B}">
-              <ma14:wrappingTextBoxFlag xmlns:ma14="http://schemas.microsoft.com/office/mac/drawingml/2011/main" xmlns="" val="1"/>
+              <ma14:wrappingTextBoxFlag xmlns="" xmlns:ma14="http://schemas.microsoft.com/office/mac/drawingml/2011/main" val="1"/>
             </a:ext>
           </a:extLst>
         </p:spPr>
@@ -9542,7 +9542,7 @@
           </a:ln>
           <a:extLst>
             <a:ext uri="{C572A759-6A51-4108-AA02-DFA0A04FC94B}">
-              <ma14:wrappingTextBoxFlag xmlns:ma14="http://schemas.microsoft.com/office/mac/drawingml/2011/main" xmlns="" val="1"/>
+              <ma14:wrappingTextBoxFlag xmlns="" xmlns:ma14="http://schemas.microsoft.com/office/mac/drawingml/2011/main" val="1"/>
             </a:ext>
           </a:extLst>
         </p:spPr>
@@ -9837,7 +9837,7 @@
           </a:ln>
           <a:extLst>
             <a:ext uri="{C572A759-6A51-4108-AA02-DFA0A04FC94B}">
-              <ma14:wrappingTextBoxFlag xmlns:ma14="http://schemas.microsoft.com/office/mac/drawingml/2011/main" xmlns="" val="1"/>
+              <ma14:wrappingTextBoxFlag xmlns="" xmlns:ma14="http://schemas.microsoft.com/office/mac/drawingml/2011/main" val="1"/>
             </a:ext>
           </a:extLst>
         </p:spPr>
@@ -10252,7 +10252,7 @@
           </a:ln>
           <a:extLst>
             <a:ext uri="{C572A759-6A51-4108-AA02-DFA0A04FC94B}">
-              <ma14:wrappingTextBoxFlag xmlns:ma14="http://schemas.microsoft.com/office/mac/drawingml/2011/main" xmlns="" val="1"/>
+              <ma14:wrappingTextBoxFlag xmlns="" xmlns:ma14="http://schemas.microsoft.com/office/mac/drawingml/2011/main" val="1"/>
             </a:ext>
           </a:extLst>
         </p:spPr>
@@ -10348,11 +10348,7 @@
             </a:r>
             <a:r>
               <a:rPr lang="ja-JP" altLang="en-US" dirty="0" smtClean="0"/>
-              <a:t>を入力して</a:t>
-            </a:r>
-            <a:r>
-              <a:rPr lang="ja-JP" altLang="en-US" dirty="0" smtClean="0"/>
-              <a:t>ください。</a:t>
+              <a:t>を入力してください。</a:t>
             </a:r>
             <a:endParaRPr lang="en-US" altLang="ja-JP" dirty="0"/>
           </a:p>
@@ -10628,11 +10624,7 @@
             </a:r>
             <a:r>
               <a:rPr lang="ja-JP" altLang="en-US" dirty="0" smtClean="0"/>
-              <a:t>」となっていることを確認して</a:t>
-            </a:r>
-            <a:r>
-              <a:rPr lang="ja-JP" altLang="en-US" dirty="0" smtClean="0"/>
-              <a:t>ください。</a:t>
+              <a:t>」となっていることを確認してください。</a:t>
             </a:r>
             <a:endParaRPr lang="en-US" altLang="ja-JP" dirty="0" smtClean="0"/>
           </a:p>
@@ -10693,7 +10685,7 @@
           </a:ln>
           <a:extLst>
             <a:ext uri="{C572A759-6A51-4108-AA02-DFA0A04FC94B}">
-              <ma14:wrappingTextBoxFlag xmlns:ma14="http://schemas.microsoft.com/office/mac/drawingml/2011/main" xmlns="" val="1"/>
+              <ma14:wrappingTextBoxFlag xmlns="" xmlns:ma14="http://schemas.microsoft.com/office/mac/drawingml/2011/main" val="1"/>
             </a:ext>
           </a:extLst>
         </p:spPr>
@@ -10949,7 +10941,7 @@
           </a:ln>
           <a:extLst>
             <a:ext uri="{C572A759-6A51-4108-AA02-DFA0A04FC94B}">
-              <ma14:wrappingTextBoxFlag xmlns:ma14="http://schemas.microsoft.com/office/mac/drawingml/2011/main" xmlns="" val="1"/>
+              <ma14:wrappingTextBoxFlag xmlns="" xmlns:ma14="http://schemas.microsoft.com/office/mac/drawingml/2011/main" val="1"/>
             </a:ext>
           </a:extLst>
         </p:spPr>
@@ -11323,7 +11315,11 @@
           <a:p>
             <a:r>
               <a:rPr lang="ja-JP" altLang="en-US" sz="2400" dirty="0"/>
-              <a:t>　　しております</a:t>
+              <a:t>　　して</a:t>
+            </a:r>
+            <a:r>
+              <a:rPr lang="ja-JP" altLang="en-US" sz="2400" dirty="0" smtClean="0"/>
+              <a:t>おります。</a:t>
             </a:r>
             <a:endParaRPr kumimoji="1" lang="en-US" altLang="ja-JP" sz="2400" dirty="0"/>
           </a:p>
@@ -11444,8 +11440,17 @@
             </a:r>
             <a:r>
               <a:rPr kumimoji="1" lang="ja-JP" altLang="en-US" sz="2400" dirty="0"/>
-              <a:t>チュートリアルは作成されています</a:t>
-            </a:r>
+              <a:t>チュートリアルは作成</a:t>
+            </a:r>
+            <a:r>
+              <a:rPr kumimoji="1" lang="ja-JP" altLang="en-US" sz="2400"/>
+              <a:t>されて</a:t>
+            </a:r>
+            <a:r>
+              <a:rPr kumimoji="1" lang="ja-JP" altLang="en-US" sz="2400" smtClean="0"/>
+              <a:t>います。</a:t>
+            </a:r>
+            <a:endParaRPr kumimoji="1" lang="ja-JP" altLang="en-US" sz="2400" dirty="0"/>
           </a:p>
         </p:txBody>
       </p:sp>
@@ -11527,7 +11532,7 @@
           </a:ln>
           <a:extLst>
             <a:ext uri="{C572A759-6A51-4108-AA02-DFA0A04FC94B}">
-              <ma14:wrappingTextBoxFlag xmlns:ma14="http://schemas.microsoft.com/office/mac/drawingml/2011/main" xmlns="" val="1"/>
+              <ma14:wrappingTextBoxFlag xmlns="" xmlns:ma14="http://schemas.microsoft.com/office/mac/drawingml/2011/main" val="1"/>
             </a:ext>
           </a:extLst>
         </p:spPr>
@@ -11819,7 +11824,7 @@
           </a:ln>
           <a:extLst>
             <a:ext uri="{C572A759-6A51-4108-AA02-DFA0A04FC94B}">
-              <ma14:wrappingTextBoxFlag xmlns:ma14="http://schemas.microsoft.com/office/mac/drawingml/2011/main" xmlns="" val="1"/>
+              <ma14:wrappingTextBoxFlag xmlns="" xmlns:ma14="http://schemas.microsoft.com/office/mac/drawingml/2011/main" val="1"/>
             </a:ext>
           </a:extLst>
         </p:spPr>
@@ -12849,7 +12854,7 @@
           </a:ln>
           <a:extLst>
             <a:ext uri="{C572A759-6A51-4108-AA02-DFA0A04FC94B}">
-              <ma14:wrappingTextBoxFlag xmlns:ma14="http://schemas.microsoft.com/office/mac/drawingml/2011/main" xmlns="" val="1"/>
+              <ma14:wrappingTextBoxFlag xmlns="" xmlns:ma14="http://schemas.microsoft.com/office/mac/drawingml/2011/main" val="1"/>
             </a:ext>
           </a:extLst>
         </p:spPr>
@@ -13269,7 +13274,7 @@
           </a:ln>
           <a:extLst>
             <a:ext uri="{C572A759-6A51-4108-AA02-DFA0A04FC94B}">
-              <ma14:wrappingTextBoxFlag xmlns:ma14="http://schemas.microsoft.com/office/mac/drawingml/2011/main" xmlns="" val="1"/>
+              <ma14:wrappingTextBoxFlag xmlns="" xmlns:ma14="http://schemas.microsoft.com/office/mac/drawingml/2011/main" val="1"/>
             </a:ext>
           </a:extLst>
         </p:spPr>
@@ -13976,7 +13981,7 @@
           </a:ln>
           <a:extLst>
             <a:ext uri="{C572A759-6A51-4108-AA02-DFA0A04FC94B}">
-              <ma14:wrappingTextBoxFlag xmlns:ma14="http://schemas.microsoft.com/office/mac/drawingml/2011/main" xmlns="" val="1"/>
+              <ma14:wrappingTextBoxFlag xmlns="" xmlns:ma14="http://schemas.microsoft.com/office/mac/drawingml/2011/main" val="1"/>
             </a:ext>
           </a:extLst>
         </p:spPr>
@@ -14507,7 +14512,7 @@
           </a:ln>
           <a:extLst>
             <a:ext uri="{C572A759-6A51-4108-AA02-DFA0A04FC94B}">
-              <ma14:wrappingTextBoxFlag xmlns:ma14="http://schemas.microsoft.com/office/mac/drawingml/2011/main" xmlns="" val="1"/>
+              <ma14:wrappingTextBoxFlag xmlns="" xmlns:ma14="http://schemas.microsoft.com/office/mac/drawingml/2011/main" val="1"/>
             </a:ext>
           </a:extLst>
         </p:spPr>
@@ -14858,7 +14863,7 @@
           </a:ln>
           <a:extLst>
             <a:ext uri="{C572A759-6A51-4108-AA02-DFA0A04FC94B}">
-              <ma14:wrappingTextBoxFlag xmlns:ma14="http://schemas.microsoft.com/office/mac/drawingml/2011/main" xmlns="" val="1"/>
+              <ma14:wrappingTextBoxFlag xmlns="" xmlns:ma14="http://schemas.microsoft.com/office/mac/drawingml/2011/main" val="1"/>
             </a:ext>
           </a:extLst>
         </p:spPr>

--- a/3_CustomizeModel1_AddParameter/OpenModelica_Tutorials_3.pptx
+++ b/3_CustomizeModel1_AddParameter/OpenModelica_Tutorials_3.pptx
@@ -229,7 +229,7 @@
           <a:p>
             <a:fld id="{6C5F9923-15C0-4701-9004-BA8A423A0EA6}" type="datetimeFigureOut">
               <a:rPr kumimoji="1" lang="ja-JP" altLang="en-US" smtClean="0"/>
-              <a:t>2020/4/9</a:t>
+              <a:t>2020/4/10</a:t>
             </a:fld>
             <a:endParaRPr kumimoji="1" lang="ja-JP" altLang="en-US"/>
           </a:p>
@@ -676,7 +676,7 @@
           <a:p>
             <a:fld id="{A19AFA6F-A114-4911-AC81-2CC3E3905A3F}" type="datetime1">
               <a:rPr kumimoji="1" lang="ja-JP" altLang="en-US" smtClean="0"/>
-              <a:t>2020/4/9</a:t>
+              <a:t>2020/4/10</a:t>
             </a:fld>
             <a:endParaRPr kumimoji="1" lang="ja-JP" altLang="en-US"/>
           </a:p>
@@ -906,7 +906,7 @@
           <a:p>
             <a:fld id="{9891354D-01B9-4640-9746-3E8903EAEDC9}" type="datetime1">
               <a:rPr kumimoji="1" lang="ja-JP" altLang="en-US" smtClean="0"/>
-              <a:t>2020/4/9</a:t>
+              <a:t>2020/4/10</a:t>
             </a:fld>
             <a:endParaRPr kumimoji="1" lang="ja-JP" altLang="en-US"/>
           </a:p>
@@ -1146,7 +1146,7 @@
           <a:p>
             <a:fld id="{694E198E-5958-44F4-BBF5-1BA90C67DE05}" type="datetime1">
               <a:rPr kumimoji="1" lang="ja-JP" altLang="en-US" smtClean="0"/>
-              <a:t>2020/4/9</a:t>
+              <a:t>2020/4/10</a:t>
             </a:fld>
             <a:endParaRPr kumimoji="1" lang="ja-JP" altLang="en-US"/>
           </a:p>
@@ -1376,7 +1376,7 @@
           <a:p>
             <a:fld id="{0C6F6A9C-61BE-4956-B50B-23EB8D14B857}" type="datetime1">
               <a:rPr kumimoji="1" lang="ja-JP" altLang="en-US" smtClean="0"/>
-              <a:t>2020/4/9</a:t>
+              <a:t>2020/4/10</a:t>
             </a:fld>
             <a:endParaRPr kumimoji="1" lang="ja-JP" altLang="en-US"/>
           </a:p>
@@ -1651,7 +1651,7 @@
           <a:p>
             <a:fld id="{B372B444-9E52-4583-AC9D-A6AC73A13CF3}" type="datetime1">
               <a:rPr kumimoji="1" lang="ja-JP" altLang="en-US" smtClean="0"/>
-              <a:t>2020/4/9</a:t>
+              <a:t>2020/4/10</a:t>
             </a:fld>
             <a:endParaRPr kumimoji="1" lang="ja-JP" altLang="en-US"/>
           </a:p>
@@ -1980,7 +1980,7 @@
           <a:p>
             <a:fld id="{4AF7593F-AE02-48F9-852E-ADB168CFEBF1}" type="datetime1">
               <a:rPr kumimoji="1" lang="ja-JP" altLang="en-US" smtClean="0"/>
-              <a:t>2020/4/9</a:t>
+              <a:t>2020/4/10</a:t>
             </a:fld>
             <a:endParaRPr kumimoji="1" lang="ja-JP" altLang="en-US"/>
           </a:p>
@@ -2456,7 +2456,7 @@
           <a:p>
             <a:fld id="{69719388-0CF3-4636-BA91-A04B4FEBA899}" type="datetime1">
               <a:rPr kumimoji="1" lang="ja-JP" altLang="en-US" smtClean="0"/>
-              <a:t>2020/4/9</a:t>
+              <a:t>2020/4/10</a:t>
             </a:fld>
             <a:endParaRPr kumimoji="1" lang="ja-JP" altLang="en-US"/>
           </a:p>
@@ -2597,7 +2597,7 @@
           <a:p>
             <a:fld id="{5FCC729E-97CA-4AC1-BACC-2641240E14C2}" type="datetime1">
               <a:rPr kumimoji="1" lang="ja-JP" altLang="en-US" smtClean="0"/>
-              <a:t>2020/4/9</a:t>
+              <a:t>2020/4/10</a:t>
             </a:fld>
             <a:endParaRPr kumimoji="1" lang="ja-JP" altLang="en-US"/>
           </a:p>
@@ -2710,7 +2710,7 @@
           <a:p>
             <a:fld id="{685F4F07-2E43-4636-80D9-CEA92FD71485}" type="datetime1">
               <a:rPr kumimoji="1" lang="ja-JP" altLang="en-US" smtClean="0"/>
-              <a:t>2020/4/9</a:t>
+              <a:t>2020/4/10</a:t>
             </a:fld>
             <a:endParaRPr kumimoji="1" lang="ja-JP" altLang="en-US"/>
           </a:p>
@@ -3053,7 +3053,7 @@
           <a:p>
             <a:fld id="{70A38CCF-C2ED-45BE-A7C1-B70CEF3FEEAB}" type="datetime1">
               <a:rPr kumimoji="1" lang="ja-JP" altLang="en-US" smtClean="0"/>
-              <a:t>2020/4/9</a:t>
+              <a:t>2020/4/10</a:t>
             </a:fld>
             <a:endParaRPr kumimoji="1" lang="ja-JP" altLang="en-US"/>
           </a:p>
@@ -3341,7 +3341,7 @@
           <a:p>
             <a:fld id="{BB82C685-723B-4640-9001-D6EDE25D3C0C}" type="datetime1">
               <a:rPr kumimoji="1" lang="ja-JP" altLang="en-US" smtClean="0"/>
-              <a:t>2020/4/9</a:t>
+              <a:t>2020/4/10</a:t>
             </a:fld>
             <a:endParaRPr kumimoji="1" lang="ja-JP" altLang="en-US"/>
           </a:p>
@@ -3614,7 +3614,7 @@
           <a:p>
             <a:fld id="{AE40E139-DC09-4228-B5C7-AA95C2BB21CD}" type="datetime1">
               <a:rPr kumimoji="1" lang="ja-JP" altLang="en-US" smtClean="0"/>
-              <a:t>2020/4/9</a:t>
+              <a:t>2020/4/10</a:t>
             </a:fld>
             <a:endParaRPr kumimoji="1" lang="ja-JP" altLang="en-US"/>
           </a:p>
@@ -4211,6 +4211,13 @@
   <p:clrMapOvr>
     <a:masterClrMapping/>
   </p:clrMapOvr>
+  <p:timing>
+    <p:tnLst>
+      <p:par>
+        <p:cTn id="1" dur="indefinite" restart="never" nodeType="tmRoot"/>
+      </p:par>
+    </p:tnLst>
+  </p:timing>
 </p:sld>
 </file>
 
@@ -4308,7 +4315,7 @@
           </a:ln>
           <a:extLst>
             <a:ext uri="{C572A759-6A51-4108-AA02-DFA0A04FC94B}">
-              <ma14:wrappingTextBoxFlag xmlns="" xmlns:ma14="http://schemas.microsoft.com/office/mac/drawingml/2011/main" val="1"/>
+              <ma14:wrappingTextBoxFlag xmlns:ma14="http://schemas.microsoft.com/office/mac/drawingml/2011/main" xmlns="" val="1"/>
             </a:ext>
           </a:extLst>
         </p:spPr>
@@ -5159,6 +5166,13 @@
   <p:clrMapOvr>
     <a:masterClrMapping/>
   </p:clrMapOvr>
+  <p:timing>
+    <p:tnLst>
+      <p:par>
+        <p:cTn id="1" dur="indefinite" restart="never" nodeType="tmRoot"/>
+      </p:par>
+    </p:tnLst>
+  </p:timing>
 </p:sld>
 </file>
 
@@ -5256,7 +5270,7 @@
           </a:ln>
           <a:extLst>
             <a:ext uri="{C572A759-6A51-4108-AA02-DFA0A04FC94B}">
-              <ma14:wrappingTextBoxFlag xmlns="" xmlns:ma14="http://schemas.microsoft.com/office/mac/drawingml/2011/main" val="1"/>
+              <ma14:wrappingTextBoxFlag xmlns:ma14="http://schemas.microsoft.com/office/mac/drawingml/2011/main" xmlns="" val="1"/>
             </a:ext>
           </a:extLst>
         </p:spPr>
@@ -6342,80 +6356,9 @@
   <p:timing>
     <p:tnLst>
       <p:par>
-        <p:cTn id="1" dur="indefinite" restart="never" nodeType="tmRoot">
-          <p:childTnLst>
-            <p:seq concurrent="1" nextAc="seek">
-              <p:cTn id="2" dur="indefinite" nodeType="mainSeq">
-                <p:childTnLst>
-                  <p:par>
-                    <p:cTn id="3" fill="hold">
-                      <p:stCondLst>
-                        <p:cond delay="indefinite"/>
-                      </p:stCondLst>
-                      <p:childTnLst>
-                        <p:par>
-                          <p:cTn id="4" fill="hold">
-                            <p:stCondLst>
-                              <p:cond delay="0"/>
-                            </p:stCondLst>
-                            <p:childTnLst>
-                              <p:par>
-                                <p:cTn id="5" presetID="1" presetClass="entr" presetSubtype="0" fill="hold" grpId="0" nodeType="clickEffect">
-                                  <p:stCondLst>
-                                    <p:cond delay="0"/>
-                                  </p:stCondLst>
-                                  <p:childTnLst>
-                                    <p:set>
-                                      <p:cBhvr>
-                                        <p:cTn id="6" dur="1" fill="hold">
-                                          <p:stCondLst>
-                                            <p:cond delay="0"/>
-                                          </p:stCondLst>
-                                        </p:cTn>
-                                        <p:tgtEl>
-                                          <p:spTgt spid="39"/>
-                                        </p:tgtEl>
-                                        <p:attrNameLst>
-                                          <p:attrName>style.visibility</p:attrName>
-                                        </p:attrNameLst>
-                                      </p:cBhvr>
-                                      <p:to>
-                                        <p:strVal val="visible"/>
-                                      </p:to>
-                                    </p:set>
-                                  </p:childTnLst>
-                                </p:cTn>
-                              </p:par>
-                            </p:childTnLst>
-                          </p:cTn>
-                        </p:par>
-                      </p:childTnLst>
-                    </p:cTn>
-                  </p:par>
-                </p:childTnLst>
-              </p:cTn>
-              <p:prevCondLst>
-                <p:cond evt="onPrev" delay="0">
-                  <p:tgtEl>
-                    <p:sldTgt/>
-                  </p:tgtEl>
-                </p:cond>
-              </p:prevCondLst>
-              <p:nextCondLst>
-                <p:cond evt="onNext" delay="0">
-                  <p:tgtEl>
-                    <p:sldTgt/>
-                  </p:tgtEl>
-                </p:cond>
-              </p:nextCondLst>
-            </p:seq>
-          </p:childTnLst>
-        </p:cTn>
+        <p:cTn id="1" dur="indefinite" restart="never" nodeType="tmRoot"/>
       </p:par>
     </p:tnLst>
-    <p:bldLst>
-      <p:bldP spid="39" grpId="0"/>
-    </p:bldLst>
   </p:timing>
 </p:sld>
 </file>
@@ -6565,7 +6508,7 @@
           </a:ln>
           <a:extLst>
             <a:ext uri="{C572A759-6A51-4108-AA02-DFA0A04FC94B}">
-              <ma14:wrappingTextBoxFlag xmlns="" xmlns:ma14="http://schemas.microsoft.com/office/mac/drawingml/2011/main" val="1"/>
+              <ma14:wrappingTextBoxFlag xmlns:ma14="http://schemas.microsoft.com/office/mac/drawingml/2011/main" xmlns="" val="1"/>
             </a:ext>
           </a:extLst>
         </p:spPr>
@@ -7689,471 +7632,9 @@
   <p:timing>
     <p:tnLst>
       <p:par>
-        <p:cTn id="1" dur="indefinite" restart="never" nodeType="tmRoot">
-          <p:childTnLst>
-            <p:seq concurrent="1" nextAc="seek">
-              <p:cTn id="2" dur="indefinite" nodeType="mainSeq">
-                <p:childTnLst>
-                  <p:par>
-                    <p:cTn id="3" fill="hold">
-                      <p:stCondLst>
-                        <p:cond delay="indefinite"/>
-                      </p:stCondLst>
-                      <p:childTnLst>
-                        <p:par>
-                          <p:cTn id="4" fill="hold">
-                            <p:stCondLst>
-                              <p:cond delay="0"/>
-                            </p:stCondLst>
-                            <p:childTnLst>
-                              <p:par>
-                                <p:cTn id="5" presetID="1" presetClass="entr" presetSubtype="0" fill="hold" grpId="0" nodeType="clickEffect">
-                                  <p:stCondLst>
-                                    <p:cond delay="0"/>
-                                  </p:stCondLst>
-                                  <p:childTnLst>
-                                    <p:set>
-                                      <p:cBhvr>
-                                        <p:cTn id="6" dur="1" fill="hold">
-                                          <p:stCondLst>
-                                            <p:cond delay="0"/>
-                                          </p:stCondLst>
-                                        </p:cTn>
-                                        <p:tgtEl>
-                                          <p:spTgt spid="35"/>
-                                        </p:tgtEl>
-                                        <p:attrNameLst>
-                                          <p:attrName>style.visibility</p:attrName>
-                                        </p:attrNameLst>
-                                      </p:cBhvr>
-                                      <p:to>
-                                        <p:strVal val="visible"/>
-                                      </p:to>
-                                    </p:set>
-                                  </p:childTnLst>
-                                </p:cTn>
-                              </p:par>
-                            </p:childTnLst>
-                          </p:cTn>
-                        </p:par>
-                      </p:childTnLst>
-                    </p:cTn>
-                  </p:par>
-                  <p:par>
-                    <p:cTn id="7" fill="hold">
-                      <p:stCondLst>
-                        <p:cond delay="indefinite"/>
-                      </p:stCondLst>
-                      <p:childTnLst>
-                        <p:par>
-                          <p:cTn id="8" fill="hold">
-                            <p:stCondLst>
-                              <p:cond delay="0"/>
-                            </p:stCondLst>
-                            <p:childTnLst>
-                              <p:par>
-                                <p:cTn id="9" presetID="1" presetClass="entr" presetSubtype="0" fill="hold" nodeType="clickEffect">
-                                  <p:stCondLst>
-                                    <p:cond delay="0"/>
-                                  </p:stCondLst>
-                                  <p:childTnLst>
-                                    <p:set>
-                                      <p:cBhvr>
-                                        <p:cTn id="10" dur="1" fill="hold">
-                                          <p:stCondLst>
-                                            <p:cond delay="0"/>
-                                          </p:stCondLst>
-                                        </p:cTn>
-                                        <p:tgtEl>
-                                          <p:spTgt spid="58"/>
-                                        </p:tgtEl>
-                                        <p:attrNameLst>
-                                          <p:attrName>style.visibility</p:attrName>
-                                        </p:attrNameLst>
-                                      </p:cBhvr>
-                                      <p:to>
-                                        <p:strVal val="visible"/>
-                                      </p:to>
-                                    </p:set>
-                                  </p:childTnLst>
-                                </p:cTn>
-                              </p:par>
-                              <p:par>
-                                <p:cTn id="11" presetID="1" presetClass="entr" presetSubtype="0" fill="hold" grpId="0" nodeType="withEffect">
-                                  <p:stCondLst>
-                                    <p:cond delay="0"/>
-                                  </p:stCondLst>
-                                  <p:childTnLst>
-                                    <p:set>
-                                      <p:cBhvr>
-                                        <p:cTn id="12" dur="1" fill="hold">
-                                          <p:stCondLst>
-                                            <p:cond delay="0"/>
-                                          </p:stCondLst>
-                                        </p:cTn>
-                                        <p:tgtEl>
-                                          <p:spTgt spid="53"/>
-                                        </p:tgtEl>
-                                        <p:attrNameLst>
-                                          <p:attrName>style.visibility</p:attrName>
-                                        </p:attrNameLst>
-                                      </p:cBhvr>
-                                      <p:to>
-                                        <p:strVal val="visible"/>
-                                      </p:to>
-                                    </p:set>
-                                  </p:childTnLst>
-                                </p:cTn>
-                              </p:par>
-                            </p:childTnLst>
-                          </p:cTn>
-                        </p:par>
-                      </p:childTnLst>
-                    </p:cTn>
-                  </p:par>
-                  <p:par>
-                    <p:cTn id="13" fill="hold">
-                      <p:stCondLst>
-                        <p:cond delay="indefinite"/>
-                      </p:stCondLst>
-                      <p:childTnLst>
-                        <p:par>
-                          <p:cTn id="14" fill="hold">
-                            <p:stCondLst>
-                              <p:cond delay="0"/>
-                            </p:stCondLst>
-                            <p:childTnLst>
-                              <p:par>
-                                <p:cTn id="15" presetID="1" presetClass="entr" presetSubtype="0" fill="hold" nodeType="clickEffect">
-                                  <p:stCondLst>
-                                    <p:cond delay="0"/>
-                                  </p:stCondLst>
-                                  <p:childTnLst>
-                                    <p:set>
-                                      <p:cBhvr>
-                                        <p:cTn id="16" dur="1" fill="hold">
-                                          <p:stCondLst>
-                                            <p:cond delay="0"/>
-                                          </p:stCondLst>
-                                        </p:cTn>
-                                        <p:tgtEl>
-                                          <p:spTgt spid="36"/>
-                                        </p:tgtEl>
-                                        <p:attrNameLst>
-                                          <p:attrName>style.visibility</p:attrName>
-                                        </p:attrNameLst>
-                                      </p:cBhvr>
-                                      <p:to>
-                                        <p:strVal val="visible"/>
-                                      </p:to>
-                                    </p:set>
-                                  </p:childTnLst>
-                                </p:cTn>
-                              </p:par>
-                              <p:par>
-                                <p:cTn id="17" presetID="1" presetClass="entr" presetSubtype="0" fill="hold" grpId="0" nodeType="withEffect">
-                                  <p:stCondLst>
-                                    <p:cond delay="0"/>
-                                  </p:stCondLst>
-                                  <p:childTnLst>
-                                    <p:set>
-                                      <p:cBhvr>
-                                        <p:cTn id="18" dur="1" fill="hold">
-                                          <p:stCondLst>
-                                            <p:cond delay="0"/>
-                                          </p:stCondLst>
-                                        </p:cTn>
-                                        <p:tgtEl>
-                                          <p:spTgt spid="37"/>
-                                        </p:tgtEl>
-                                        <p:attrNameLst>
-                                          <p:attrName>style.visibility</p:attrName>
-                                        </p:attrNameLst>
-                                      </p:cBhvr>
-                                      <p:to>
-                                        <p:strVal val="visible"/>
-                                      </p:to>
-                                    </p:set>
-                                  </p:childTnLst>
-                                </p:cTn>
-                              </p:par>
-                              <p:par>
-                                <p:cTn id="19" presetID="1" presetClass="entr" presetSubtype="0" fill="hold" nodeType="withEffect">
-                                  <p:stCondLst>
-                                    <p:cond delay="0"/>
-                                  </p:stCondLst>
-                                  <p:childTnLst>
-                                    <p:set>
-                                      <p:cBhvr>
-                                        <p:cTn id="20" dur="1" fill="hold">
-                                          <p:stCondLst>
-                                            <p:cond delay="0"/>
-                                          </p:stCondLst>
-                                        </p:cTn>
-                                        <p:tgtEl>
-                                          <p:spTgt spid="38"/>
-                                        </p:tgtEl>
-                                        <p:attrNameLst>
-                                          <p:attrName>style.visibility</p:attrName>
-                                        </p:attrNameLst>
-                                      </p:cBhvr>
-                                      <p:to>
-                                        <p:strVal val="visible"/>
-                                      </p:to>
-                                    </p:set>
-                                  </p:childTnLst>
-                                </p:cTn>
-                              </p:par>
-                              <p:par>
-                                <p:cTn id="21" presetID="1" presetClass="entr" presetSubtype="0" fill="hold" nodeType="withEffect">
-                                  <p:stCondLst>
-                                    <p:cond delay="0"/>
-                                  </p:stCondLst>
-                                  <p:childTnLst>
-                                    <p:set>
-                                      <p:cBhvr>
-                                        <p:cTn id="22" dur="1" fill="hold">
-                                          <p:stCondLst>
-                                            <p:cond delay="0"/>
-                                          </p:stCondLst>
-                                        </p:cTn>
-                                        <p:tgtEl>
-                                          <p:spTgt spid="39"/>
-                                        </p:tgtEl>
-                                        <p:attrNameLst>
-                                          <p:attrName>style.visibility</p:attrName>
-                                        </p:attrNameLst>
-                                      </p:cBhvr>
-                                      <p:to>
-                                        <p:strVal val="visible"/>
-                                      </p:to>
-                                    </p:set>
-                                  </p:childTnLst>
-                                </p:cTn>
-                              </p:par>
-                              <p:par>
-                                <p:cTn id="23" presetID="1" presetClass="entr" presetSubtype="0" fill="hold" nodeType="withEffect">
-                                  <p:stCondLst>
-                                    <p:cond delay="0"/>
-                                  </p:stCondLst>
-                                  <p:childTnLst>
-                                    <p:set>
-                                      <p:cBhvr>
-                                        <p:cTn id="24" dur="1" fill="hold">
-                                          <p:stCondLst>
-                                            <p:cond delay="0"/>
-                                          </p:stCondLst>
-                                        </p:cTn>
-                                        <p:tgtEl>
-                                          <p:spTgt spid="40"/>
-                                        </p:tgtEl>
-                                        <p:attrNameLst>
-                                          <p:attrName>style.visibility</p:attrName>
-                                        </p:attrNameLst>
-                                      </p:cBhvr>
-                                      <p:to>
-                                        <p:strVal val="visible"/>
-                                      </p:to>
-                                    </p:set>
-                                  </p:childTnLst>
-                                </p:cTn>
-                              </p:par>
-                              <p:par>
-                                <p:cTn id="25" presetID="1" presetClass="entr" presetSubtype="0" fill="hold" grpId="0" nodeType="withEffect">
-                                  <p:stCondLst>
-                                    <p:cond delay="0"/>
-                                  </p:stCondLst>
-                                  <p:childTnLst>
-                                    <p:set>
-                                      <p:cBhvr>
-                                        <p:cTn id="26" dur="1" fill="hold">
-                                          <p:stCondLst>
-                                            <p:cond delay="0"/>
-                                          </p:stCondLst>
-                                        </p:cTn>
-                                        <p:tgtEl>
-                                          <p:spTgt spid="41"/>
-                                        </p:tgtEl>
-                                        <p:attrNameLst>
-                                          <p:attrName>style.visibility</p:attrName>
-                                        </p:attrNameLst>
-                                      </p:cBhvr>
-                                      <p:to>
-                                        <p:strVal val="visible"/>
-                                      </p:to>
-                                    </p:set>
-                                  </p:childTnLst>
-                                </p:cTn>
-                              </p:par>
-                              <p:par>
-                                <p:cTn id="27" presetID="1" presetClass="entr" presetSubtype="0" fill="hold" nodeType="withEffect">
-                                  <p:stCondLst>
-                                    <p:cond delay="0"/>
-                                  </p:stCondLst>
-                                  <p:childTnLst>
-                                    <p:set>
-                                      <p:cBhvr>
-                                        <p:cTn id="28" dur="1" fill="hold">
-                                          <p:stCondLst>
-                                            <p:cond delay="0"/>
-                                          </p:stCondLst>
-                                        </p:cTn>
-                                        <p:tgtEl>
-                                          <p:spTgt spid="42"/>
-                                        </p:tgtEl>
-                                        <p:attrNameLst>
-                                          <p:attrName>style.visibility</p:attrName>
-                                        </p:attrNameLst>
-                                      </p:cBhvr>
-                                      <p:to>
-                                        <p:strVal val="visible"/>
-                                      </p:to>
-                                    </p:set>
-                                  </p:childTnLst>
-                                </p:cTn>
-                              </p:par>
-                              <p:par>
-                                <p:cTn id="29" presetID="1" presetClass="entr" presetSubtype="0" fill="hold" nodeType="withEffect">
-                                  <p:stCondLst>
-                                    <p:cond delay="0"/>
-                                  </p:stCondLst>
-                                  <p:childTnLst>
-                                    <p:set>
-                                      <p:cBhvr>
-                                        <p:cTn id="30" dur="1" fill="hold">
-                                          <p:stCondLst>
-                                            <p:cond delay="0"/>
-                                          </p:stCondLst>
-                                        </p:cTn>
-                                        <p:tgtEl>
-                                          <p:spTgt spid="43"/>
-                                        </p:tgtEl>
-                                        <p:attrNameLst>
-                                          <p:attrName>style.visibility</p:attrName>
-                                        </p:attrNameLst>
-                                      </p:cBhvr>
-                                      <p:to>
-                                        <p:strVal val="visible"/>
-                                      </p:to>
-                                    </p:set>
-                                  </p:childTnLst>
-                                </p:cTn>
-                              </p:par>
-                              <p:par>
-                                <p:cTn id="31" presetID="1" presetClass="entr" presetSubtype="0" fill="hold" nodeType="withEffect">
-                                  <p:stCondLst>
-                                    <p:cond delay="0"/>
-                                  </p:stCondLst>
-                                  <p:childTnLst>
-                                    <p:set>
-                                      <p:cBhvr>
-                                        <p:cTn id="32" dur="1" fill="hold">
-                                          <p:stCondLst>
-                                            <p:cond delay="0"/>
-                                          </p:stCondLst>
-                                        </p:cTn>
-                                        <p:tgtEl>
-                                          <p:spTgt spid="50"/>
-                                        </p:tgtEl>
-                                        <p:attrNameLst>
-                                          <p:attrName>style.visibility</p:attrName>
-                                        </p:attrNameLst>
-                                      </p:cBhvr>
-                                      <p:to>
-                                        <p:strVal val="visible"/>
-                                      </p:to>
-                                    </p:set>
-                                  </p:childTnLst>
-                                </p:cTn>
-                              </p:par>
-                              <p:par>
-                                <p:cTn id="33" presetID="1" presetClass="entr" presetSubtype="0" fill="hold" nodeType="withEffect">
-                                  <p:stCondLst>
-                                    <p:cond delay="0"/>
-                                  </p:stCondLst>
-                                  <p:childTnLst>
-                                    <p:set>
-                                      <p:cBhvr>
-                                        <p:cTn id="34" dur="1" fill="hold">
-                                          <p:stCondLst>
-                                            <p:cond delay="0"/>
-                                          </p:stCondLst>
-                                        </p:cTn>
-                                        <p:tgtEl>
-                                          <p:spTgt spid="51"/>
-                                        </p:tgtEl>
-                                        <p:attrNameLst>
-                                          <p:attrName>style.visibility</p:attrName>
-                                        </p:attrNameLst>
-                                      </p:cBhvr>
-                                      <p:to>
-                                        <p:strVal val="visible"/>
-                                      </p:to>
-                                    </p:set>
-                                  </p:childTnLst>
-                                </p:cTn>
-                              </p:par>
-                              <p:par>
-                                <p:cTn id="35" presetID="1" presetClass="entr" presetSubtype="0" fill="hold" grpId="0" nodeType="withEffect">
-                                  <p:stCondLst>
-                                    <p:cond delay="0"/>
-                                  </p:stCondLst>
-                                  <p:childTnLst>
-                                    <p:set>
-                                      <p:cBhvr>
-                                        <p:cTn id="36" dur="1" fill="hold">
-                                          <p:stCondLst>
-                                            <p:cond delay="0"/>
-                                          </p:stCondLst>
-                                        </p:cTn>
-                                        <p:tgtEl>
-                                          <p:spTgt spid="52"/>
-                                        </p:tgtEl>
-                                        <p:attrNameLst>
-                                          <p:attrName>style.visibility</p:attrName>
-                                        </p:attrNameLst>
-                                      </p:cBhvr>
-                                      <p:to>
-                                        <p:strVal val="visible"/>
-                                      </p:to>
-                                    </p:set>
-                                  </p:childTnLst>
-                                </p:cTn>
-                              </p:par>
-                            </p:childTnLst>
-                          </p:cTn>
-                        </p:par>
-                      </p:childTnLst>
-                    </p:cTn>
-                  </p:par>
-                </p:childTnLst>
-              </p:cTn>
-              <p:prevCondLst>
-                <p:cond evt="onPrev" delay="0">
-                  <p:tgtEl>
-                    <p:sldTgt/>
-                  </p:tgtEl>
-                </p:cond>
-              </p:prevCondLst>
-              <p:nextCondLst>
-                <p:cond evt="onNext" delay="0">
-                  <p:tgtEl>
-                    <p:sldTgt/>
-                  </p:tgtEl>
-                </p:cond>
-              </p:nextCondLst>
-            </p:seq>
-          </p:childTnLst>
-        </p:cTn>
+        <p:cTn id="1" dur="indefinite" restart="never" nodeType="tmRoot"/>
       </p:par>
     </p:tnLst>
-    <p:bldLst>
-      <p:bldP spid="53" grpId="0" animBg="1"/>
-      <p:bldP spid="35" grpId="0"/>
-      <p:bldP spid="37" grpId="0"/>
-      <p:bldP spid="41" grpId="0"/>
-      <p:bldP spid="52" grpId="0"/>
-    </p:bldLst>
   </p:timing>
 </p:sld>
 </file>
@@ -8224,7 +7705,7 @@
           </a:ln>
           <a:extLst>
             <a:ext uri="{C572A759-6A51-4108-AA02-DFA0A04FC94B}">
-              <ma14:wrappingTextBoxFlag xmlns="" xmlns:ma14="http://schemas.microsoft.com/office/mac/drawingml/2011/main" val="1"/>
+              <ma14:wrappingTextBoxFlag xmlns:ma14="http://schemas.microsoft.com/office/mac/drawingml/2011/main" xmlns="" val="1"/>
             </a:ext>
           </a:extLst>
         </p:spPr>
@@ -9228,274 +8709,9 @@
   <p:timing>
     <p:tnLst>
       <p:par>
-        <p:cTn id="1" dur="indefinite" restart="never" nodeType="tmRoot">
-          <p:childTnLst>
-            <p:seq concurrent="1" nextAc="seek">
-              <p:cTn id="2" dur="indefinite" nodeType="mainSeq">
-                <p:childTnLst>
-                  <p:par>
-                    <p:cTn id="3" fill="hold">
-                      <p:stCondLst>
-                        <p:cond delay="indefinite"/>
-                      </p:stCondLst>
-                      <p:childTnLst>
-                        <p:par>
-                          <p:cTn id="4" fill="hold">
-                            <p:stCondLst>
-                              <p:cond delay="0"/>
-                            </p:stCondLst>
-                            <p:childTnLst>
-                              <p:par>
-                                <p:cTn id="5" presetID="1" presetClass="entr" presetSubtype="0" fill="hold" grpId="0" nodeType="clickEffect">
-                                  <p:stCondLst>
-                                    <p:cond delay="0"/>
-                                  </p:stCondLst>
-                                  <p:childTnLst>
-                                    <p:set>
-                                      <p:cBhvr>
-                                        <p:cTn id="6" dur="1" fill="hold">
-                                          <p:stCondLst>
-                                            <p:cond delay="0"/>
-                                          </p:stCondLst>
-                                        </p:cTn>
-                                        <p:tgtEl>
-                                          <p:spTgt spid="25"/>
-                                        </p:tgtEl>
-                                        <p:attrNameLst>
-                                          <p:attrName>style.visibility</p:attrName>
-                                        </p:attrNameLst>
-                                      </p:cBhvr>
-                                      <p:to>
-                                        <p:strVal val="visible"/>
-                                      </p:to>
-                                    </p:set>
-                                  </p:childTnLst>
-                                </p:cTn>
-                              </p:par>
-                              <p:par>
-                                <p:cTn id="7" presetID="1" presetClass="entr" presetSubtype="0" fill="hold" grpId="0" nodeType="withEffect">
-                                  <p:stCondLst>
-                                    <p:cond delay="0"/>
-                                  </p:stCondLst>
-                                  <p:childTnLst>
-                                    <p:set>
-                                      <p:cBhvr>
-                                        <p:cTn id="8" dur="1" fill="hold">
-                                          <p:stCondLst>
-                                            <p:cond delay="0"/>
-                                          </p:stCondLst>
-                                        </p:cTn>
-                                        <p:tgtEl>
-                                          <p:spTgt spid="26"/>
-                                        </p:tgtEl>
-                                        <p:attrNameLst>
-                                          <p:attrName>style.visibility</p:attrName>
-                                        </p:attrNameLst>
-                                      </p:cBhvr>
-                                      <p:to>
-                                        <p:strVal val="visible"/>
-                                      </p:to>
-                                    </p:set>
-                                  </p:childTnLst>
-                                </p:cTn>
-                              </p:par>
-                              <p:par>
-                                <p:cTn id="9" presetID="1" presetClass="entr" presetSubtype="0" fill="hold" grpId="0" nodeType="withEffect">
-                                  <p:stCondLst>
-                                    <p:cond delay="0"/>
-                                  </p:stCondLst>
-                                  <p:childTnLst>
-                                    <p:set>
-                                      <p:cBhvr>
-                                        <p:cTn id="10" dur="1" fill="hold">
-                                          <p:stCondLst>
-                                            <p:cond delay="0"/>
-                                          </p:stCondLst>
-                                        </p:cTn>
-                                        <p:tgtEl>
-                                          <p:spTgt spid="29"/>
-                                        </p:tgtEl>
-                                        <p:attrNameLst>
-                                          <p:attrName>style.visibility</p:attrName>
-                                        </p:attrNameLst>
-                                      </p:cBhvr>
-                                      <p:to>
-                                        <p:strVal val="visible"/>
-                                      </p:to>
-                                    </p:set>
-                                  </p:childTnLst>
-                                </p:cTn>
-                              </p:par>
-                              <p:par>
-                                <p:cTn id="11" presetID="1" presetClass="entr" presetSubtype="0" fill="hold" grpId="0" nodeType="withEffect">
-                                  <p:stCondLst>
-                                    <p:cond delay="0"/>
-                                  </p:stCondLst>
-                                  <p:childTnLst>
-                                    <p:set>
-                                      <p:cBhvr>
-                                        <p:cTn id="12" dur="1" fill="hold">
-                                          <p:stCondLst>
-                                            <p:cond delay="0"/>
-                                          </p:stCondLst>
-                                        </p:cTn>
-                                        <p:tgtEl>
-                                          <p:spTgt spid="32"/>
-                                        </p:tgtEl>
-                                        <p:attrNameLst>
-                                          <p:attrName>style.visibility</p:attrName>
-                                        </p:attrNameLst>
-                                      </p:cBhvr>
-                                      <p:to>
-                                        <p:strVal val="visible"/>
-                                      </p:to>
-                                    </p:set>
-                                  </p:childTnLst>
-                                </p:cTn>
-                              </p:par>
-                              <p:par>
-                                <p:cTn id="13" presetID="1" presetClass="entr" presetSubtype="0" fill="hold" nodeType="withEffect">
-                                  <p:stCondLst>
-                                    <p:cond delay="0"/>
-                                  </p:stCondLst>
-                                  <p:childTnLst>
-                                    <p:set>
-                                      <p:cBhvr>
-                                        <p:cTn id="14" dur="1" fill="hold">
-                                          <p:stCondLst>
-                                            <p:cond delay="0"/>
-                                          </p:stCondLst>
-                                        </p:cTn>
-                                        <p:tgtEl>
-                                          <p:spTgt spid="33"/>
-                                        </p:tgtEl>
-                                        <p:attrNameLst>
-                                          <p:attrName>style.visibility</p:attrName>
-                                        </p:attrNameLst>
-                                      </p:cBhvr>
-                                      <p:to>
-                                        <p:strVal val="visible"/>
-                                      </p:to>
-                                    </p:set>
-                                  </p:childTnLst>
-                                </p:cTn>
-                              </p:par>
-                              <p:par>
-                                <p:cTn id="15" presetID="1" presetClass="entr" presetSubtype="0" fill="hold" grpId="0" nodeType="withEffect">
-                                  <p:stCondLst>
-                                    <p:cond delay="0"/>
-                                  </p:stCondLst>
-                                  <p:childTnLst>
-                                    <p:set>
-                                      <p:cBhvr>
-                                        <p:cTn id="16" dur="1" fill="hold">
-                                          <p:stCondLst>
-                                            <p:cond delay="0"/>
-                                          </p:stCondLst>
-                                        </p:cTn>
-                                        <p:tgtEl>
-                                          <p:spTgt spid="34"/>
-                                        </p:tgtEl>
-                                        <p:attrNameLst>
-                                          <p:attrName>style.visibility</p:attrName>
-                                        </p:attrNameLst>
-                                      </p:cBhvr>
-                                      <p:to>
-                                        <p:strVal val="visible"/>
-                                      </p:to>
-                                    </p:set>
-                                  </p:childTnLst>
-                                </p:cTn>
-                              </p:par>
-                              <p:par>
-                                <p:cTn id="17" presetID="1" presetClass="entr" presetSubtype="0" fill="hold" nodeType="withEffect">
-                                  <p:stCondLst>
-                                    <p:cond delay="0"/>
-                                  </p:stCondLst>
-                                  <p:childTnLst>
-                                    <p:set>
-                                      <p:cBhvr>
-                                        <p:cTn id="18" dur="1" fill="hold">
-                                          <p:stCondLst>
-                                            <p:cond delay="0"/>
-                                          </p:stCondLst>
-                                        </p:cTn>
-                                        <p:tgtEl>
-                                          <p:spTgt spid="35"/>
-                                        </p:tgtEl>
-                                        <p:attrNameLst>
-                                          <p:attrName>style.visibility</p:attrName>
-                                        </p:attrNameLst>
-                                      </p:cBhvr>
-                                      <p:to>
-                                        <p:strVal val="visible"/>
-                                      </p:to>
-                                    </p:set>
-                                  </p:childTnLst>
-                                </p:cTn>
-                              </p:par>
-                              <p:par>
-                                <p:cTn id="19" presetID="1" presetClass="entr" presetSubtype="0" fill="hold" grpId="0" nodeType="withEffect">
-                                  <p:stCondLst>
-                                    <p:cond delay="0"/>
-                                  </p:stCondLst>
-                                  <p:childTnLst>
-                                    <p:set>
-                                      <p:cBhvr>
-                                        <p:cTn id="20" dur="1" fill="hold">
-                                          <p:stCondLst>
-                                            <p:cond delay="0"/>
-                                          </p:stCondLst>
-                                        </p:cTn>
-                                        <p:tgtEl>
-                                          <p:spTgt spid="36"/>
-                                        </p:tgtEl>
-                                        <p:attrNameLst>
-                                          <p:attrName>style.visibility</p:attrName>
-                                        </p:attrNameLst>
-                                      </p:cBhvr>
-                                      <p:to>
-                                        <p:strVal val="visible"/>
-                                      </p:to>
-                                    </p:set>
-                                  </p:childTnLst>
-                                </p:cTn>
-                              </p:par>
-                            </p:childTnLst>
-                          </p:cTn>
-                        </p:par>
-                      </p:childTnLst>
-                    </p:cTn>
-                  </p:par>
-                </p:childTnLst>
-              </p:cTn>
-              <p:prevCondLst>
-                <p:cond evt="onPrev" delay="0">
-                  <p:tgtEl>
-                    <p:sldTgt/>
-                  </p:tgtEl>
-                </p:cond>
-              </p:prevCondLst>
-              <p:nextCondLst>
-                <p:cond evt="onNext" delay="0">
-                  <p:tgtEl>
-                    <p:sldTgt/>
-                  </p:tgtEl>
-                </p:cond>
-              </p:nextCondLst>
-            </p:seq>
-          </p:childTnLst>
-        </p:cTn>
+        <p:cTn id="1" dur="indefinite" restart="never" nodeType="tmRoot"/>
       </p:par>
     </p:tnLst>
-    <p:bldLst>
-      <p:bldP spid="25" grpId="0"/>
-      <p:bldP spid="26" grpId="0"/>
-      <p:bldP spid="29" grpId="0"/>
-      <p:bldP spid="32" grpId="0" animBg="1"/>
-      <p:bldP spid="34" grpId="0" animBg="1"/>
-      <p:bldP spid="36" grpId="0"/>
-    </p:bldLst>
   </p:timing>
 </p:sld>
 </file>
@@ -9542,7 +8758,7 @@
           </a:ln>
           <a:extLst>
             <a:ext uri="{C572A759-6A51-4108-AA02-DFA0A04FC94B}">
-              <ma14:wrappingTextBoxFlag xmlns="" xmlns:ma14="http://schemas.microsoft.com/office/mac/drawingml/2011/main" val="1"/>
+              <ma14:wrappingTextBoxFlag xmlns:ma14="http://schemas.microsoft.com/office/mac/drawingml/2011/main" xmlns="" val="1"/>
             </a:ext>
           </a:extLst>
         </p:spPr>
@@ -9837,7 +9053,7 @@
           </a:ln>
           <a:extLst>
             <a:ext uri="{C572A759-6A51-4108-AA02-DFA0A04FC94B}">
-              <ma14:wrappingTextBoxFlag xmlns="" xmlns:ma14="http://schemas.microsoft.com/office/mac/drawingml/2011/main" val="1"/>
+              <ma14:wrappingTextBoxFlag xmlns:ma14="http://schemas.microsoft.com/office/mac/drawingml/2011/main" xmlns="" val="1"/>
             </a:ext>
           </a:extLst>
         </p:spPr>
@@ -10252,7 +9468,7 @@
           </a:ln>
           <a:extLst>
             <a:ext uri="{C572A759-6A51-4108-AA02-DFA0A04FC94B}">
-              <ma14:wrappingTextBoxFlag xmlns="" xmlns:ma14="http://schemas.microsoft.com/office/mac/drawingml/2011/main" val="1"/>
+              <ma14:wrappingTextBoxFlag xmlns:ma14="http://schemas.microsoft.com/office/mac/drawingml/2011/main" xmlns="" val="1"/>
             </a:ext>
           </a:extLst>
         </p:spPr>
@@ -10685,7 +9901,7 @@
           </a:ln>
           <a:extLst>
             <a:ext uri="{C572A759-6A51-4108-AA02-DFA0A04FC94B}">
-              <ma14:wrappingTextBoxFlag xmlns="" xmlns:ma14="http://schemas.microsoft.com/office/mac/drawingml/2011/main" val="1"/>
+              <ma14:wrappingTextBoxFlag xmlns:ma14="http://schemas.microsoft.com/office/mac/drawingml/2011/main" xmlns="" val="1"/>
             </a:ext>
           </a:extLst>
         </p:spPr>
@@ -10941,7 +10157,7 @@
           </a:ln>
           <a:extLst>
             <a:ext uri="{C572A759-6A51-4108-AA02-DFA0A04FC94B}">
-              <ma14:wrappingTextBoxFlag xmlns="" xmlns:ma14="http://schemas.microsoft.com/office/mac/drawingml/2011/main" val="1"/>
+              <ma14:wrappingTextBoxFlag xmlns:ma14="http://schemas.microsoft.com/office/mac/drawingml/2011/main" xmlns="" val="1"/>
             </a:ext>
           </a:extLst>
         </p:spPr>
@@ -11487,6 +10703,13 @@
   <p:clrMapOvr>
     <a:masterClrMapping/>
   </p:clrMapOvr>
+  <p:timing>
+    <p:tnLst>
+      <p:par>
+        <p:cTn id="1" dur="indefinite" restart="never" nodeType="tmRoot"/>
+      </p:par>
+    </p:tnLst>
+  </p:timing>
 </p:sld>
 </file>
 
@@ -11532,7 +10755,7 @@
           </a:ln>
           <a:extLst>
             <a:ext uri="{C572A759-6A51-4108-AA02-DFA0A04FC94B}">
-              <ma14:wrappingTextBoxFlag xmlns="" xmlns:ma14="http://schemas.microsoft.com/office/mac/drawingml/2011/main" val="1"/>
+              <ma14:wrappingTextBoxFlag xmlns:ma14="http://schemas.microsoft.com/office/mac/drawingml/2011/main" xmlns="" val="1"/>
             </a:ext>
           </a:extLst>
         </p:spPr>
@@ -11779,6 +11002,13 @@
   <p:clrMapOvr>
     <a:masterClrMapping/>
   </p:clrMapOvr>
+  <p:timing>
+    <p:tnLst>
+      <p:par>
+        <p:cTn id="1" dur="indefinite" restart="never" nodeType="tmRoot"/>
+      </p:par>
+    </p:tnLst>
+  </p:timing>
 </p:sld>
 </file>
 
@@ -11824,7 +11054,7 @@
           </a:ln>
           <a:extLst>
             <a:ext uri="{C572A759-6A51-4108-AA02-DFA0A04FC94B}">
-              <ma14:wrappingTextBoxFlag xmlns="" xmlns:ma14="http://schemas.microsoft.com/office/mac/drawingml/2011/main" val="1"/>
+              <ma14:wrappingTextBoxFlag xmlns:ma14="http://schemas.microsoft.com/office/mac/drawingml/2011/main" xmlns="" val="1"/>
             </a:ext>
           </a:extLst>
         </p:spPr>
@@ -12647,6 +11877,13 @@
   <p:clrMapOvr>
     <a:masterClrMapping/>
   </p:clrMapOvr>
+  <p:timing>
+    <p:tnLst>
+      <p:par>
+        <p:cTn id="1" dur="indefinite" restart="never" nodeType="tmRoot"/>
+      </p:par>
+    </p:tnLst>
+  </p:timing>
 </p:sld>
 </file>
 
@@ -12854,7 +12091,7 @@
           </a:ln>
           <a:extLst>
             <a:ext uri="{C572A759-6A51-4108-AA02-DFA0A04FC94B}">
-              <ma14:wrappingTextBoxFlag xmlns="" xmlns:ma14="http://schemas.microsoft.com/office/mac/drawingml/2011/main" val="1"/>
+              <ma14:wrappingTextBoxFlag xmlns:ma14="http://schemas.microsoft.com/office/mac/drawingml/2011/main" xmlns="" val="1"/>
             </a:ext>
           </a:extLst>
         </p:spPr>
@@ -13181,6 +12418,13 @@
   <p:clrMapOvr>
     <a:masterClrMapping/>
   </p:clrMapOvr>
+  <p:timing>
+    <p:tnLst>
+      <p:par>
+        <p:cTn id="1" dur="indefinite" restart="never" nodeType="tmRoot"/>
+      </p:par>
+    </p:tnLst>
+  </p:timing>
 </p:sld>
 </file>
 
@@ -13274,7 +12518,7 @@
           </a:ln>
           <a:extLst>
             <a:ext uri="{C572A759-6A51-4108-AA02-DFA0A04FC94B}">
-              <ma14:wrappingTextBoxFlag xmlns="" xmlns:ma14="http://schemas.microsoft.com/office/mac/drawingml/2011/main" val="1"/>
+              <ma14:wrappingTextBoxFlag xmlns:ma14="http://schemas.microsoft.com/office/mac/drawingml/2011/main" xmlns="" val="1"/>
             </a:ext>
           </a:extLst>
         </p:spPr>
@@ -13912,6 +13156,13 @@
   <p:clrMapOvr>
     <a:masterClrMapping/>
   </p:clrMapOvr>
+  <p:timing>
+    <p:tnLst>
+      <p:par>
+        <p:cTn id="1" dur="indefinite" restart="never" nodeType="tmRoot"/>
+      </p:par>
+    </p:tnLst>
+  </p:timing>
 </p:sld>
 </file>
 
@@ -13981,7 +13232,7 @@
           </a:ln>
           <a:extLst>
             <a:ext uri="{C572A759-6A51-4108-AA02-DFA0A04FC94B}">
-              <ma14:wrappingTextBoxFlag xmlns="" xmlns:ma14="http://schemas.microsoft.com/office/mac/drawingml/2011/main" val="1"/>
+              <ma14:wrappingTextBoxFlag xmlns:ma14="http://schemas.microsoft.com/office/mac/drawingml/2011/main" xmlns="" val="1"/>
             </a:ext>
           </a:extLst>
         </p:spPr>
@@ -14467,6 +13718,13 @@
   <p:clrMapOvr>
     <a:masterClrMapping/>
   </p:clrMapOvr>
+  <p:timing>
+    <p:tnLst>
+      <p:par>
+        <p:cTn id="1" dur="indefinite" restart="never" nodeType="tmRoot"/>
+      </p:par>
+    </p:tnLst>
+  </p:timing>
 </p:sld>
 </file>
 
@@ -14512,7 +13770,7 @@
           </a:ln>
           <a:extLst>
             <a:ext uri="{C572A759-6A51-4108-AA02-DFA0A04FC94B}">
-              <ma14:wrappingTextBoxFlag xmlns="" xmlns:ma14="http://schemas.microsoft.com/office/mac/drawingml/2011/main" val="1"/>
+              <ma14:wrappingTextBoxFlag xmlns:ma14="http://schemas.microsoft.com/office/mac/drawingml/2011/main" xmlns="" val="1"/>
             </a:ext>
           </a:extLst>
         </p:spPr>
@@ -14863,7 +14121,7 @@
           </a:ln>
           <a:extLst>
             <a:ext uri="{C572A759-6A51-4108-AA02-DFA0A04FC94B}">
-              <ma14:wrappingTextBoxFlag xmlns="" xmlns:ma14="http://schemas.microsoft.com/office/mac/drawingml/2011/main" val="1"/>
+              <ma14:wrappingTextBoxFlag xmlns:ma14="http://schemas.microsoft.com/office/mac/drawingml/2011/main" xmlns="" val="1"/>
             </a:ext>
           </a:extLst>
         </p:spPr>
@@ -15413,6 +14671,13 @@
   <p:clrMapOvr>
     <a:masterClrMapping/>
   </p:clrMapOvr>
+  <p:timing>
+    <p:tnLst>
+      <p:par>
+        <p:cTn id="1" dur="indefinite" restart="never" nodeType="tmRoot"/>
+      </p:par>
+    </p:tnLst>
+  </p:timing>
 </p:sld>
 </file>
 

--- a/3_CustomizeModel1_AddParameter/OpenModelica_Tutorials_3.pptx
+++ b/3_CustomizeModel1_AddParameter/OpenModelica_Tutorials_3.pptx
@@ -143,10 +143,6 @@
 </p:presentation>
 </file>
 
-<file path=ppt/revisionInfo.xml><?xml version="1.0" encoding="utf-8"?>
-<p1510:revInfo xmlns:a="http://schemas.openxmlformats.org/drawingml/2006/main" xmlns:r="http://schemas.openxmlformats.org/officeDocument/2006/relationships" xmlns:p1510="http://schemas.microsoft.com/office/powerpoint/2015/10/main"/>
-</file>
-
 <file path=ppt/notesMasters/notesMaster1.xml><?xml version="1.0" encoding="utf-8"?>
 <p:notesMaster xmlns:a="http://schemas.openxmlformats.org/drawingml/2006/main" xmlns:r="http://schemas.openxmlformats.org/officeDocument/2006/relationships" xmlns:p="http://schemas.openxmlformats.org/presentationml/2006/main">
   <p:cSld>
@@ -229,7 +225,7 @@
           <a:p>
             <a:fld id="{6C5F9923-15C0-4701-9004-BA8A423A0EA6}" type="datetimeFigureOut">
               <a:rPr kumimoji="1" lang="ja-JP" altLang="en-US" smtClean="0"/>
-              <a:t>2020/4/10</a:t>
+              <a:t>2021/8/23</a:t>
             </a:fld>
             <a:endParaRPr kumimoji="1" lang="ja-JP" altLang="en-US"/>
           </a:p>
@@ -293,70 +289,69 @@
           <a:p>
             <a:pPr lvl="0"/>
             <a:r>
-              <a:rPr kumimoji="1" lang="ja-JP" altLang="en-US" smtClean="0"/>
+              <a:rPr kumimoji="1" lang="ja-JP" altLang="en-US"/>
               <a:t>マスター テキストの書式設定</a:t>
             </a:r>
           </a:p>
           <a:p>
             <a:pPr lvl="1"/>
             <a:r>
-              <a:rPr kumimoji="1" lang="ja-JP" altLang="en-US" smtClean="0"/>
+              <a:rPr kumimoji="1" lang="ja-JP" altLang="en-US"/>
               <a:t>第 </a:t>
             </a:r>
             <a:r>
-              <a:rPr kumimoji="1" lang="en-US" altLang="ja-JP" smtClean="0"/>
+              <a:rPr kumimoji="1" lang="en-US" altLang="ja-JP"/>
               <a:t>2 </a:t>
             </a:r>
             <a:r>
-              <a:rPr kumimoji="1" lang="ja-JP" altLang="en-US" smtClean="0"/>
+              <a:rPr kumimoji="1" lang="ja-JP" altLang="en-US"/>
               <a:t>レベル</a:t>
             </a:r>
           </a:p>
           <a:p>
             <a:pPr lvl="2"/>
             <a:r>
-              <a:rPr kumimoji="1" lang="ja-JP" altLang="en-US" smtClean="0"/>
+              <a:rPr kumimoji="1" lang="ja-JP" altLang="en-US"/>
               <a:t>第 </a:t>
             </a:r>
             <a:r>
-              <a:rPr kumimoji="1" lang="en-US" altLang="ja-JP" smtClean="0"/>
+              <a:rPr kumimoji="1" lang="en-US" altLang="ja-JP"/>
               <a:t>3 </a:t>
             </a:r>
             <a:r>
-              <a:rPr kumimoji="1" lang="ja-JP" altLang="en-US" smtClean="0"/>
+              <a:rPr kumimoji="1" lang="ja-JP" altLang="en-US"/>
               <a:t>レベル</a:t>
             </a:r>
           </a:p>
           <a:p>
             <a:pPr lvl="3"/>
             <a:r>
-              <a:rPr kumimoji="1" lang="ja-JP" altLang="en-US" smtClean="0"/>
+              <a:rPr kumimoji="1" lang="ja-JP" altLang="en-US"/>
               <a:t>第 </a:t>
             </a:r>
             <a:r>
-              <a:rPr kumimoji="1" lang="en-US" altLang="ja-JP" smtClean="0"/>
+              <a:rPr kumimoji="1" lang="en-US" altLang="ja-JP"/>
               <a:t>4 </a:t>
             </a:r>
             <a:r>
-              <a:rPr kumimoji="1" lang="ja-JP" altLang="en-US" smtClean="0"/>
+              <a:rPr kumimoji="1" lang="ja-JP" altLang="en-US"/>
               <a:t>レベル</a:t>
             </a:r>
           </a:p>
           <a:p>
             <a:pPr lvl="4"/>
             <a:r>
-              <a:rPr kumimoji="1" lang="ja-JP" altLang="en-US" smtClean="0"/>
+              <a:rPr kumimoji="1" lang="ja-JP" altLang="en-US"/>
               <a:t>第 </a:t>
             </a:r>
             <a:r>
-              <a:rPr kumimoji="1" lang="en-US" altLang="ja-JP" smtClean="0"/>
+              <a:rPr kumimoji="1" lang="en-US" altLang="ja-JP"/>
               <a:t>5 </a:t>
             </a:r>
             <a:r>
-              <a:rPr kumimoji="1" lang="ja-JP" altLang="en-US" smtClean="0"/>
+              <a:rPr kumimoji="1" lang="ja-JP" altLang="en-US"/>
               <a:t>レベル</a:t>
             </a:r>
-            <a:endParaRPr kumimoji="1" lang="ja-JP" altLang="en-US"/>
           </a:p>
         </p:txBody>
       </p:sp>
@@ -676,7 +671,7 @@
           <a:p>
             <a:fld id="{A19AFA6F-A114-4911-AC81-2CC3E3905A3F}" type="datetime1">
               <a:rPr kumimoji="1" lang="ja-JP" altLang="en-US" smtClean="0"/>
-              <a:t>2020/4/10</a:t>
+              <a:t>2021/8/23</a:t>
             </a:fld>
             <a:endParaRPr kumimoji="1" lang="ja-JP" altLang="en-US"/>
           </a:p>
@@ -906,7 +901,7 @@
           <a:p>
             <a:fld id="{9891354D-01B9-4640-9746-3E8903EAEDC9}" type="datetime1">
               <a:rPr kumimoji="1" lang="ja-JP" altLang="en-US" smtClean="0"/>
-              <a:t>2020/4/10</a:t>
+              <a:t>2021/8/23</a:t>
             </a:fld>
             <a:endParaRPr kumimoji="1" lang="ja-JP" altLang="en-US"/>
           </a:p>
@@ -1146,7 +1141,7 @@
           <a:p>
             <a:fld id="{694E198E-5958-44F4-BBF5-1BA90C67DE05}" type="datetime1">
               <a:rPr kumimoji="1" lang="ja-JP" altLang="en-US" smtClean="0"/>
-              <a:t>2020/4/10</a:t>
+              <a:t>2021/8/23</a:t>
             </a:fld>
             <a:endParaRPr kumimoji="1" lang="ja-JP" altLang="en-US"/>
           </a:p>
@@ -1376,7 +1371,7 @@
           <a:p>
             <a:fld id="{0C6F6A9C-61BE-4956-B50B-23EB8D14B857}" type="datetime1">
               <a:rPr kumimoji="1" lang="ja-JP" altLang="en-US" smtClean="0"/>
-              <a:t>2020/4/10</a:t>
+              <a:t>2021/8/23</a:t>
             </a:fld>
             <a:endParaRPr kumimoji="1" lang="ja-JP" altLang="en-US"/>
           </a:p>
@@ -1651,7 +1646,7 @@
           <a:p>
             <a:fld id="{B372B444-9E52-4583-AC9D-A6AC73A13CF3}" type="datetime1">
               <a:rPr kumimoji="1" lang="ja-JP" altLang="en-US" smtClean="0"/>
-              <a:t>2020/4/10</a:t>
+              <a:t>2021/8/23</a:t>
             </a:fld>
             <a:endParaRPr kumimoji="1" lang="ja-JP" altLang="en-US"/>
           </a:p>
@@ -1980,7 +1975,7 @@
           <a:p>
             <a:fld id="{4AF7593F-AE02-48F9-852E-ADB168CFEBF1}" type="datetime1">
               <a:rPr kumimoji="1" lang="ja-JP" altLang="en-US" smtClean="0"/>
-              <a:t>2020/4/10</a:t>
+              <a:t>2021/8/23</a:t>
             </a:fld>
             <a:endParaRPr kumimoji="1" lang="ja-JP" altLang="en-US"/>
           </a:p>
@@ -2456,7 +2451,7 @@
           <a:p>
             <a:fld id="{69719388-0CF3-4636-BA91-A04B4FEBA899}" type="datetime1">
               <a:rPr kumimoji="1" lang="ja-JP" altLang="en-US" smtClean="0"/>
-              <a:t>2020/4/10</a:t>
+              <a:t>2021/8/23</a:t>
             </a:fld>
             <a:endParaRPr kumimoji="1" lang="ja-JP" altLang="en-US"/>
           </a:p>
@@ -2597,7 +2592,7 @@
           <a:p>
             <a:fld id="{5FCC729E-97CA-4AC1-BACC-2641240E14C2}" type="datetime1">
               <a:rPr kumimoji="1" lang="ja-JP" altLang="en-US" smtClean="0"/>
-              <a:t>2020/4/10</a:t>
+              <a:t>2021/8/23</a:t>
             </a:fld>
             <a:endParaRPr kumimoji="1" lang="ja-JP" altLang="en-US"/>
           </a:p>
@@ -2710,7 +2705,7 @@
           <a:p>
             <a:fld id="{685F4F07-2E43-4636-80D9-CEA92FD71485}" type="datetime1">
               <a:rPr kumimoji="1" lang="ja-JP" altLang="en-US" smtClean="0"/>
-              <a:t>2020/4/10</a:t>
+              <a:t>2021/8/23</a:t>
             </a:fld>
             <a:endParaRPr kumimoji="1" lang="ja-JP" altLang="en-US"/>
           </a:p>
@@ -3053,7 +3048,7 @@
           <a:p>
             <a:fld id="{70A38CCF-C2ED-45BE-A7C1-B70CEF3FEEAB}" type="datetime1">
               <a:rPr kumimoji="1" lang="ja-JP" altLang="en-US" smtClean="0"/>
-              <a:t>2020/4/10</a:t>
+              <a:t>2021/8/23</a:t>
             </a:fld>
             <a:endParaRPr kumimoji="1" lang="ja-JP" altLang="en-US"/>
           </a:p>
@@ -3341,7 +3336,7 @@
           <a:p>
             <a:fld id="{BB82C685-723B-4640-9001-D6EDE25D3C0C}" type="datetime1">
               <a:rPr kumimoji="1" lang="ja-JP" altLang="en-US" smtClean="0"/>
-              <a:t>2020/4/10</a:t>
+              <a:t>2021/8/23</a:t>
             </a:fld>
             <a:endParaRPr kumimoji="1" lang="ja-JP" altLang="en-US"/>
           </a:p>
@@ -3614,7 +3609,7 @@
           <a:p>
             <a:fld id="{AE40E139-DC09-4228-B5C7-AA95C2BB21CD}" type="datetime1">
               <a:rPr kumimoji="1" lang="ja-JP" altLang="en-US" smtClean="0"/>
-              <a:t>2020/4/10</a:t>
+              <a:t>2021/8/23</a:t>
             </a:fld>
             <a:endParaRPr kumimoji="1" lang="ja-JP" altLang="en-US"/>
           </a:p>
@@ -4116,70 +4111,6 @@
       </p:sp>
       <p:sp>
         <p:nvSpPr>
-          <p:cNvPr id="7" name="正方形/長方形 6">
-            <a:extLst>
-              <a:ext uri="{FF2B5EF4-FFF2-40B4-BE49-F238E27FC236}">
-                <a16:creationId xmlns:a16="http://schemas.microsoft.com/office/drawing/2014/main" id="{A7BA413E-930E-4D17-B5BB-7FE3F5879A34}"/>
-              </a:ext>
-            </a:extLst>
-          </p:cNvPr>
-          <p:cNvSpPr/>
-          <p:nvPr/>
-        </p:nvSpPr>
-        <p:spPr>
-          <a:xfrm>
-            <a:off x="3230707" y="5796050"/>
-            <a:ext cx="6096000" cy="1200329"/>
-          </a:xfrm>
-          <a:prstGeom prst="rect">
-            <a:avLst/>
-          </a:prstGeom>
-        </p:spPr>
-        <p:txBody>
-          <a:bodyPr>
-            <a:spAutoFit/>
-          </a:bodyPr>
-          <a:lstStyle/>
-          <a:p>
-            <a:pPr algn="ctr"/>
-            <a:r>
-              <a:rPr lang="en-US" altLang="ja-JP" dirty="0"/>
-              <a:t>Copyright (C) </a:t>
-            </a:r>
-            <a:r>
-              <a:rPr lang="en-US" altLang="ja-JP" dirty="0" smtClean="0"/>
-              <a:t>2020 </a:t>
-            </a:r>
-            <a:r>
-              <a:rPr lang="en-US" altLang="ja-JP" dirty="0"/>
-              <a:t>Shigenori Ueda</a:t>
-            </a:r>
-          </a:p>
-          <a:p>
-            <a:pPr algn="ctr"/>
-            <a:r>
-              <a:rPr lang="en-US" altLang="ja-JP" dirty="0"/>
-              <a:t>Released under the MIT license</a:t>
-            </a:r>
-          </a:p>
-          <a:p>
-            <a:pPr algn="ctr"/>
-            <a:r>
-              <a:rPr lang="en-US" altLang="ja-JP" dirty="0">
-                <a:hlinkClick r:id="rId2"/>
-              </a:rPr>
-              <a:t>https://opensource.org/licenses/mit-license.php</a:t>
-            </a:r>
-            <a:endParaRPr lang="en-US" altLang="ja-JP" dirty="0"/>
-          </a:p>
-          <a:p>
-            <a:pPr algn="ctr"/>
-            <a:endParaRPr lang="en-US" altLang="ja-JP" dirty="0"/>
-          </a:p>
-        </p:txBody>
-      </p:sp>
-      <p:sp>
-        <p:nvSpPr>
           <p:cNvPr id="3" name="スライド番号プレースホルダー 2"/>
           <p:cNvSpPr>
             <a:spLocks noGrp="1"/>
@@ -4198,6 +4129,205 @@
               <a:t>1</a:t>
             </a:fld>
             <a:endParaRPr kumimoji="1" lang="ja-JP" altLang="en-US"/>
+          </a:p>
+        </p:txBody>
+      </p:sp>
+      <p:pic>
+        <p:nvPicPr>
+          <p:cNvPr id="8" name="Picture 2" descr="by">
+            <a:extLst>
+              <a:ext uri="{FF2B5EF4-FFF2-40B4-BE49-F238E27FC236}">
+                <a16:creationId xmlns:a16="http://schemas.microsoft.com/office/drawing/2014/main" id="{8ECC8671-3B6A-4FA4-951A-CEEEBEB33B9C}"/>
+              </a:ext>
+            </a:extLst>
+          </p:cNvPr>
+          <p:cNvPicPr>
+            <a:picLocks noChangeAspect="1" noChangeArrowheads="1"/>
+          </p:cNvPicPr>
+          <p:nvPr/>
+        </p:nvPicPr>
+        <p:blipFill>
+          <a:blip r:embed="rId2">
+            <a:extLst>
+              <a:ext uri="{28A0092B-C50C-407E-A947-70E740481C1C}">
+                <a14:useLocalDpi xmlns:a14="http://schemas.microsoft.com/office/drawing/2010/main" val="0"/>
+              </a:ext>
+            </a:extLst>
+          </a:blip>
+          <a:srcRect/>
+          <a:stretch>
+            <a:fillRect/>
+          </a:stretch>
+        </p:blipFill>
+        <p:spPr bwMode="auto">
+          <a:xfrm>
+            <a:off x="2639595" y="5528090"/>
+            <a:ext cx="1419225" cy="495300"/>
+          </a:xfrm>
+          <a:prstGeom prst="rect">
+            <a:avLst/>
+          </a:prstGeom>
+          <a:noFill/>
+          <a:extLst>
+            <a:ext uri="{909E8E84-426E-40DD-AFC4-6F175D3DCCD1}">
+              <a14:hiddenFill xmlns:a14="http://schemas.microsoft.com/office/drawing/2010/main">
+                <a:solidFill>
+                  <a:srgbClr val="FFFFFF"/>
+                </a:solidFill>
+              </a14:hiddenFill>
+            </a:ext>
+          </a:extLst>
+        </p:spPr>
+      </p:pic>
+      <p:sp>
+        <p:nvSpPr>
+          <p:cNvPr id="9" name="テキスト ボックス 10">
+            <a:extLst>
+              <a:ext uri="{FF2B5EF4-FFF2-40B4-BE49-F238E27FC236}">
+                <a16:creationId xmlns:a16="http://schemas.microsoft.com/office/drawing/2014/main" id="{A2581A7F-6E2E-474F-AFCB-A73ED4A6B639}"/>
+              </a:ext>
+            </a:extLst>
+          </p:cNvPr>
+          <p:cNvSpPr txBox="1"/>
+          <p:nvPr/>
+        </p:nvSpPr>
+        <p:spPr>
+          <a:xfrm>
+            <a:off x="2534332" y="6075144"/>
+            <a:ext cx="7637686" cy="646331"/>
+          </a:xfrm>
+          <a:prstGeom prst="rect">
+            <a:avLst/>
+          </a:prstGeom>
+          <a:noFill/>
+        </p:spPr>
+        <p:txBody>
+          <a:bodyPr wrap="square">
+            <a:spAutoFit/>
+          </a:bodyPr>
+          <a:lstStyle>
+            <a:defPPr>
+              <a:defRPr lang="ja-JP"/>
+            </a:defPPr>
+            <a:lvl1pPr marL="0" algn="l" defTabSz="914400" rtl="0" eaLnBrk="1" latinLnBrk="0" hangingPunct="1">
+              <a:defRPr kumimoji="1" sz="1800" kern="1200">
+                <a:solidFill>
+                  <a:schemeClr val="tx1"/>
+                </a:solidFill>
+                <a:latin typeface="+mn-lt"/>
+                <a:ea typeface="+mn-ea"/>
+                <a:cs typeface="+mn-cs"/>
+              </a:defRPr>
+            </a:lvl1pPr>
+            <a:lvl2pPr marL="457200" algn="l" defTabSz="914400" rtl="0" eaLnBrk="1" latinLnBrk="0" hangingPunct="1">
+              <a:defRPr kumimoji="1" sz="1800" kern="1200">
+                <a:solidFill>
+                  <a:schemeClr val="tx1"/>
+                </a:solidFill>
+                <a:latin typeface="+mn-lt"/>
+                <a:ea typeface="+mn-ea"/>
+                <a:cs typeface="+mn-cs"/>
+              </a:defRPr>
+            </a:lvl2pPr>
+            <a:lvl3pPr marL="914400" algn="l" defTabSz="914400" rtl="0" eaLnBrk="1" latinLnBrk="0" hangingPunct="1">
+              <a:defRPr kumimoji="1" sz="1800" kern="1200">
+                <a:solidFill>
+                  <a:schemeClr val="tx1"/>
+                </a:solidFill>
+                <a:latin typeface="+mn-lt"/>
+                <a:ea typeface="+mn-ea"/>
+                <a:cs typeface="+mn-cs"/>
+              </a:defRPr>
+            </a:lvl3pPr>
+            <a:lvl4pPr marL="1371600" algn="l" defTabSz="914400" rtl="0" eaLnBrk="1" latinLnBrk="0" hangingPunct="1">
+              <a:defRPr kumimoji="1" sz="1800" kern="1200">
+                <a:solidFill>
+                  <a:schemeClr val="tx1"/>
+                </a:solidFill>
+                <a:latin typeface="+mn-lt"/>
+                <a:ea typeface="+mn-ea"/>
+                <a:cs typeface="+mn-cs"/>
+              </a:defRPr>
+            </a:lvl4pPr>
+            <a:lvl5pPr marL="1828800" algn="l" defTabSz="914400" rtl="0" eaLnBrk="1" latinLnBrk="0" hangingPunct="1">
+              <a:defRPr kumimoji="1" sz="1800" kern="1200">
+                <a:solidFill>
+                  <a:schemeClr val="tx1"/>
+                </a:solidFill>
+                <a:latin typeface="+mn-lt"/>
+                <a:ea typeface="+mn-ea"/>
+                <a:cs typeface="+mn-cs"/>
+              </a:defRPr>
+            </a:lvl5pPr>
+            <a:lvl6pPr marL="2286000" algn="l" defTabSz="914400" rtl="0" eaLnBrk="1" latinLnBrk="0" hangingPunct="1">
+              <a:defRPr kumimoji="1" sz="1800" kern="1200">
+                <a:solidFill>
+                  <a:schemeClr val="tx1"/>
+                </a:solidFill>
+                <a:latin typeface="+mn-lt"/>
+                <a:ea typeface="+mn-ea"/>
+                <a:cs typeface="+mn-cs"/>
+              </a:defRPr>
+            </a:lvl6pPr>
+            <a:lvl7pPr marL="2743200" algn="l" defTabSz="914400" rtl="0" eaLnBrk="1" latinLnBrk="0" hangingPunct="1">
+              <a:defRPr kumimoji="1" sz="1800" kern="1200">
+                <a:solidFill>
+                  <a:schemeClr val="tx1"/>
+                </a:solidFill>
+                <a:latin typeface="+mn-lt"/>
+                <a:ea typeface="+mn-ea"/>
+                <a:cs typeface="+mn-cs"/>
+              </a:defRPr>
+            </a:lvl7pPr>
+            <a:lvl8pPr marL="3200400" algn="l" defTabSz="914400" rtl="0" eaLnBrk="1" latinLnBrk="0" hangingPunct="1">
+              <a:defRPr kumimoji="1" sz="1800" kern="1200">
+                <a:solidFill>
+                  <a:schemeClr val="tx1"/>
+                </a:solidFill>
+                <a:latin typeface="+mn-lt"/>
+                <a:ea typeface="+mn-ea"/>
+                <a:cs typeface="+mn-cs"/>
+              </a:defRPr>
+            </a:lvl8pPr>
+            <a:lvl9pPr marL="3657600" algn="l" defTabSz="914400" rtl="0" eaLnBrk="1" latinLnBrk="0" hangingPunct="1">
+              <a:defRPr kumimoji="1" sz="1800" kern="1200">
+                <a:solidFill>
+                  <a:schemeClr val="tx1"/>
+                </a:solidFill>
+                <a:latin typeface="+mn-lt"/>
+                <a:ea typeface="+mn-ea"/>
+                <a:cs typeface="+mn-cs"/>
+              </a:defRPr>
+            </a:lvl9pPr>
+          </a:lstStyle>
+          <a:p>
+            <a:r>
+              <a:rPr lang="ja-JP" altLang="en-US" dirty="0"/>
+              <a:t>“</a:t>
+            </a:r>
+            <a:r>
+              <a:rPr lang="en-US" altLang="ja-JP" dirty="0"/>
+              <a:t>OpenModelica tutorial for beginner 3 CustomizeModel1</a:t>
+            </a:r>
+            <a:r>
+              <a:rPr lang="ja-JP" altLang="en-US" dirty="0"/>
+              <a:t>” by </a:t>
+            </a:r>
+            <a:r>
+              <a:rPr lang="en-US" altLang="ja-JP" dirty="0" err="1"/>
+              <a:t>UedaShigenori</a:t>
+            </a:r>
+            <a:r>
+              <a:rPr lang="ja-JP" altLang="en-US" dirty="0"/>
+              <a:t> is licensed under </a:t>
+            </a:r>
+            <a:r>
+              <a:rPr lang="ja-JP" altLang="en-US" dirty="0">
+                <a:hlinkClick r:id="rId3"/>
+              </a:rPr>
+              <a:t>CC BY 2.0﻿</a:t>
+            </a:r>
+            <a:endParaRPr lang="ja-JP" altLang="en-US" dirty="0"/>
           </a:p>
         </p:txBody>
       </p:sp>
@@ -4211,13 +4341,6 @@
   <p:clrMapOvr>
     <a:masterClrMapping/>
   </p:clrMapOvr>
-  <p:timing>
-    <p:tnLst>
-      <p:par>
-        <p:cTn id="1" dur="indefinite" restart="never" nodeType="tmRoot"/>
-      </p:par>
-    </p:tnLst>
-  </p:timing>
 </p:sld>
 </file>
 
@@ -4315,7 +4438,7 @@
           </a:ln>
           <a:extLst>
             <a:ext uri="{C572A759-6A51-4108-AA02-DFA0A04FC94B}">
-              <ma14:wrappingTextBoxFlag xmlns:ma14="http://schemas.microsoft.com/office/mac/drawingml/2011/main" xmlns="" val="1"/>
+              <ma14:wrappingTextBoxFlag xmlns="" xmlns:ma14="http://schemas.microsoft.com/office/mac/drawingml/2011/main" val="1"/>
             </a:ext>
           </a:extLst>
         </p:spPr>
@@ -4334,12 +4457,8 @@
               </a:defRPr>
             </a:pPr>
             <a:r>
-              <a:rPr lang="ja-JP" altLang="en-US" dirty="0" smtClean="0"/>
-              <a:t>復習　コード</a:t>
-            </a:r>
-            <a:r>
               <a:rPr lang="ja-JP" altLang="en-US" dirty="0"/>
-              <a:t>の概要</a:t>
+              <a:t>復習　コードの概要</a:t>
             </a:r>
             <a:endParaRPr lang="en-US" altLang="ja-JP" dirty="0"/>
           </a:p>
@@ -4388,47 +4507,35 @@
               <a:t>この範囲を便宜的に</a:t>
             </a:r>
             <a:r>
-              <a:rPr lang="ja-JP" altLang="en-US" b="1" dirty="0" smtClean="0"/>
+              <a:rPr lang="ja-JP" altLang="en-US" b="1" dirty="0"/>
               <a:t>「</a:t>
             </a:r>
             <a:r>
               <a:rPr lang="en-US" altLang="ja-JP" b="1" dirty="0"/>
-              <a:t> </a:t>
-            </a:r>
-            <a:r>
-              <a:rPr lang="en-US" altLang="ja-JP" b="1" dirty="0" smtClean="0"/>
-              <a:t>declaration(</a:t>
-            </a:r>
-            <a:r>
-              <a:rPr lang="ja-JP" altLang="en-US" b="1" dirty="0" smtClean="0"/>
+              <a:t> declaration(</a:t>
+            </a:r>
+            <a:r>
+              <a:rPr lang="ja-JP" altLang="en-US" b="1" dirty="0"/>
               <a:t>宣言</a:t>
             </a:r>
             <a:r>
-              <a:rPr lang="en-US" altLang="ja-JP" b="1" dirty="0" smtClean="0"/>
+              <a:rPr lang="en-US" altLang="ja-JP" b="1" dirty="0"/>
               <a:t>)</a:t>
             </a:r>
             <a:r>
-              <a:rPr lang="ja-JP" altLang="en-US" b="1" dirty="0" smtClean="0"/>
-              <a:t>セクション</a:t>
-            </a:r>
-            <a:r>
               <a:rPr lang="ja-JP" altLang="en-US" b="1" dirty="0"/>
-              <a:t>」</a:t>
-            </a:r>
-            <a:r>
-              <a:rPr lang="ja-JP" altLang="en-US" dirty="0" smtClean="0"/>
+              <a:t>セクション」</a:t>
+            </a:r>
+            <a:r>
+              <a:rPr lang="ja-JP" altLang="en-US" dirty="0"/>
               <a:t>と</a:t>
             </a:r>
-            <a:endParaRPr lang="en-US" altLang="ja-JP" dirty="0" smtClean="0"/>
-          </a:p>
-          <a:p>
-            <a:r>
-              <a:rPr lang="ja-JP" altLang="en-US" dirty="0" smtClean="0"/>
-              <a:t>呼びます</a:t>
-            </a:r>
+            <a:endParaRPr lang="en-US" altLang="ja-JP" dirty="0"/>
+          </a:p>
+          <a:p>
             <a:r>
               <a:rPr lang="ja-JP" altLang="en-US" dirty="0"/>
-              <a:t>。</a:t>
+              <a:t>呼びます。</a:t>
             </a:r>
             <a:endParaRPr lang="en-US" altLang="ja-JP" dirty="0"/>
           </a:p>
@@ -4468,11 +4575,7 @@
             </a:r>
             <a:r>
               <a:rPr lang="ja-JP" altLang="en-US" dirty="0"/>
-              <a:t>言語のコードは大きく以下の二つのセクション</a:t>
-            </a:r>
-            <a:r>
-              <a:rPr lang="ja-JP" altLang="en-US" dirty="0" smtClean="0"/>
-              <a:t>に分けて考えると学習しやすいです。</a:t>
+              <a:t>言語のコードは大きく以下の二つのセクションに分けて考えると学習しやすいです。</a:t>
             </a:r>
             <a:endParaRPr kumimoji="1" lang="en-US" altLang="ja-JP" dirty="0"/>
           </a:p>
@@ -4524,11 +4627,7 @@
             </a:r>
             <a:r>
               <a:rPr kumimoji="1" lang="en-US" altLang="ja-JP" sz="2000" dirty="0"/>
-              <a:t> </a:t>
-            </a:r>
-            <a:r>
-              <a:rPr kumimoji="1" lang="en-US" altLang="ja-JP" sz="2000" dirty="0" smtClean="0"/>
-              <a:t>HelloWorld</a:t>
+              <a:t> HelloWorld</a:t>
             </a:r>
             <a:endParaRPr kumimoji="1" lang="ja-JP" altLang="en-US" sz="2000" dirty="0"/>
           </a:p>
@@ -4611,7 +4710,7 @@
               <a:t>end </a:t>
             </a:r>
             <a:r>
-              <a:rPr lang="en-US" altLang="ja-JP" sz="2000" dirty="0" smtClean="0"/>
+              <a:rPr lang="en-US" altLang="ja-JP" sz="2000" dirty="0"/>
               <a:t>HelloWorld;</a:t>
             </a:r>
             <a:endParaRPr kumimoji="1" lang="ja-JP" altLang="en-US" sz="2000" dirty="0"/>
@@ -4666,29 +4765,13 @@
           <a:p>
             <a:r>
               <a:rPr lang="ja-JP" altLang="en-US" dirty="0"/>
-              <a:t>ここで記述された</a:t>
-            </a:r>
-            <a:r>
-              <a:rPr lang="ja-JP" altLang="en-US" dirty="0" smtClean="0"/>
-              <a:t>方程式群は</a:t>
-            </a:r>
+              <a:t>ここで記述された方程式群は計算実行時に自動的に未知数が選別され連立方程式が立てられ解が得られます。</a:t>
+            </a:r>
+            <a:endParaRPr lang="en-US" altLang="ja-JP" dirty="0"/>
+          </a:p>
+          <a:p>
             <a:r>
               <a:rPr lang="ja-JP" altLang="en-US" dirty="0"/>
-              <a:t>計算実行時</a:t>
-            </a:r>
-            <a:r>
-              <a:rPr lang="ja-JP" altLang="en-US" dirty="0" smtClean="0"/>
-              <a:t>に自動的に未知数が選別され連立方程式が立てられ解</a:t>
-            </a:r>
-            <a:r>
-              <a:rPr lang="ja-JP" altLang="en-US" dirty="0"/>
-              <a:t>が得られます。</a:t>
-            </a:r>
-            <a:endParaRPr lang="en-US" altLang="ja-JP" dirty="0"/>
-          </a:p>
-          <a:p>
-            <a:r>
-              <a:rPr lang="ja-JP" altLang="en-US" dirty="0" smtClean="0"/>
               <a:t>これを</a:t>
             </a:r>
             <a:r>
@@ -4718,24 +4801,16 @@
               <a:t>この範囲を便宜的に</a:t>
             </a:r>
             <a:r>
-              <a:rPr lang="ja-JP" altLang="en-US" b="1" dirty="0" smtClean="0"/>
+              <a:rPr lang="ja-JP" altLang="en-US" b="1" dirty="0"/>
               <a:t>「</a:t>
             </a:r>
             <a:r>
               <a:rPr lang="en-US" altLang="ja-JP" b="1" dirty="0"/>
-              <a:t>e</a:t>
-            </a:r>
-            <a:r>
-              <a:rPr lang="en-US" altLang="ja-JP" b="1" dirty="0" smtClean="0"/>
-              <a:t>quation</a:t>
-            </a:r>
-            <a:r>
-              <a:rPr lang="ja-JP" altLang="en-US" b="1" dirty="0" smtClean="0"/>
-              <a:t> </a:t>
+              <a:t>equation</a:t>
             </a:r>
             <a:r>
               <a:rPr lang="ja-JP" altLang="en-US" b="1" dirty="0"/>
-              <a:t>セクション」</a:t>
+              <a:t> セクション」</a:t>
             </a:r>
             <a:r>
               <a:rPr lang="ja-JP" altLang="en-US" dirty="0"/>
@@ -4817,10 +4892,9 @@
               <a:t>declaration</a:t>
             </a:r>
             <a:r>
-              <a:rPr kumimoji="1" lang="ja-JP" altLang="en-US" b="1" dirty="0" smtClean="0"/>
+              <a:rPr kumimoji="1" lang="ja-JP" altLang="en-US" b="1" dirty="0"/>
               <a:t>セクション</a:t>
             </a:r>
-            <a:endParaRPr kumimoji="1" lang="ja-JP" altLang="en-US" b="1" dirty="0"/>
           </a:p>
         </p:txBody>
       </p:sp>
@@ -5166,13 +5240,6 @@
   <p:clrMapOvr>
     <a:masterClrMapping/>
   </p:clrMapOvr>
-  <p:timing>
-    <p:tnLst>
-      <p:par>
-        <p:cTn id="1" dur="indefinite" restart="never" nodeType="tmRoot"/>
-      </p:par>
-    </p:tnLst>
-  </p:timing>
 </p:sld>
 </file>
 
@@ -5270,7 +5337,7 @@
           </a:ln>
           <a:extLst>
             <a:ext uri="{C572A759-6A51-4108-AA02-DFA0A04FC94B}">
-              <ma14:wrappingTextBoxFlag xmlns:ma14="http://schemas.microsoft.com/office/mac/drawingml/2011/main" xmlns="" val="1"/>
+              <ma14:wrappingTextBoxFlag xmlns="" xmlns:ma14="http://schemas.microsoft.com/office/mac/drawingml/2011/main" val="1"/>
             </a:ext>
           </a:extLst>
         </p:spPr>
@@ -5333,31 +5400,19 @@
           <a:lstStyle/>
           <a:p>
             <a:r>
-              <a:rPr kumimoji="1" lang="en-US" altLang="ja-JP" dirty="0" smtClean="0"/>
+              <a:rPr kumimoji="1" lang="en-US" altLang="ja-JP" dirty="0"/>
               <a:t>declaration</a:t>
             </a:r>
             <a:r>
-              <a:rPr kumimoji="1" lang="ja-JP" altLang="en-US" dirty="0" smtClean="0"/>
-              <a:t>セクション内には変数のほかにも使用</a:t>
-            </a:r>
-            <a:r>
               <a:rPr kumimoji="1" lang="ja-JP" altLang="en-US" dirty="0"/>
-              <a:t>する</a:t>
-            </a:r>
-            <a:r>
-              <a:rPr kumimoji="1" lang="ja-JP" altLang="en-US" dirty="0" smtClean="0"/>
-              <a:t>モデルも宣言できます。</a:t>
+              <a:t>セクション内には変数のほかにも使用するモデルも宣言できます。</a:t>
             </a:r>
             <a:endParaRPr kumimoji="1" lang="en-US" altLang="ja-JP" dirty="0"/>
           </a:p>
           <a:p>
             <a:r>
-              <a:rPr kumimoji="1" lang="ja-JP" altLang="en-US" dirty="0" smtClean="0"/>
-              <a:t>宣言された</a:t>
-            </a:r>
-            <a:r>
               <a:rPr kumimoji="1" lang="ja-JP" altLang="en-US" dirty="0"/>
-              <a:t>モデルをインスタンスと呼びます。</a:t>
+              <a:t>宣言されたモデルをインスタンスと呼びます。</a:t>
             </a:r>
             <a:endParaRPr kumimoji="1" lang="en-US" altLang="ja-JP" dirty="0"/>
           </a:p>
@@ -5623,23 +5678,15 @@
           <a:p>
             <a:r>
               <a:rPr lang="ja-JP" altLang="en-US" u="sng" dirty="0"/>
-              <a:t>例</a:t>
-            </a:r>
-            <a:r>
-              <a:rPr lang="ja-JP" altLang="en-US" u="sng" dirty="0" smtClean="0"/>
-              <a:t>．おもりを表す</a:t>
-            </a:r>
-            <a:r>
-              <a:rPr lang="en-US" altLang="ja-JP" u="sng" dirty="0" smtClean="0"/>
+              <a:t>例．おもりを表す</a:t>
+            </a:r>
+            <a:r>
+              <a:rPr lang="en-US" altLang="ja-JP" u="sng" dirty="0"/>
               <a:t>mass</a:t>
             </a:r>
             <a:r>
-              <a:rPr lang="ja-JP" altLang="en-US" u="sng" dirty="0" smtClean="0"/>
-              <a:t>モデル</a:t>
-            </a:r>
-            <a:r>
               <a:rPr lang="ja-JP" altLang="en-US" u="sng" dirty="0"/>
-              <a:t>のインスタンス</a:t>
+              <a:t>モデルのインスタンス</a:t>
             </a:r>
             <a:endParaRPr kumimoji="1" lang="en-US" altLang="ja-JP" u="sng" dirty="0"/>
           </a:p>
@@ -5788,11 +5835,7 @@
           <a:p>
             <a:r>
               <a:rPr lang="ja-JP" altLang="en-US" sz="1600" dirty="0"/>
-              <a:t>小文字</a:t>
-            </a:r>
-            <a:r>
-              <a:rPr lang="ja-JP" altLang="en-US" sz="1600" dirty="0" smtClean="0"/>
-              <a:t>にします。</a:t>
+              <a:t>小文字にします。</a:t>
             </a:r>
             <a:endParaRPr lang="en-US" altLang="ja-JP" sz="1600" dirty="0"/>
           </a:p>
@@ -6353,13 +6396,6 @@
   <p:clrMapOvr>
     <a:masterClrMapping/>
   </p:clrMapOvr>
-  <p:timing>
-    <p:tnLst>
-      <p:par>
-        <p:cTn id="1" dur="indefinite" restart="never" nodeType="tmRoot"/>
-      </p:par>
-    </p:tnLst>
-  </p:timing>
 </p:sld>
 </file>
 
@@ -6508,7 +6544,7 @@
           </a:ln>
           <a:extLst>
             <a:ext uri="{C572A759-6A51-4108-AA02-DFA0A04FC94B}">
-              <ma14:wrappingTextBoxFlag xmlns:ma14="http://schemas.microsoft.com/office/mac/drawingml/2011/main" xmlns="" val="1"/>
+              <ma14:wrappingTextBoxFlag xmlns="" xmlns:ma14="http://schemas.microsoft.com/office/mac/drawingml/2011/main" val="1"/>
             </a:ext>
           </a:extLst>
         </p:spPr>
@@ -6566,12 +6602,8 @@
           <a:lstStyle/>
           <a:p>
             <a:r>
-              <a:rPr kumimoji="1" lang="ja-JP" altLang="en-US" dirty="0" smtClean="0"/>
-              <a:t>モデル</a:t>
-            </a:r>
-            <a:r>
               <a:rPr kumimoji="1" lang="ja-JP" altLang="en-US" dirty="0"/>
-              <a:t>同士の接続関係を</a:t>
+              <a:t>モデル同士の接続関係を</a:t>
             </a:r>
             <a:r>
               <a:rPr kumimoji="1" lang="en-US" altLang="ja-JP" dirty="0"/>
@@ -6585,58 +6617,46 @@
           </a:p>
           <a:p>
             <a:r>
-              <a:rPr kumimoji="1" lang="ja-JP" altLang="en-US" dirty="0" smtClean="0"/>
+              <a:rPr kumimoji="1" lang="ja-JP" altLang="en-US" dirty="0"/>
               <a:t>接続すると、コネクター</a:t>
             </a:r>
             <a:r>
-              <a:rPr kumimoji="1" lang="en-US" altLang="ja-JP" dirty="0" smtClean="0"/>
+              <a:rPr kumimoji="1" lang="en-US" altLang="ja-JP" dirty="0"/>
               <a:t>(connecter)</a:t>
             </a:r>
             <a:r>
-              <a:rPr kumimoji="1" lang="ja-JP" altLang="en-US" dirty="0" smtClean="0"/>
+              <a:rPr kumimoji="1" lang="ja-JP" altLang="en-US" dirty="0"/>
               <a:t>内で定義</a:t>
             </a:r>
             <a:r>
               <a:rPr lang="ja-JP" altLang="en-US" dirty="0"/>
-              <a:t>された</a:t>
-            </a:r>
-            <a:r>
-              <a:rPr lang="ja-JP" altLang="en-US" dirty="0" smtClean="0"/>
-              <a:t>変数をモデル間</a:t>
+              <a:t>された変数をモデル間で参照</a:t>
+            </a:r>
+            <a:r>
+              <a:rPr lang="en-US" altLang="ja-JP" dirty="0"/>
+              <a:t>(</a:t>
             </a:r>
             <a:r>
               <a:rPr lang="ja-JP" altLang="en-US" dirty="0"/>
-              <a:t>で</a:t>
-            </a:r>
-            <a:r>
-              <a:rPr lang="ja-JP" altLang="en-US" dirty="0" smtClean="0"/>
-              <a:t>参照</a:t>
-            </a:r>
-            <a:r>
-              <a:rPr lang="en-US" altLang="ja-JP" dirty="0" smtClean="0"/>
-              <a:t>(</a:t>
-            </a:r>
-            <a:r>
-              <a:rPr lang="ja-JP" altLang="en-US" dirty="0" smtClean="0"/>
               <a:t>受け渡し</a:t>
             </a:r>
             <a:r>
-              <a:rPr lang="en-US" altLang="ja-JP" dirty="0" smtClean="0"/>
+              <a:rPr lang="en-US" altLang="ja-JP" dirty="0"/>
               <a:t>)</a:t>
             </a:r>
             <a:r>
-              <a:rPr kumimoji="1" lang="ja-JP" altLang="en-US" dirty="0" smtClean="0"/>
+              <a:rPr kumimoji="1" lang="ja-JP" altLang="en-US" dirty="0"/>
               <a:t>できます。</a:t>
             </a:r>
-            <a:endParaRPr kumimoji="1" lang="en-US" altLang="ja-JP" dirty="0" smtClean="0"/>
-          </a:p>
-          <a:p>
-            <a:r>
-              <a:rPr lang="ja-JP" altLang="en-US" dirty="0" smtClean="0"/>
+            <a:endParaRPr kumimoji="1" lang="en-US" altLang="ja-JP" dirty="0"/>
+          </a:p>
+          <a:p>
+            <a:r>
+              <a:rPr lang="ja-JP" altLang="en-US" dirty="0"/>
               <a:t>一般的に、</a:t>
             </a:r>
             <a:r>
-              <a:rPr lang="en-US" altLang="ja-JP" dirty="0" err="1" smtClean="0"/>
+              <a:rPr lang="en-US" altLang="ja-JP" dirty="0" err="1"/>
               <a:t>Modelica</a:t>
             </a:r>
             <a:r>
@@ -6645,33 +6665,13 @@
             </a:r>
             <a:r>
               <a:rPr lang="ja-JP" altLang="en-US"/>
-              <a:t>で</a:t>
-            </a:r>
-            <a:r>
-              <a:rPr lang="ja-JP" altLang="en-US" smtClean="0"/>
-              <a:t>はモデル間</a:t>
-            </a:r>
-            <a:r>
-              <a:rPr lang="ja-JP" altLang="en-US" dirty="0" smtClean="0"/>
-              <a:t>の</a:t>
+              <a:t>ではモデル間</a:t>
             </a:r>
             <a:r>
               <a:rPr lang="ja-JP" altLang="en-US" dirty="0"/>
-              <a:t>変数の受け渡し</a:t>
-            </a:r>
-            <a:r>
-              <a:rPr lang="ja-JP" altLang="en-US" dirty="0" smtClean="0"/>
-              <a:t>はコネクター</a:t>
-            </a:r>
-            <a:r>
-              <a:rPr lang="ja-JP" altLang="en-US" dirty="0"/>
-              <a:t>を</a:t>
-            </a:r>
-            <a:r>
-              <a:rPr lang="ja-JP" altLang="en-US" dirty="0" smtClean="0"/>
-              <a:t>使用します。</a:t>
-            </a:r>
-            <a:endParaRPr lang="en-US" altLang="ja-JP" dirty="0" smtClean="0"/>
+              <a:t>の変数の受け渡しはコネクターを使用します。</a:t>
+            </a:r>
+            <a:endParaRPr lang="en-US" altLang="ja-JP" dirty="0"/>
           </a:p>
         </p:txBody>
       </p:sp>
@@ -6796,11 +6796,11 @@
               <a:t>(</a:t>
             </a:r>
             <a:r>
-              <a:rPr kumimoji="1" lang="ja-JP" altLang="en-US" dirty="0" smtClean="0"/>
+              <a:rPr kumimoji="1" lang="ja-JP" altLang="en-US" dirty="0"/>
               <a:t>インスタンス名</a:t>
             </a:r>
             <a:r>
-              <a:rPr kumimoji="1" lang="en-US" altLang="ja-JP" dirty="0" smtClean="0"/>
+              <a:rPr kumimoji="1" lang="en-US" altLang="ja-JP" dirty="0"/>
               <a:t>1.</a:t>
             </a:r>
             <a:r>
@@ -7629,13 +7629,6 @@
   <p:clrMapOvr>
     <a:masterClrMapping/>
   </p:clrMapOvr>
-  <p:timing>
-    <p:tnLst>
-      <p:par>
-        <p:cTn id="1" dur="indefinite" restart="never" nodeType="tmRoot"/>
-      </p:par>
-    </p:tnLst>
-  </p:timing>
 </p:sld>
 </file>
 
@@ -7705,7 +7698,7 @@
           </a:ln>
           <a:extLst>
             <a:ext uri="{C572A759-6A51-4108-AA02-DFA0A04FC94B}">
-              <ma14:wrappingTextBoxFlag xmlns:ma14="http://schemas.microsoft.com/office/mac/drawingml/2011/main" xmlns="" val="1"/>
+              <ma14:wrappingTextBoxFlag xmlns="" xmlns:ma14="http://schemas.microsoft.com/office/mac/drawingml/2011/main" val="1"/>
             </a:ext>
           </a:extLst>
         </p:spPr>
@@ -7783,26 +7776,22 @@
             </a:r>
             <a:r>
               <a:rPr lang="ja-JP" altLang="en-US" dirty="0"/>
-              <a:t>クラス内に宣言された</a:t>
-            </a:r>
-            <a:r>
-              <a:rPr lang="ja-JP" altLang="en-US" dirty="0" smtClean="0"/>
-              <a:t>変数をモデル同士で参照</a:t>
-            </a:r>
-            <a:r>
-              <a:rPr lang="en-US" altLang="ja-JP" dirty="0" smtClean="0"/>
+              <a:t>クラス内に宣言された変数をモデル同士で参照</a:t>
+            </a:r>
+            <a:r>
+              <a:rPr lang="en-US" altLang="ja-JP" dirty="0"/>
               <a:t>(</a:t>
             </a:r>
             <a:r>
-              <a:rPr lang="ja-JP" altLang="en-US" dirty="0" smtClean="0"/>
+              <a:rPr lang="ja-JP" altLang="en-US" dirty="0"/>
               <a:t>受け渡し</a:t>
             </a:r>
             <a:r>
-              <a:rPr lang="en-US" altLang="ja-JP" dirty="0" smtClean="0"/>
+              <a:rPr lang="en-US" altLang="ja-JP" dirty="0"/>
               <a:t>)</a:t>
             </a:r>
             <a:r>
-              <a:rPr lang="ja-JP" altLang="en-US" dirty="0" smtClean="0"/>
+              <a:rPr lang="ja-JP" altLang="en-US" dirty="0"/>
               <a:t>できます。</a:t>
             </a:r>
             <a:endParaRPr lang="en-US" altLang="ja-JP" dirty="0"/>
@@ -7821,20 +7810,16 @@
               <a:t>onnector</a:t>
             </a:r>
             <a:r>
-              <a:rPr kumimoji="1" lang="ja-JP" altLang="en-US" dirty="0" smtClean="0"/>
+              <a:rPr kumimoji="1" lang="ja-JP" altLang="en-US" dirty="0"/>
               <a:t>は慣例的に</a:t>
             </a:r>
             <a:r>
-              <a:rPr kumimoji="1" lang="en-US" altLang="ja-JP" dirty="0" smtClean="0"/>
+              <a:rPr kumimoji="1" lang="en-US" altLang="ja-JP" dirty="0"/>
               <a:t>Port</a:t>
             </a:r>
             <a:r>
               <a:rPr kumimoji="1" lang="ja-JP" altLang="en-US" dirty="0"/>
-              <a:t>と呼ばれることも</a:t>
-            </a:r>
-            <a:r>
-              <a:rPr kumimoji="1" lang="ja-JP" altLang="en-US" dirty="0" smtClean="0"/>
-              <a:t>あります）</a:t>
+              <a:t>と呼ばれることもあります）</a:t>
             </a:r>
             <a:endParaRPr kumimoji="1" lang="en-US" altLang="ja-JP" dirty="0"/>
           </a:p>
@@ -7893,11 +7878,11 @@
               <a:t>クラス</a:t>
             </a:r>
             <a:r>
-              <a:rPr lang="en-US" altLang="ja-JP" sz="2000" u="sng" dirty="0" smtClean="0"/>
+              <a:rPr lang="en-US" altLang="ja-JP" sz="2000" u="sng" dirty="0"/>
               <a:t>Flange</a:t>
             </a:r>
             <a:r>
-              <a:rPr lang="ja-JP" altLang="en-US" sz="2000" u="sng" dirty="0" smtClean="0"/>
+              <a:rPr lang="ja-JP" altLang="en-US" sz="2000" u="sng" dirty="0"/>
               <a:t>のコード</a:t>
             </a:r>
             <a:endParaRPr kumimoji="1" lang="ja-JP" altLang="en-US" sz="2000" u="sng" dirty="0"/>
@@ -7934,52 +7919,31 @@
           <a:p>
             <a:r>
               <a:rPr lang="ja-JP" altLang="en-US" dirty="0"/>
-              <a:t>以下</a:t>
-            </a:r>
-            <a:r>
-              <a:rPr lang="ja-JP" altLang="en-US" dirty="0" smtClean="0"/>
-              <a:t>の変数の接続</a:t>
-            </a:r>
+              <a:t>以下の変数の接続が可能なことを表しています。</a:t>
+            </a:r>
+            <a:endParaRPr lang="en-US" altLang="ja-JP" dirty="0"/>
+          </a:p>
+          <a:p>
             <a:r>
               <a:rPr lang="ja-JP" altLang="en-US" dirty="0"/>
-              <a:t>が可能なことを表して</a:t>
-            </a:r>
-            <a:r>
-              <a:rPr lang="ja-JP" altLang="en-US" dirty="0" smtClean="0"/>
-              <a:t>います。</a:t>
-            </a:r>
-            <a:endParaRPr lang="en-US" altLang="ja-JP" dirty="0"/>
-          </a:p>
-          <a:p>
-            <a:r>
-              <a:rPr lang="ja-JP" altLang="en-US" dirty="0"/>
-              <a:t>　位置</a:t>
-            </a:r>
-            <a:r>
-              <a:rPr lang="ja-JP" altLang="en-US" dirty="0" smtClean="0"/>
-              <a:t>座標</a:t>
-            </a:r>
-            <a:r>
-              <a:rPr lang="en-US" altLang="ja-JP" dirty="0" smtClean="0"/>
+              <a:t>　位置座標</a:t>
+            </a:r>
+            <a:r>
+              <a:rPr lang="en-US" altLang="ja-JP" dirty="0"/>
               <a:t>	s</a:t>
             </a:r>
-            <a:endParaRPr lang="en-US" altLang="ja-JP" dirty="0"/>
           </a:p>
           <a:p>
             <a:r>
               <a:rPr kumimoji="1" lang="ja-JP" altLang="en-US" dirty="0"/>
-              <a:t>　</a:t>
-            </a:r>
-            <a:r>
-              <a:rPr kumimoji="1" lang="ja-JP" altLang="en-US" dirty="0" smtClean="0"/>
-              <a:t>力</a:t>
-            </a:r>
-            <a:r>
-              <a:rPr lang="en-US" altLang="ja-JP" dirty="0" smtClean="0"/>
+              <a:t>　力</a:t>
+            </a:r>
+            <a:r>
+              <a:rPr lang="en-US" altLang="ja-JP" dirty="0"/>
               <a:t>		</a:t>
             </a:r>
             <a:r>
-              <a:rPr kumimoji="1" lang="en-US" altLang="ja-JP" dirty="0" smtClean="0"/>
+              <a:rPr kumimoji="1" lang="en-US" altLang="ja-JP" dirty="0"/>
               <a:t>f</a:t>
             </a:r>
             <a:endParaRPr lang="en-US" altLang="ja-JP" dirty="0"/>
@@ -8028,38 +7992,22 @@
             </a:r>
             <a:r>
               <a:rPr lang="ja-JP" altLang="en-US" dirty="0"/>
-              <a:t>がついて</a:t>
-            </a:r>
-            <a:r>
-              <a:rPr lang="ja-JP" altLang="en-US" dirty="0" smtClean="0"/>
-              <a:t>います。</a:t>
+              <a:t>がついています。</a:t>
             </a:r>
             <a:endParaRPr lang="en-US" altLang="ja-JP" dirty="0"/>
           </a:p>
           <a:p>
             <a:r>
               <a:rPr lang="ja-JP" altLang="en-US" dirty="0"/>
-              <a:t>これ</a:t>
-            </a:r>
-            <a:r>
-              <a:rPr lang="ja-JP" altLang="en-US" dirty="0" smtClean="0"/>
-              <a:t>はチュートリアル</a:t>
-            </a:r>
-            <a:r>
-              <a:rPr lang="en-US" altLang="ja-JP" dirty="0" smtClean="0"/>
+              <a:t>これはチュートリアル</a:t>
+            </a:r>
+            <a:r>
+              <a:rPr lang="en-US" altLang="ja-JP" dirty="0"/>
               <a:t>7</a:t>
             </a:r>
             <a:r>
-              <a:rPr lang="ja-JP" altLang="en-US" dirty="0" smtClean="0"/>
-              <a:t>で</a:t>
-            </a:r>
-            <a:r>
               <a:rPr lang="ja-JP" altLang="en-US" dirty="0"/>
-              <a:t>説明</a:t>
-            </a:r>
-            <a:r>
-              <a:rPr lang="ja-JP" altLang="en-US" dirty="0" smtClean="0"/>
-              <a:t>します。</a:t>
+              <a:t>で説明します。</a:t>
             </a:r>
             <a:endParaRPr lang="en-US" altLang="ja-JP" dirty="0"/>
           </a:p>
@@ -8706,13 +8654,6 @@
   <p:clrMapOvr>
     <a:masterClrMapping/>
   </p:clrMapOvr>
-  <p:timing>
-    <p:tnLst>
-      <p:par>
-        <p:cTn id="1" dur="indefinite" restart="never" nodeType="tmRoot"/>
-      </p:par>
-    </p:tnLst>
-  </p:timing>
 </p:sld>
 </file>
 
@@ -8758,7 +8699,7 @@
           </a:ln>
           <a:extLst>
             <a:ext uri="{C572A759-6A51-4108-AA02-DFA0A04FC94B}">
-              <ma14:wrappingTextBoxFlag xmlns:ma14="http://schemas.microsoft.com/office/mac/drawingml/2011/main" xmlns="" val="1"/>
+              <ma14:wrappingTextBoxFlag xmlns="" xmlns:ma14="http://schemas.microsoft.com/office/mac/drawingml/2011/main" val="1"/>
             </a:ext>
           </a:extLst>
         </p:spPr>
@@ -8845,21 +8786,9 @@
           <a:p>
             <a:r>
               <a:rPr lang="ja-JP" altLang="en-US" sz="2400" dirty="0"/>
-              <a:t>そのためにソースコードへ以下</a:t>
-            </a:r>
-            <a:r>
-              <a:rPr lang="ja-JP" altLang="en-US" sz="2400" dirty="0" smtClean="0"/>
-              <a:t>の追加</a:t>
-            </a:r>
-            <a:r>
-              <a:rPr lang="ja-JP" altLang="en-US" sz="2400" dirty="0"/>
-              <a:t>を行います</a:t>
-            </a:r>
-            <a:r>
-              <a:rPr lang="ja-JP" altLang="en-US" sz="2400" dirty="0" smtClean="0"/>
-              <a:t>。</a:t>
-            </a:r>
-            <a:endParaRPr lang="en-US" altLang="ja-JP" sz="2400" dirty="0" smtClean="0"/>
+              <a:t>そのためにソースコードへ以下の追加を行います。</a:t>
+            </a:r>
+            <a:endParaRPr lang="en-US" altLang="ja-JP" sz="2400" dirty="0"/>
           </a:p>
         </p:txBody>
       </p:sp>
@@ -8912,11 +8841,7 @@
             </a:r>
             <a:r>
               <a:rPr lang="en-US" altLang="ja-JP" sz="4400" dirty="0"/>
-              <a:t>V</a:t>
-            </a:r>
-            <a:r>
-              <a:rPr lang="en-US" altLang="ja-JP" sz="4400" dirty="0" smtClean="0"/>
-              <a:t>, ρ</a:t>
+              <a:t>V, ρ</a:t>
             </a:r>
             <a:r>
               <a:rPr lang="ja-JP" altLang="en-US" sz="4400" dirty="0"/>
@@ -9053,7 +8978,7 @@
           </a:ln>
           <a:extLst>
             <a:ext uri="{C572A759-6A51-4108-AA02-DFA0A04FC94B}">
-              <ma14:wrappingTextBoxFlag xmlns:ma14="http://schemas.microsoft.com/office/mac/drawingml/2011/main" xmlns="" val="1"/>
+              <ma14:wrappingTextBoxFlag xmlns="" xmlns:ma14="http://schemas.microsoft.com/office/mac/drawingml/2011/main" val="1"/>
             </a:ext>
           </a:extLst>
         </p:spPr>
@@ -9136,12 +9061,8 @@
               <a:t>バネマスモデルの接続図</a:t>
             </a:r>
             <a:r>
-              <a:rPr lang="en-US" altLang="ja-JP" sz="2000" dirty="0" smtClean="0"/>
-              <a:t>(Tutorial3.mo</a:t>
-            </a:r>
-            <a:r>
               <a:rPr lang="en-US" altLang="ja-JP" sz="2000" dirty="0"/>
-              <a:t>)</a:t>
+              <a:t>(Tutorial3.mo)</a:t>
             </a:r>
             <a:r>
               <a:rPr lang="ja-JP" altLang="en-US" sz="2000" dirty="0"/>
@@ -9155,48 +9076,32 @@
               <a:t>declaration</a:t>
             </a:r>
             <a:r>
-              <a:rPr lang="ja-JP" altLang="en-US" sz="2000" dirty="0" smtClean="0"/>
-              <a:t>セクション</a:t>
-            </a:r>
-            <a:r>
               <a:rPr lang="ja-JP" altLang="en-US" sz="2000" dirty="0"/>
-              <a:t>へ以下のパラメータ</a:t>
-            </a:r>
-            <a:r>
-              <a:rPr lang="ja-JP" altLang="en-US" sz="2000" dirty="0" smtClean="0"/>
-              <a:t>変数</a:t>
-            </a:r>
-            <a:r>
-              <a:rPr lang="en-US" altLang="ja-JP" sz="2000" dirty="0" smtClean="0"/>
+              <a:t>セクションへ以下のパラメータ変数</a:t>
+            </a:r>
+            <a:r>
+              <a:rPr lang="en-US" altLang="ja-JP" sz="2000" dirty="0"/>
               <a:t>(</a:t>
             </a:r>
             <a:r>
-              <a:rPr lang="ja-JP" altLang="en-US" sz="2000" dirty="0" smtClean="0"/>
+              <a:rPr lang="ja-JP" altLang="en-US" sz="2000" dirty="0"/>
               <a:t>体積</a:t>
             </a:r>
             <a:r>
-              <a:rPr lang="en-US" altLang="ja-JP" sz="2000" dirty="0" smtClean="0"/>
+              <a:rPr lang="en-US" altLang="ja-JP" sz="2000" dirty="0"/>
               <a:t>V, </a:t>
             </a:r>
             <a:r>
-              <a:rPr lang="ja-JP" altLang="en-US" sz="2000" dirty="0" smtClean="0"/>
+              <a:rPr lang="ja-JP" altLang="en-US" sz="2000" dirty="0"/>
               <a:t>密度</a:t>
             </a:r>
             <a:r>
-              <a:rPr lang="en-US" altLang="ja-JP" sz="2000" dirty="0" smtClean="0"/>
+              <a:rPr lang="en-US" altLang="ja-JP" sz="2000" dirty="0"/>
               <a:t>rho)</a:t>
             </a:r>
             <a:r>
-              <a:rPr lang="ja-JP" altLang="en-US" sz="2000" dirty="0" smtClean="0"/>
-              <a:t>を</a:t>
-            </a:r>
-            <a:r>
               <a:rPr lang="ja-JP" altLang="en-US" sz="2000" dirty="0"/>
-              <a:t>追加して</a:t>
-            </a:r>
-            <a:r>
-              <a:rPr lang="ja-JP" altLang="en-US" sz="2000" dirty="0" smtClean="0"/>
-              <a:t>ください。</a:t>
+              <a:t>を追加してください。</a:t>
             </a:r>
             <a:endParaRPr kumimoji="1" lang="en-US" altLang="ja-JP" sz="2000" dirty="0"/>
           </a:p>
@@ -9468,7 +9373,7 @@
           </a:ln>
           <a:extLst>
             <a:ext uri="{C572A759-6A51-4108-AA02-DFA0A04FC94B}">
-              <ma14:wrappingTextBoxFlag xmlns:ma14="http://schemas.microsoft.com/office/mac/drawingml/2011/main" xmlns="" val="1"/>
+              <ma14:wrappingTextBoxFlag xmlns="" xmlns:ma14="http://schemas.microsoft.com/office/mac/drawingml/2011/main" val="1"/>
             </a:ext>
           </a:extLst>
         </p:spPr>
@@ -9539,31 +9444,31 @@
           <a:lstStyle/>
           <a:p>
             <a:r>
-              <a:rPr lang="ja-JP" altLang="en-US" dirty="0" smtClean="0"/>
+              <a:rPr lang="ja-JP" altLang="en-US" dirty="0"/>
               <a:t>①　</a:t>
             </a:r>
             <a:r>
-              <a:rPr lang="en-US" altLang="ja-JP" dirty="0" smtClean="0"/>
+              <a:rPr lang="en-US" altLang="ja-JP" dirty="0"/>
               <a:t>mass</a:t>
             </a:r>
             <a:r>
-              <a:rPr lang="ja-JP" altLang="en-US" dirty="0" smtClean="0"/>
+              <a:rPr lang="ja-JP" altLang="en-US" dirty="0"/>
               <a:t>のパラメータ</a:t>
             </a:r>
             <a:r>
-              <a:rPr lang="en-US" altLang="ja-JP" dirty="0" smtClean="0"/>
+              <a:rPr lang="en-US" altLang="ja-JP" dirty="0"/>
               <a:t>m</a:t>
             </a:r>
             <a:r>
-              <a:rPr lang="ja-JP" altLang="en-US" dirty="0" smtClean="0"/>
+              <a:rPr lang="ja-JP" altLang="en-US" dirty="0"/>
               <a:t>へ</a:t>
             </a:r>
             <a:r>
-              <a:rPr lang="en-US" altLang="ja-JP" dirty="0" smtClean="0"/>
+              <a:rPr lang="en-US" altLang="ja-JP" dirty="0"/>
               <a:t>V*rho</a:t>
             </a:r>
             <a:r>
-              <a:rPr lang="ja-JP" altLang="en-US" dirty="0" smtClean="0"/>
+              <a:rPr lang="ja-JP" altLang="en-US" dirty="0"/>
               <a:t>を入力してください。</a:t>
             </a:r>
             <a:endParaRPr lang="en-US" altLang="ja-JP" dirty="0"/>
@@ -9712,24 +9617,8 @@
           <a:lstStyle/>
           <a:p>
             <a:r>
-              <a:rPr lang="ja-JP" altLang="en-US" dirty="0" smtClean="0"/>
-              <a:t>③　チェック</a:t>
-            </a:r>
-            <a:r>
               <a:rPr lang="ja-JP" altLang="en-US" dirty="0"/>
-              <a:t>して、変数と方程式</a:t>
-            </a:r>
-            <a:r>
-              <a:rPr lang="ja-JP" altLang="en-US" dirty="0" smtClean="0"/>
-              <a:t>が等しいこと</a:t>
-            </a:r>
-            <a:r>
-              <a:rPr lang="ja-JP" altLang="en-US" dirty="0"/>
-              <a:t>を確認して</a:t>
-            </a:r>
-            <a:r>
-              <a:rPr lang="ja-JP" altLang="en-US" dirty="0" smtClean="0"/>
-              <a:t>ください。</a:t>
+              <a:t>③　チェックして、変数と方程式が等しいことを確認してください。</a:t>
             </a:r>
             <a:endParaRPr lang="en-US" altLang="ja-JP" dirty="0"/>
           </a:p>
@@ -9819,30 +9708,26 @@
           <a:lstStyle/>
           <a:p>
             <a:r>
-              <a:rPr lang="ja-JP" altLang="en-US" dirty="0" smtClean="0"/>
+              <a:rPr lang="ja-JP" altLang="en-US" dirty="0"/>
               <a:t>②　テキストビューから</a:t>
             </a:r>
             <a:r>
-              <a:rPr lang="en-US" altLang="ja-JP" dirty="0" smtClean="0"/>
+              <a:rPr lang="en-US" altLang="ja-JP" dirty="0"/>
               <a:t>mass</a:t>
             </a:r>
             <a:r>
-              <a:rPr lang="ja-JP" altLang="en-US" dirty="0" smtClean="0"/>
-              <a:t>のモディフィケーションが</a:t>
-            </a:r>
-            <a:r>
               <a:rPr lang="ja-JP" altLang="en-US" dirty="0"/>
-              <a:t>「</a:t>
-            </a:r>
-            <a:r>
-              <a:rPr lang="en-US" altLang="ja-JP" dirty="0" smtClean="0"/>
+              <a:t>のモディフィケーションが「</a:t>
+            </a:r>
+            <a:r>
+              <a:rPr lang="en-US" altLang="ja-JP" dirty="0"/>
               <a:t>m = V * rho</a:t>
             </a:r>
             <a:r>
-              <a:rPr lang="ja-JP" altLang="en-US" dirty="0" smtClean="0"/>
+              <a:rPr lang="ja-JP" altLang="en-US" dirty="0"/>
               <a:t>」となっていることを確認してください。</a:t>
             </a:r>
-            <a:endParaRPr lang="en-US" altLang="ja-JP" dirty="0" smtClean="0"/>
+            <a:endParaRPr lang="en-US" altLang="ja-JP" dirty="0"/>
           </a:p>
         </p:txBody>
       </p:sp>
@@ -9901,7 +9786,7 @@
           </a:ln>
           <a:extLst>
             <a:ext uri="{C572A759-6A51-4108-AA02-DFA0A04FC94B}">
-              <ma14:wrappingTextBoxFlag xmlns:ma14="http://schemas.microsoft.com/office/mac/drawingml/2011/main" xmlns="" val="1"/>
+              <ma14:wrappingTextBoxFlag xmlns="" xmlns:ma14="http://schemas.microsoft.com/office/mac/drawingml/2011/main" val="1"/>
             </a:ext>
           </a:extLst>
         </p:spPr>
@@ -9961,15 +9846,7 @@
           <a:p>
             <a:r>
               <a:rPr kumimoji="1" lang="ja-JP" altLang="en-US" dirty="0"/>
-              <a:t>「シミュレーションのセットアップ」</a:t>
-            </a:r>
-            <a:r>
-              <a:rPr kumimoji="1" lang="ja-JP" altLang="en-US" dirty="0" smtClean="0"/>
-              <a:t>から「</a:t>
-            </a:r>
-            <a:r>
-              <a:rPr kumimoji="1" lang="ja-JP" altLang="en-US" dirty="0"/>
-              <a:t>終了時刻」を</a:t>
+              <a:t>「シミュレーションのセットアップ」から「終了時刻」を</a:t>
             </a:r>
             <a:r>
               <a:rPr kumimoji="1" lang="en-US" altLang="ja-JP" dirty="0"/>
@@ -9984,11 +9861,7 @@
           <a:p>
             <a:r>
               <a:rPr lang="ja-JP" altLang="en-US" dirty="0"/>
-              <a:t>解析を実行して</a:t>
-            </a:r>
-            <a:r>
-              <a:rPr lang="ja-JP" altLang="en-US" dirty="0" smtClean="0"/>
-              <a:t>ください。</a:t>
+              <a:t>解析を実行してください。</a:t>
             </a:r>
             <a:endParaRPr lang="en-US" altLang="ja-JP" dirty="0"/>
           </a:p>
@@ -10010,13 +9883,8 @@
             </a:r>
             <a:r>
               <a:rPr kumimoji="1" lang="ja-JP" altLang="en-US" dirty="0"/>
-              <a:t>くりになっている事を確認して</a:t>
-            </a:r>
-            <a:r>
-              <a:rPr kumimoji="1" lang="ja-JP" altLang="en-US" dirty="0" smtClean="0"/>
-              <a:t>ください。</a:t>
-            </a:r>
-            <a:endParaRPr kumimoji="1" lang="ja-JP" altLang="en-US" dirty="0"/>
+              <a:t>くりになっている事を確認してください。</a:t>
+            </a:r>
           </a:p>
         </p:txBody>
       </p:sp>
@@ -10157,7 +10025,7 @@
           </a:ln>
           <a:extLst>
             <a:ext uri="{C572A759-6A51-4108-AA02-DFA0A04FC94B}">
-              <ma14:wrappingTextBoxFlag xmlns:ma14="http://schemas.microsoft.com/office/mac/drawingml/2011/main" xmlns="" val="1"/>
+              <ma14:wrappingTextBoxFlag xmlns="" xmlns:ma14="http://schemas.microsoft.com/office/mac/drawingml/2011/main" val="1"/>
             </a:ext>
           </a:extLst>
         </p:spPr>
@@ -10228,13 +10096,8 @@
             </a:r>
             <a:r>
               <a:rPr kumimoji="1" lang="ja-JP" altLang="en-US" sz="2400" dirty="0"/>
-              <a:t>を様々な値に変更し波形の変化を確認して</a:t>
-            </a:r>
-            <a:r>
-              <a:rPr kumimoji="1" lang="ja-JP" altLang="en-US" sz="2400" dirty="0" smtClean="0"/>
-              <a:t>ください。</a:t>
-            </a:r>
-            <a:endParaRPr kumimoji="1" lang="ja-JP" altLang="en-US" sz="2400" dirty="0"/>
+              <a:t>を様々な値に変更し波形の変化を確認してください。</a:t>
+            </a:r>
           </a:p>
         </p:txBody>
       </p:sp>
@@ -10268,11 +10131,7 @@
           <a:p>
             <a:r>
               <a:rPr kumimoji="1" lang="ja-JP" altLang="en-US" sz="2400" dirty="0"/>
-              <a:t>２．その他のパラメータ変数を関数にしてみて</a:t>
-            </a:r>
-            <a:r>
-              <a:rPr kumimoji="1" lang="ja-JP" altLang="en-US" sz="2400" dirty="0" smtClean="0"/>
-              <a:t>ください。</a:t>
+              <a:t>２．その他のパラメータ変数を関数にしてみてください。</a:t>
             </a:r>
             <a:endParaRPr kumimoji="1" lang="en-US" altLang="ja-JP" sz="2400" dirty="0"/>
           </a:p>
@@ -10282,16 +10141,12 @@
               <a:t>　　例</a:t>
             </a:r>
             <a:r>
-              <a:rPr lang="en-US" altLang="ja-JP" sz="2400" dirty="0" smtClean="0"/>
+              <a:rPr lang="en-US" altLang="ja-JP" sz="2400" dirty="0"/>
               <a:t>. </a:t>
             </a:r>
             <a:r>
-              <a:rPr lang="ja-JP" altLang="en-US" sz="2400" dirty="0" smtClean="0"/>
-              <a:t>初期</a:t>
-            </a:r>
-            <a:r>
               <a:rPr lang="ja-JP" altLang="en-US" sz="2400" dirty="0"/>
-              <a:t>位置、バネ定数、体積 </a:t>
+              <a:t>初期位置、バネ定数、体積 </a:t>
             </a:r>
             <a:r>
               <a:rPr lang="en-US" altLang="ja-JP" sz="2400" dirty="0"/>
@@ -10392,13 +10247,8 @@
             </a:r>
             <a:r>
               <a:rPr kumimoji="1" lang="ja-JP" altLang="en-US" sz="2400" dirty="0"/>
-              <a:t>を別モデルで定義するなどして遊んでみて</a:t>
-            </a:r>
-            <a:r>
-              <a:rPr kumimoji="1" lang="ja-JP" altLang="en-US" sz="2400" dirty="0" smtClean="0"/>
-              <a:t>ください。</a:t>
-            </a:r>
-            <a:endParaRPr kumimoji="1" lang="ja-JP" altLang="en-US" sz="2400" dirty="0"/>
+              <a:t>を別モデルで定義するなどして遊んでみてください。</a:t>
+            </a:r>
           </a:p>
         </p:txBody>
       </p:sp>
@@ -10531,11 +10381,7 @@
           <a:p>
             <a:r>
               <a:rPr lang="ja-JP" altLang="en-US" sz="2400" dirty="0"/>
-              <a:t>　　して</a:t>
-            </a:r>
-            <a:r>
-              <a:rPr lang="ja-JP" altLang="en-US" sz="2400" dirty="0" smtClean="0"/>
-              <a:t>おります。</a:t>
+              <a:t>　　しております。</a:t>
             </a:r>
             <a:endParaRPr kumimoji="1" lang="en-US" altLang="ja-JP" sz="2400" dirty="0"/>
           </a:p>
@@ -10584,7 +10430,7 @@
               <a:t>超初級チュートリアル </a:t>
             </a:r>
             <a:r>
-              <a:rPr lang="en-US" altLang="ja-JP" sz="2400" dirty="0" smtClean="0"/>
+              <a:rPr lang="en-US" altLang="ja-JP" sz="2400" dirty="0"/>
               <a:t>2.</a:t>
             </a:r>
             <a:r>
@@ -10628,12 +10474,8 @@
               <a:t>・　</a:t>
             </a:r>
             <a:r>
-              <a:rPr kumimoji="1" lang="en-US" altLang="ja-JP" sz="2400" dirty="0" smtClean="0"/>
-              <a:t>OpenModelica1.14.1 </a:t>
-            </a:r>
-            <a:r>
               <a:rPr kumimoji="1" lang="en-US" altLang="ja-JP" sz="2400" dirty="0"/>
-              <a:t>(64bit – windows</a:t>
+              <a:t>OpenModelica1.14.1 (64bit – windows</a:t>
             </a:r>
             <a:r>
               <a:rPr kumimoji="1" lang="ja-JP" altLang="en-US" sz="2400" dirty="0"/>
@@ -10660,11 +10502,7 @@
             </a:r>
             <a:r>
               <a:rPr kumimoji="1" lang="ja-JP" altLang="en-US" sz="2400"/>
-              <a:t>されて</a:t>
-            </a:r>
-            <a:r>
-              <a:rPr kumimoji="1" lang="ja-JP" altLang="en-US" sz="2400" smtClean="0"/>
-              <a:t>います。</a:t>
+              <a:t>されています。</a:t>
             </a:r>
             <a:endParaRPr kumimoji="1" lang="ja-JP" altLang="en-US" sz="2400" dirty="0"/>
           </a:p>
@@ -10703,13 +10541,6 @@
   <p:clrMapOvr>
     <a:masterClrMapping/>
   </p:clrMapOvr>
-  <p:timing>
-    <p:tnLst>
-      <p:par>
-        <p:cTn id="1" dur="indefinite" restart="never" nodeType="tmRoot"/>
-      </p:par>
-    </p:tnLst>
-  </p:timing>
 </p:sld>
 </file>
 
@@ -10755,7 +10586,7 @@
           </a:ln>
           <a:extLst>
             <a:ext uri="{C572A759-6A51-4108-AA02-DFA0A04FC94B}">
-              <ma14:wrappingTextBoxFlag xmlns:ma14="http://schemas.microsoft.com/office/mac/drawingml/2011/main" xmlns="" val="1"/>
+              <ma14:wrappingTextBoxFlag xmlns="" xmlns:ma14="http://schemas.microsoft.com/office/mac/drawingml/2011/main" val="1"/>
             </a:ext>
           </a:extLst>
         </p:spPr>
@@ -11002,13 +10833,6 @@
   <p:clrMapOvr>
     <a:masterClrMapping/>
   </p:clrMapOvr>
-  <p:timing>
-    <p:tnLst>
-      <p:par>
-        <p:cTn id="1" dur="indefinite" restart="never" nodeType="tmRoot"/>
-      </p:par>
-    </p:tnLst>
-  </p:timing>
 </p:sld>
 </file>
 
@@ -11054,7 +10878,7 @@
           </a:ln>
           <a:extLst>
             <a:ext uri="{C572A759-6A51-4108-AA02-DFA0A04FC94B}">
-              <ma14:wrappingTextBoxFlag xmlns:ma14="http://schemas.microsoft.com/office/mac/drawingml/2011/main" xmlns="" val="1"/>
+              <ma14:wrappingTextBoxFlag xmlns="" xmlns:ma14="http://schemas.microsoft.com/office/mac/drawingml/2011/main" val="1"/>
             </a:ext>
           </a:extLst>
         </p:spPr>
@@ -11118,18 +10942,14 @@
             </a:r>
             <a:r>
               <a:rPr kumimoji="1" lang="ja-JP" altLang="en-US" sz="2800" dirty="0"/>
-              <a:t>以下に</a:t>
-            </a:r>
-            <a:r>
-              <a:rPr kumimoji="1" lang="ja-JP" altLang="en-US" sz="2800" dirty="0" smtClean="0"/>
-              <a:t>分類できます</a:t>
-            </a:r>
-            <a:r>
-              <a:rPr lang="en-US" altLang="ja-JP" sz="2800" dirty="0" smtClean="0"/>
+              <a:t>以下に分類できます</a:t>
+            </a:r>
+            <a:r>
+              <a:rPr lang="en-US" altLang="ja-JP" sz="2800" dirty="0"/>
               <a:t>*</a:t>
             </a:r>
             <a:r>
-              <a:rPr lang="ja-JP" altLang="en-US" sz="2800" dirty="0" err="1" smtClean="0"/>
+              <a:rPr lang="ja-JP" altLang="en-US" sz="2800" dirty="0" err="1"/>
               <a:t>。</a:t>
             </a:r>
             <a:endParaRPr kumimoji="1" lang="en-US" altLang="ja-JP" sz="2800" dirty="0"/>
@@ -11144,18 +10964,14 @@
             </a:r>
             <a:r>
               <a:rPr lang="en-US" altLang="ja-JP" sz="2000" dirty="0"/>
-              <a:t>(Connection </a:t>
-            </a:r>
-            <a:r>
-              <a:rPr lang="en-US" altLang="ja-JP" sz="2000" dirty="0" smtClean="0"/>
-              <a:t>Diagram, </a:t>
-            </a:r>
-            <a:r>
-              <a:rPr lang="ja-JP" altLang="en-US" sz="2000" dirty="0" smtClean="0"/>
+              <a:t>(Connection Diagram, </a:t>
+            </a:r>
+            <a:r>
+              <a:rPr lang="ja-JP" altLang="en-US" sz="2000" dirty="0"/>
               <a:t>システムモデル</a:t>
             </a:r>
             <a:r>
-              <a:rPr lang="en-US" altLang="ja-JP" sz="2000" dirty="0" smtClean="0"/>
+              <a:rPr lang="en-US" altLang="ja-JP" sz="2000" dirty="0"/>
               <a:t>)</a:t>
             </a:r>
             <a:endParaRPr kumimoji="1" lang="en-US" altLang="ja-JP" sz="2800" dirty="0"/>
@@ -11807,10 +11623,9 @@
           <a:lstStyle/>
           <a:p>
             <a:r>
-              <a:rPr kumimoji="1" lang="ja-JP" altLang="en-US" dirty="0" smtClean="0"/>
+              <a:rPr kumimoji="1" lang="ja-JP" altLang="en-US" dirty="0"/>
               <a:t>今回のカスタマイズはこちら</a:t>
             </a:r>
-            <a:endParaRPr kumimoji="1" lang="ja-JP" altLang="en-US" dirty="0"/>
           </a:p>
         </p:txBody>
       </p:sp>
@@ -11837,10 +11652,9 @@
           <a:lstStyle/>
           <a:p>
             <a:r>
-              <a:rPr kumimoji="1" lang="ja-JP" altLang="en-US" sz="1400" dirty="0" smtClean="0"/>
+              <a:rPr kumimoji="1" lang="ja-JP" altLang="en-US" sz="1400" dirty="0"/>
               <a:t>質量を密度と体積の関数に</a:t>
             </a:r>
-            <a:endParaRPr kumimoji="1" lang="ja-JP" altLang="en-US" sz="1400" dirty="0"/>
           </a:p>
         </p:txBody>
       </p:sp>
@@ -11877,13 +11691,6 @@
   <p:clrMapOvr>
     <a:masterClrMapping/>
   </p:clrMapOvr>
-  <p:timing>
-    <p:tnLst>
-      <p:par>
-        <p:cTn id="1" dur="indefinite" restart="never" nodeType="tmRoot"/>
-      </p:par>
-    </p:tnLst>
-  </p:timing>
 </p:sld>
 </file>
 
@@ -12091,7 +11898,7 @@
           </a:ln>
           <a:extLst>
             <a:ext uri="{C572A759-6A51-4108-AA02-DFA0A04FC94B}">
-              <ma14:wrappingTextBoxFlag xmlns:ma14="http://schemas.microsoft.com/office/mac/drawingml/2011/main" xmlns="" val="1"/>
+              <ma14:wrappingTextBoxFlag xmlns="" xmlns:ma14="http://schemas.microsoft.com/office/mac/drawingml/2011/main" val="1"/>
             </a:ext>
           </a:extLst>
         </p:spPr>
@@ -12187,13 +11994,8 @@
             </a:r>
             <a:r>
               <a:rPr kumimoji="1" lang="ja-JP" altLang="en-US" sz="2000" dirty="0"/>
-              <a:t>にして</a:t>
-            </a:r>
-            <a:r>
-              <a:rPr kumimoji="1" lang="ja-JP" altLang="en-US" sz="2000" dirty="0" smtClean="0"/>
-              <a:t>みましょう。</a:t>
-            </a:r>
-            <a:endParaRPr kumimoji="1" lang="ja-JP" altLang="en-US" sz="2000" dirty="0"/>
+              <a:t>にしてみましょう。</a:t>
+            </a:r>
           </a:p>
         </p:txBody>
       </p:sp>
@@ -12378,10 +12180,9 @@
           <a:lstStyle/>
           <a:p>
             <a:r>
-              <a:rPr kumimoji="1" lang="ja-JP" altLang="en-US" sz="2400" u="sng" dirty="0" smtClean="0"/>
+              <a:rPr kumimoji="1" lang="ja-JP" altLang="en-US" sz="2400" u="sng" dirty="0"/>
               <a:t>バネマスモデルの接続図</a:t>
             </a:r>
-            <a:endParaRPr kumimoji="1" lang="ja-JP" altLang="en-US" sz="2400" u="sng" dirty="0"/>
           </a:p>
         </p:txBody>
       </p:sp>
@@ -12418,13 +12219,6 @@
   <p:clrMapOvr>
     <a:masterClrMapping/>
   </p:clrMapOvr>
-  <p:timing>
-    <p:tnLst>
-      <p:par>
-        <p:cTn id="1" dur="indefinite" restart="never" nodeType="tmRoot"/>
-      </p:par>
-    </p:tnLst>
-  </p:timing>
 </p:sld>
 </file>
 
@@ -12518,7 +12312,7 @@
           </a:ln>
           <a:extLst>
             <a:ext uri="{C572A759-6A51-4108-AA02-DFA0A04FC94B}">
-              <ma14:wrappingTextBoxFlag xmlns:ma14="http://schemas.microsoft.com/office/mac/drawingml/2011/main" xmlns="" val="1"/>
+              <ma14:wrappingTextBoxFlag xmlns="" xmlns:ma14="http://schemas.microsoft.com/office/mac/drawingml/2011/main" val="1"/>
             </a:ext>
           </a:extLst>
         </p:spPr>
@@ -12620,12 +12414,8 @@
           <a:lstStyle/>
           <a:p>
             <a:r>
-              <a:rPr lang="ja-JP" altLang="en-US" dirty="0" smtClean="0"/>
-              <a:t>① 「</a:t>
-            </a:r>
-            <a:r>
               <a:rPr lang="ja-JP" altLang="en-US" dirty="0"/>
-              <a:t>ファイル」 </a:t>
+              <a:t>① 「ファイル」 </a:t>
             </a:r>
             <a:r>
               <a:rPr lang="en-US" altLang="ja-JP" dirty="0"/>
@@ -12641,26 +12431,14 @@
             </a:r>
             <a:r>
               <a:rPr lang="ja-JP" altLang="en-US" dirty="0"/>
-              <a:t>ライブラリを</a:t>
-            </a:r>
-            <a:r>
-              <a:rPr lang="ja-JP" altLang="en-US" dirty="0" smtClean="0"/>
-              <a:t>開く</a:t>
+              <a:t>ライブラリを開く」から「</a:t>
+            </a:r>
+            <a:r>
+              <a:rPr lang="en-US" altLang="ja-JP" dirty="0"/>
+              <a:t>Tutorial1.mo</a:t>
             </a:r>
             <a:r>
               <a:rPr lang="ja-JP" altLang="en-US" dirty="0"/>
-              <a:t>」</a:t>
-            </a:r>
-            <a:r>
-              <a:rPr lang="ja-JP" altLang="en-US" dirty="0" smtClean="0"/>
-              <a:t>から「</a:t>
-            </a:r>
-            <a:r>
-              <a:rPr lang="en-US" altLang="ja-JP" dirty="0" smtClean="0"/>
-              <a:t>Tutorial1.mo</a:t>
-            </a:r>
-            <a:r>
-              <a:rPr lang="ja-JP" altLang="en-US" dirty="0" smtClean="0"/>
               <a:t>」を開く</a:t>
             </a:r>
             <a:endParaRPr kumimoji="1" lang="ja-JP" altLang="en-US" dirty="0"/>
@@ -12696,12 +12474,8 @@
           <a:lstStyle/>
           <a:p>
             <a:r>
-              <a:rPr kumimoji="1" lang="ja-JP" altLang="en-US" dirty="0" smtClean="0"/>
-              <a:t>③ モデル</a:t>
-            </a:r>
-            <a:r>
               <a:rPr kumimoji="1" lang="ja-JP" altLang="en-US" dirty="0"/>
-              <a:t>を確認してください</a:t>
+              <a:t>③ モデルを確認してください</a:t>
             </a:r>
           </a:p>
         </p:txBody>
@@ -12787,12 +12561,8 @@
           <a:lstStyle/>
           <a:p>
             <a:r>
-              <a:rPr lang="ja-JP" altLang="en-US" dirty="0" smtClean="0"/>
-              <a:t>② ライブラリブラウザ</a:t>
-            </a:r>
-            <a:r>
               <a:rPr lang="ja-JP" altLang="en-US" dirty="0"/>
-              <a:t>に</a:t>
+              <a:t>② ライブラリブラウザに</a:t>
             </a:r>
             <a:endParaRPr lang="en-US" altLang="ja-JP" dirty="0"/>
           </a:p>
@@ -13156,13 +12926,6 @@
   <p:clrMapOvr>
     <a:masterClrMapping/>
   </p:clrMapOvr>
-  <p:timing>
-    <p:tnLst>
-      <p:par>
-        <p:cTn id="1" dur="indefinite" restart="never" nodeType="tmRoot"/>
-      </p:par>
-    </p:tnLst>
-  </p:timing>
 </p:sld>
 </file>
 
@@ -13232,7 +12995,7 @@
           </a:ln>
           <a:extLst>
             <a:ext uri="{C572A759-6A51-4108-AA02-DFA0A04FC94B}">
-              <ma14:wrappingTextBoxFlag xmlns:ma14="http://schemas.microsoft.com/office/mac/drawingml/2011/main" xmlns="" val="1"/>
+              <ma14:wrappingTextBoxFlag xmlns="" xmlns:ma14="http://schemas.microsoft.com/office/mac/drawingml/2011/main" val="1"/>
             </a:ext>
           </a:extLst>
         </p:spPr>
@@ -13252,11 +13015,7 @@
             </a:pPr>
             <a:r>
               <a:rPr lang="ja-JP" altLang="en-US" dirty="0"/>
-              <a:t>ファイル</a:t>
-            </a:r>
-            <a:r>
-              <a:rPr lang="ja-JP" altLang="en-US" dirty="0" smtClean="0"/>
-              <a:t>を別名保存</a:t>
+              <a:t>ファイルを別名保存</a:t>
             </a:r>
             <a:endParaRPr lang="en-US" altLang="ja-JP" dirty="0"/>
           </a:p>
@@ -13291,7 +13050,7 @@
           <a:lstStyle/>
           <a:p>
             <a:r>
-              <a:rPr lang="ja-JP" altLang="en-US" dirty="0" smtClean="0"/>
+              <a:rPr lang="ja-JP" altLang="en-US" dirty="0"/>
               <a:t>① 「別名で保存」をクリックします</a:t>
             </a:r>
             <a:endParaRPr kumimoji="1" lang="ja-JP" altLang="en-US" dirty="0"/>
@@ -13477,15 +13236,15 @@
           <a:lstStyle/>
           <a:p>
             <a:r>
-              <a:rPr lang="ja-JP" altLang="en-US" dirty="0" smtClean="0"/>
+              <a:rPr lang="ja-JP" altLang="en-US" dirty="0"/>
               <a:t>② 任意の名前を入力し「</a:t>
             </a:r>
             <a:r>
-              <a:rPr lang="en-US" altLang="ja-JP" dirty="0" smtClean="0"/>
+              <a:rPr lang="en-US" altLang="ja-JP" dirty="0"/>
               <a:t>OK</a:t>
             </a:r>
             <a:r>
-              <a:rPr lang="ja-JP" altLang="en-US" dirty="0" smtClean="0"/>
+              <a:rPr lang="ja-JP" altLang="en-US" dirty="0"/>
               <a:t>」をクリックします</a:t>
             </a:r>
             <a:endParaRPr kumimoji="1" lang="ja-JP" altLang="en-US" dirty="0"/>
@@ -13521,7 +13280,7 @@
           <a:lstStyle/>
           <a:p>
             <a:r>
-              <a:rPr lang="ja-JP" altLang="en-US" dirty="0" smtClean="0"/>
+              <a:rPr lang="ja-JP" altLang="en-US" dirty="0"/>
               <a:t>③ ファイル名を「保存」をクリックします</a:t>
             </a:r>
             <a:endParaRPr kumimoji="1" lang="ja-JP" altLang="en-US" dirty="0"/>
@@ -13718,13 +13477,6 @@
   <p:clrMapOvr>
     <a:masterClrMapping/>
   </p:clrMapOvr>
-  <p:timing>
-    <p:tnLst>
-      <p:par>
-        <p:cTn id="1" dur="indefinite" restart="never" nodeType="tmRoot"/>
-      </p:par>
-    </p:tnLst>
-  </p:timing>
 </p:sld>
 </file>
 
@@ -13770,7 +13522,7 @@
           </a:ln>
           <a:extLst>
             <a:ext uri="{C572A759-6A51-4108-AA02-DFA0A04FC94B}">
-              <ma14:wrappingTextBoxFlag xmlns:ma14="http://schemas.microsoft.com/office/mac/drawingml/2011/main" xmlns="" val="1"/>
+              <ma14:wrappingTextBoxFlag xmlns="" xmlns:ma14="http://schemas.microsoft.com/office/mac/drawingml/2011/main" val="1"/>
             </a:ext>
           </a:extLst>
         </p:spPr>
@@ -13945,11 +13697,7 @@
             </a:r>
             <a:r>
               <a:rPr lang="ja-JP" altLang="en-US" dirty="0"/>
-              <a:t>クリックして</a:t>
-            </a:r>
-            <a:r>
-              <a:rPr lang="ja-JP" altLang="en-US" dirty="0" smtClean="0"/>
-              <a:t>ください</a:t>
+              <a:t>クリックしてください</a:t>
             </a:r>
             <a:endParaRPr kumimoji="1" lang="en-US" altLang="ja-JP" dirty="0"/>
           </a:p>
@@ -13985,11 +13733,7 @@
           <a:p>
             <a:r>
               <a:rPr lang="ja-JP" altLang="en-US" dirty="0"/>
-              <a:t>クラスに書かれたコードが表示</a:t>
-            </a:r>
-            <a:r>
-              <a:rPr lang="ja-JP" altLang="en-US" dirty="0" smtClean="0"/>
-              <a:t>されます</a:t>
+              <a:t>クラスに書かれたコードが表示されます</a:t>
             </a:r>
             <a:endParaRPr kumimoji="1" lang="en-US" altLang="ja-JP" dirty="0"/>
           </a:p>
@@ -14121,7 +13865,7 @@
           </a:ln>
           <a:extLst>
             <a:ext uri="{C572A759-6A51-4108-AA02-DFA0A04FC94B}">
-              <ma14:wrappingTextBoxFlag xmlns:ma14="http://schemas.microsoft.com/office/mac/drawingml/2011/main" xmlns="" val="1"/>
+              <ma14:wrappingTextBoxFlag xmlns="" xmlns:ma14="http://schemas.microsoft.com/office/mac/drawingml/2011/main" val="1"/>
             </a:ext>
           </a:extLst>
         </p:spPr>
@@ -14176,16 +13920,12 @@
           <a:lstStyle/>
           <a:p>
             <a:r>
-              <a:rPr lang="en-US" altLang="ja-JP" dirty="0" err="1" smtClean="0"/>
+              <a:rPr lang="en-US" altLang="ja-JP" dirty="0" err="1"/>
               <a:t>Modelica</a:t>
             </a:r>
             <a:r>
               <a:rPr lang="ja-JP" altLang="en-US" dirty="0"/>
-              <a:t>内で作成するオブジェクト（プログラム）</a:t>
-            </a:r>
-            <a:r>
-              <a:rPr lang="ja-JP" altLang="en-US" dirty="0" smtClean="0"/>
-              <a:t>はすべて</a:t>
+              <a:t>内で作成するオブジェクト（プログラム）はすべて</a:t>
             </a:r>
             <a:r>
               <a:rPr lang="en-US" altLang="ja-JP" dirty="0"/>
@@ -14208,23 +13948,7 @@
           <a:p>
             <a:r>
               <a:rPr lang="ja-JP" altLang="en-US" dirty="0"/>
-              <a:t>クラス</a:t>
-            </a:r>
-            <a:r>
-              <a:rPr lang="ja-JP" altLang="en-US" dirty="0" smtClean="0"/>
-              <a:t>は</a:t>
-            </a:r>
-            <a:r>
-              <a:rPr lang="ja-JP" altLang="en-US" dirty="0"/>
-              <a:t>変数</a:t>
-            </a:r>
-            <a:r>
-              <a:rPr lang="ja-JP" altLang="en-US" dirty="0" smtClean="0"/>
-              <a:t>と方程式を</a:t>
-            </a:r>
-            <a:r>
-              <a:rPr lang="ja-JP" altLang="en-US" dirty="0"/>
-              <a:t>規定したもので用途に応じて様々</a:t>
+              <a:t>クラスは変数と方程式を規定したもので用途に応じて様々</a:t>
             </a:r>
             <a:r>
               <a:rPr kumimoji="1" lang="ja-JP" altLang="en-US" dirty="0"/>
@@ -14628,11 +14352,7 @@
           <a:p>
             <a:r>
               <a:rPr lang="ja-JP" altLang="en-US" dirty="0"/>
-              <a:t>クラスの選択は</a:t>
-            </a:r>
-            <a:r>
-              <a:rPr lang="ja-JP" altLang="en-US" dirty="0" smtClean="0"/>
-              <a:t>以下</a:t>
+              <a:t>クラスの選択は以下</a:t>
             </a:r>
             <a:endParaRPr kumimoji="1" lang="en-US" altLang="ja-JP" dirty="0"/>
           </a:p>
@@ -14671,13 +14391,6 @@
   <p:clrMapOvr>
     <a:masterClrMapping/>
   </p:clrMapOvr>
-  <p:timing>
-    <p:tnLst>
-      <p:par>
-        <p:cTn id="1" dur="indefinite" restart="never" nodeType="tmRoot"/>
-      </p:par>
-    </p:tnLst>
-  </p:timing>
 </p:sld>
 </file>
 
